--- a/总结.pptx
+++ b/总结.pptx
@@ -13,10 +13,8 @@
     <p:sldId id="281" r:id="rId6"/>
     <p:sldId id="258" r:id="rId7"/>
     <p:sldId id="259" r:id="rId8"/>
-    <p:sldId id="260" r:id="rId9"/>
-    <p:sldId id="274" r:id="rId10"/>
-    <p:sldId id="275" r:id="rId11"/>
-    <p:sldId id="285" r:id="rId12"/>
+    <p:sldId id="275" r:id="rId9"/>
+    <p:sldId id="285" r:id="rId10"/>
   </p:sldIdLst>
   <p:sldSz cx="12192000" cy="6858000"/>
   <p:notesSz cx="7103745" cy="10234295"/>
@@ -890,89 +888,6 @@
 </file>
 
 <file path=ppt/notesSlides/notesSlide6.xml><?xml version="1.0" encoding="utf-8"?>
-<p:notes xmlns:a="http://schemas.openxmlformats.org/drawingml/2006/main" xmlns:r="http://schemas.openxmlformats.org/officeDocument/2006/relationships" xmlns:p="http://schemas.openxmlformats.org/presentationml/2006/main">
-  <p:cSld>
-    <p:spTree>
-      <p:nvGrpSpPr>
-        <p:cNvPr id="1" name=""/>
-        <p:cNvGrpSpPr/>
-        <p:nvPr/>
-      </p:nvGrpSpPr>
-      <p:grpSpPr>
-        <a:xfrm>
-          <a:off x="0" y="0"/>
-          <a:ext cx="0" cy="0"/>
-          <a:chOff x="0" y="0"/>
-          <a:chExt cx="0" cy="0"/>
-        </a:xfrm>
-      </p:grpSpPr>
-      <p:sp>
-        <p:nvSpPr>
-          <p:cNvPr id="2" name="幻灯片图像占位符 1"/>
-          <p:cNvSpPr>
-            <a:spLocks noGrp="1" noRot="1" noChangeAspect="1"/>
-          </p:cNvSpPr>
-          <p:nvPr>
-            <p:ph type="sldImg"/>
-          </p:nvPr>
-        </p:nvSpPr>
-        <p:spPr>
-          <a:xfrm>
-            <a:off x="685800" y="1143000"/>
-            <a:ext cx="5486400" cy="3086100"/>
-          </a:xfrm>
-        </p:spPr>
-      </p:sp>
-      <p:sp>
-        <p:nvSpPr>
-          <p:cNvPr id="3" name="备注占位符 2"/>
-          <p:cNvSpPr>
-            <a:spLocks noGrp="1"/>
-          </p:cNvSpPr>
-          <p:nvPr>
-            <p:ph type="body" idx="1"/>
-          </p:nvPr>
-        </p:nvSpPr>
-        <p:spPr/>
-        <p:txBody>
-          <a:bodyPr/>
-          <a:lstStyle/>
-          <a:p>
-            <a:endParaRPr lang="zh-CN" altLang="en-US"/>
-          </a:p>
-        </p:txBody>
-      </p:sp>
-      <p:sp>
-        <p:nvSpPr>
-          <p:cNvPr id="4" name="灯片编号占位符 3"/>
-          <p:cNvSpPr>
-            <a:spLocks noGrp="1"/>
-          </p:cNvSpPr>
-          <p:nvPr>
-            <p:ph type="sldNum" sz="quarter" idx="10"/>
-          </p:nvPr>
-        </p:nvSpPr>
-        <p:spPr/>
-        <p:txBody>
-          <a:bodyPr/>
-          <a:lstStyle/>
-          <a:p>
-            <a:fld id="{4E38F04A-84B0-4E5D-A1A7-EE43D6EF2A66}" type="slidenum">
-              <a:rPr lang="zh-CN" altLang="en-US" smtClean="0"/>
-            </a:fld>
-            <a:endParaRPr lang="zh-CN" altLang="en-US"/>
-          </a:p>
-        </p:txBody>
-      </p:sp>
-    </p:spTree>
-  </p:cSld>
-  <p:clrMapOvr>
-    <a:masterClrMapping/>
-  </p:clrMapOvr>
-</p:notes>
-</file>
-
-<file path=ppt/notesSlides/notesSlide7.xml><?xml version="1.0" encoding="utf-8"?>
 <p:notes xmlns:a="http://schemas.openxmlformats.org/drawingml/2006/main" xmlns:r="http://schemas.openxmlformats.org/officeDocument/2006/relationships" xmlns:p="http://schemas.openxmlformats.org/presentationml/2006/main" showMasterSp="0">
   <p:cSld>
     <p:bg bwMode="auto">
@@ -1101,7 +1016,7 @@
                   <a:schemeClr val="tx1"/>
                 </a:solidFill>
                 <a:latin typeface="Arial Narrow" pitchFamily="34" charset="0"/>
-                <a:ea typeface="微软雅黑" panose="020B0503020204020204" charset="-122"/>
+                <a:ea typeface="微软雅黑" charset="-122"/>
               </a:defRPr>
             </a:lvl1pPr>
             <a:lvl2pPr marL="742950" indent="-285750">
@@ -1110,7 +1025,7 @@
                   <a:schemeClr val="tx1"/>
                 </a:solidFill>
                 <a:latin typeface="Arial Narrow" pitchFamily="34" charset="0"/>
-                <a:ea typeface="微软雅黑" panose="020B0503020204020204" charset="-122"/>
+                <a:ea typeface="微软雅黑" charset="-122"/>
               </a:defRPr>
             </a:lvl2pPr>
             <a:lvl3pPr marL="1143000" indent="-228600">
@@ -1119,7 +1034,7 @@
                   <a:schemeClr val="tx1"/>
                 </a:solidFill>
                 <a:latin typeface="Arial Narrow" pitchFamily="34" charset="0"/>
-                <a:ea typeface="微软雅黑" panose="020B0503020204020204" charset="-122"/>
+                <a:ea typeface="微软雅黑" charset="-122"/>
               </a:defRPr>
             </a:lvl3pPr>
             <a:lvl4pPr marL="1600200" indent="-228600">
@@ -1128,7 +1043,7 @@
                   <a:schemeClr val="tx1"/>
                 </a:solidFill>
                 <a:latin typeface="Arial Narrow" pitchFamily="34" charset="0"/>
-                <a:ea typeface="微软雅黑" panose="020B0503020204020204" charset="-122"/>
+                <a:ea typeface="微软雅黑" charset="-122"/>
               </a:defRPr>
             </a:lvl4pPr>
             <a:lvl5pPr marL="2057400" indent="-228600">
@@ -1137,7 +1052,7 @@
                   <a:schemeClr val="tx1"/>
                 </a:solidFill>
                 <a:latin typeface="Arial Narrow" pitchFamily="34" charset="0"/>
-                <a:ea typeface="微软雅黑" panose="020B0503020204020204" charset="-122"/>
+                <a:ea typeface="微软雅黑" charset="-122"/>
               </a:defRPr>
             </a:lvl5pPr>
             <a:lvl6pPr marL="2514600" indent="-228600" eaLnBrk="0" fontAlgn="base" hangingPunct="0">
@@ -1152,7 +1067,7 @@
                   <a:schemeClr val="tx1"/>
                 </a:solidFill>
                 <a:latin typeface="Arial Narrow" pitchFamily="34" charset="0"/>
-                <a:ea typeface="微软雅黑" panose="020B0503020204020204" charset="-122"/>
+                <a:ea typeface="微软雅黑" charset="-122"/>
               </a:defRPr>
             </a:lvl6pPr>
             <a:lvl7pPr marL="2971800" indent="-228600" eaLnBrk="0" fontAlgn="base" hangingPunct="0">
@@ -1167,7 +1082,7 @@
                   <a:schemeClr val="tx1"/>
                 </a:solidFill>
                 <a:latin typeface="Arial Narrow" pitchFamily="34" charset="0"/>
-                <a:ea typeface="微软雅黑" panose="020B0503020204020204" charset="-122"/>
+                <a:ea typeface="微软雅黑" charset="-122"/>
               </a:defRPr>
             </a:lvl7pPr>
             <a:lvl8pPr marL="3429000" indent="-228600" eaLnBrk="0" fontAlgn="base" hangingPunct="0">
@@ -1182,7 +1097,7 @@
                   <a:schemeClr val="tx1"/>
                 </a:solidFill>
                 <a:latin typeface="Arial Narrow" pitchFamily="34" charset="0"/>
-                <a:ea typeface="微软雅黑" panose="020B0503020204020204" charset="-122"/>
+                <a:ea typeface="微软雅黑" charset="-122"/>
               </a:defRPr>
             </a:lvl8pPr>
             <a:lvl9pPr marL="3886200" indent="-228600" eaLnBrk="0" fontAlgn="base" hangingPunct="0">
@@ -1197,24 +1112,24 @@
                   <a:schemeClr val="tx1"/>
                 </a:solidFill>
                 <a:latin typeface="Arial Narrow" pitchFamily="34" charset="0"/>
-                <a:ea typeface="微软雅黑" panose="020B0503020204020204" charset="-122"/>
+                <a:ea typeface="微软雅黑" charset="-122"/>
               </a:defRPr>
             </a:lvl9pPr>
           </a:lstStyle>
           <a:p>
             <a:pPr algn="r" eaLnBrk="1" hangingPunct="1">
-              <a:buFont typeface="Arial" panose="020B0604020202020204" pitchFamily="34" charset="0"/>
+              <a:buFont typeface="Arial" charset="0"/>
               <a:buNone/>
             </a:pPr>
             <a:fld id="{67CC210E-8B68-48AF-806E-557DB38F96A4}" type="slidenum">
               <a:rPr lang="zh-CN" altLang="en-US" sz="1200">
-                <a:latin typeface="Calibri" panose="020F0502020204030204" charset="0"/>
-                <a:ea typeface="宋体" panose="02010600030101010101" pitchFamily="2" charset="-122"/>
+                <a:latin typeface="Calibri" charset="0"/>
+                <a:ea typeface="宋体" pitchFamily="2" charset="-122"/>
               </a:rPr>
             </a:fld>
             <a:endParaRPr lang="zh-CN" altLang="en-US" sz="1200">
-              <a:latin typeface="Calibri" panose="020F0502020204030204" charset="0"/>
-              <a:ea typeface="宋体" panose="02010600030101010101" pitchFamily="2" charset="-122"/>
+              <a:latin typeface="Calibri" charset="0"/>
+              <a:ea typeface="宋体" pitchFamily="2" charset="-122"/>
             </a:endParaRPr>
           </a:p>
         </p:txBody>
@@ -1227,262 +1142,7 @@
 </p:notes>
 </file>
 
-<file path=ppt/notesSlides/notesSlide8.xml><?xml version="1.0" encoding="utf-8"?>
-<p:notes xmlns:a="http://schemas.openxmlformats.org/drawingml/2006/main" xmlns:r="http://schemas.openxmlformats.org/officeDocument/2006/relationships" xmlns:p="http://schemas.openxmlformats.org/presentationml/2006/main" showMasterSp="0">
-  <p:cSld>
-    <p:bg bwMode="auto">
-      <p:bgPr>
-        <a:solidFill>
-          <a:srgbClr val="FFFFFF"/>
-        </a:solidFill>
-        <a:effectLst/>
-      </p:bgPr>
-    </p:bg>
-    <p:spTree>
-      <p:nvGrpSpPr>
-        <p:cNvPr id="1" name=""/>
-        <p:cNvGrpSpPr/>
-        <p:nvPr/>
-      </p:nvGrpSpPr>
-      <p:grpSpPr>
-        <a:xfrm>
-          <a:off x="0" y="0"/>
-          <a:ext cx="0" cy="0"/>
-          <a:chOff x="0" y="0"/>
-          <a:chExt cx="0" cy="0"/>
-        </a:xfrm>
-      </p:grpSpPr>
-      <p:sp>
-        <p:nvSpPr>
-          <p:cNvPr id="4098" name="幻灯片图像占位符 1"/>
-          <p:cNvSpPr>
-            <a:spLocks noGrp="1" noRot="1" noChangeAspect="1" noTextEdit="1"/>
-          </p:cNvSpPr>
-          <p:nvPr>
-            <p:ph type="sldImg"/>
-          </p:nvPr>
-        </p:nvSpPr>
-        <p:spPr>
-          <a:xfrm>
-            <a:off x="685800" y="1143000"/>
-            <a:ext cx="5486400" cy="3086100"/>
-          </a:xfrm>
-        </p:spPr>
-      </p:sp>
-      <p:sp>
-        <p:nvSpPr>
-          <p:cNvPr id="4099" name="备注占位符 2"/>
-          <p:cNvSpPr>
-            <a:spLocks noGrp="1"/>
-          </p:cNvSpPr>
-          <p:nvPr>
-            <p:ph type="body" idx="1"/>
-          </p:nvPr>
-        </p:nvSpPr>
-        <p:spPr>
-          <a:noFill/>
-          <a:extLst>
-            <a:ext uri="{91240B29-F687-4F45-9708-019B960494DF}">
-              <a14:hiddenLine xmlns:a14="http://schemas.microsoft.com/office/drawing/2010/main" w="12700">
-                <a:solidFill>
-                  <a:srgbClr val="000000"/>
-                </a:solidFill>
-                <a:miter lim="800000"/>
-                <a:headEnd/>
-                <a:tailEnd/>
-              </a14:hiddenLine>
-            </a:ext>
-          </a:extLst>
-        </p:spPr>
-        <p:txBody>
-          <a:bodyPr anchor="t"/>
-          <a:lstStyle/>
-          <a:p>
-            <a:pPr eaLnBrk="1" hangingPunct="1">
-              <a:spcBef>
-                <a:spcPct val="0"/>
-              </a:spcBef>
-            </a:pPr>
-            <a:endParaRPr lang="zh-CN" altLang="en-US" smtClean="0"/>
-          </a:p>
-        </p:txBody>
-      </p:sp>
-      <p:sp>
-        <p:nvSpPr>
-          <p:cNvPr id="4100" name="灯片编号占位符 3"/>
-          <p:cNvSpPr txBox="1">
-            <a:spLocks noGrp="1" noChangeArrowheads="1"/>
-          </p:cNvSpPr>
-          <p:nvPr/>
-        </p:nvSpPr>
-        <p:spPr bwMode="auto">
-          <a:xfrm>
-            <a:off x="3884613" y="8685213"/>
-            <a:ext cx="2971800" cy="458787"/>
-          </a:xfrm>
-          <a:prstGeom prst="rect">
-            <a:avLst/>
-          </a:prstGeom>
-          <a:noFill/>
-          <a:ln>
-            <a:noFill/>
-          </a:ln>
-          <a:extLst>
-            <a:ext uri="{909E8E84-426E-40DD-AFC4-6F175D3DCCD1}">
-              <a14:hiddenFill xmlns:a14="http://schemas.microsoft.com/office/drawing/2010/main">
-                <a:solidFill>
-                  <a:srgbClr val="FFFFFF"/>
-                </a:solidFill>
-              </a14:hiddenFill>
-            </a:ext>
-            <a:ext uri="{91240B29-F687-4F45-9708-019B960494DF}">
-              <a14:hiddenLine xmlns:a14="http://schemas.microsoft.com/office/drawing/2010/main" w="9525">
-                <a:solidFill>
-                  <a:srgbClr val="000000"/>
-                </a:solidFill>
-                <a:miter lim="800000"/>
-                <a:headEnd/>
-                <a:tailEnd/>
-              </a14:hiddenLine>
-            </a:ext>
-          </a:extLst>
-        </p:spPr>
-        <p:txBody>
-          <a:bodyPr anchor="b"/>
-          <a:lstStyle>
-            <a:lvl1pPr>
-              <a:defRPr>
-                <a:solidFill>
-                  <a:schemeClr val="tx1"/>
-                </a:solidFill>
-                <a:latin typeface="Arial Narrow" pitchFamily="34" charset="0"/>
-                <a:ea typeface="微软雅黑" panose="020B0503020204020204" charset="-122"/>
-              </a:defRPr>
-            </a:lvl1pPr>
-            <a:lvl2pPr marL="742950" indent="-285750">
-              <a:defRPr>
-                <a:solidFill>
-                  <a:schemeClr val="tx1"/>
-                </a:solidFill>
-                <a:latin typeface="Arial Narrow" pitchFamily="34" charset="0"/>
-                <a:ea typeface="微软雅黑" panose="020B0503020204020204" charset="-122"/>
-              </a:defRPr>
-            </a:lvl2pPr>
-            <a:lvl3pPr marL="1143000" indent="-228600">
-              <a:defRPr>
-                <a:solidFill>
-                  <a:schemeClr val="tx1"/>
-                </a:solidFill>
-                <a:latin typeface="Arial Narrow" pitchFamily="34" charset="0"/>
-                <a:ea typeface="微软雅黑" panose="020B0503020204020204" charset="-122"/>
-              </a:defRPr>
-            </a:lvl3pPr>
-            <a:lvl4pPr marL="1600200" indent="-228600">
-              <a:defRPr>
-                <a:solidFill>
-                  <a:schemeClr val="tx1"/>
-                </a:solidFill>
-                <a:latin typeface="Arial Narrow" pitchFamily="34" charset="0"/>
-                <a:ea typeface="微软雅黑" panose="020B0503020204020204" charset="-122"/>
-              </a:defRPr>
-            </a:lvl4pPr>
-            <a:lvl5pPr marL="2057400" indent="-228600">
-              <a:defRPr>
-                <a:solidFill>
-                  <a:schemeClr val="tx1"/>
-                </a:solidFill>
-                <a:latin typeface="Arial Narrow" pitchFamily="34" charset="0"/>
-                <a:ea typeface="微软雅黑" panose="020B0503020204020204" charset="-122"/>
-              </a:defRPr>
-            </a:lvl5pPr>
-            <a:lvl6pPr marL="2514600" indent="-228600" eaLnBrk="0" fontAlgn="base" hangingPunct="0">
-              <a:spcBef>
-                <a:spcPct val="0"/>
-              </a:spcBef>
-              <a:spcAft>
-                <a:spcPct val="0"/>
-              </a:spcAft>
-              <a:defRPr>
-                <a:solidFill>
-                  <a:schemeClr val="tx1"/>
-                </a:solidFill>
-                <a:latin typeface="Arial Narrow" pitchFamily="34" charset="0"/>
-                <a:ea typeface="微软雅黑" panose="020B0503020204020204" charset="-122"/>
-              </a:defRPr>
-            </a:lvl6pPr>
-            <a:lvl7pPr marL="2971800" indent="-228600" eaLnBrk="0" fontAlgn="base" hangingPunct="0">
-              <a:spcBef>
-                <a:spcPct val="0"/>
-              </a:spcBef>
-              <a:spcAft>
-                <a:spcPct val="0"/>
-              </a:spcAft>
-              <a:defRPr>
-                <a:solidFill>
-                  <a:schemeClr val="tx1"/>
-                </a:solidFill>
-                <a:latin typeface="Arial Narrow" pitchFamily="34" charset="0"/>
-                <a:ea typeface="微软雅黑" panose="020B0503020204020204" charset="-122"/>
-              </a:defRPr>
-            </a:lvl7pPr>
-            <a:lvl8pPr marL="3429000" indent="-228600" eaLnBrk="0" fontAlgn="base" hangingPunct="0">
-              <a:spcBef>
-                <a:spcPct val="0"/>
-              </a:spcBef>
-              <a:spcAft>
-                <a:spcPct val="0"/>
-              </a:spcAft>
-              <a:defRPr>
-                <a:solidFill>
-                  <a:schemeClr val="tx1"/>
-                </a:solidFill>
-                <a:latin typeface="Arial Narrow" pitchFamily="34" charset="0"/>
-                <a:ea typeface="微软雅黑" panose="020B0503020204020204" charset="-122"/>
-              </a:defRPr>
-            </a:lvl8pPr>
-            <a:lvl9pPr marL="3886200" indent="-228600" eaLnBrk="0" fontAlgn="base" hangingPunct="0">
-              <a:spcBef>
-                <a:spcPct val="0"/>
-              </a:spcBef>
-              <a:spcAft>
-                <a:spcPct val="0"/>
-              </a:spcAft>
-              <a:defRPr>
-                <a:solidFill>
-                  <a:schemeClr val="tx1"/>
-                </a:solidFill>
-                <a:latin typeface="Arial Narrow" pitchFamily="34" charset="0"/>
-                <a:ea typeface="微软雅黑" panose="020B0503020204020204" charset="-122"/>
-              </a:defRPr>
-            </a:lvl9pPr>
-          </a:lstStyle>
-          <a:p>
-            <a:pPr algn="r" eaLnBrk="1" hangingPunct="1">
-              <a:buFont typeface="Arial" panose="020B0604020202020204" pitchFamily="34" charset="0"/>
-              <a:buNone/>
-            </a:pPr>
-            <a:fld id="{67CC210E-8B68-48AF-806E-557DB38F96A4}" type="slidenum">
-              <a:rPr lang="zh-CN" altLang="en-US" sz="1200">
-                <a:latin typeface="Calibri" panose="020F0502020204030204" charset="0"/>
-                <a:ea typeface="宋体" panose="02010600030101010101" pitchFamily="2" charset="-122"/>
-              </a:rPr>
-            </a:fld>
-            <a:endParaRPr lang="zh-CN" altLang="en-US" sz="1200">
-              <a:latin typeface="Calibri" panose="020F0502020204030204" charset="0"/>
-              <a:ea typeface="宋体" panose="02010600030101010101" pitchFamily="2" charset="-122"/>
-            </a:endParaRPr>
-          </a:p>
-        </p:txBody>
-      </p:sp>
-    </p:spTree>
-  </p:cSld>
-  <p:clrMapOvr>
-    <a:overrideClrMapping bg1="lt1" tx1="dk1" bg2="lt2" tx2="dk2" accent1="accent1" accent2="accent2" accent3="accent3" accent4="accent4" accent5="accent5" accent6="accent6" hlink="hlink" folHlink="folHlink"/>
-  </p:clrMapOvr>
-</p:notes>
-</file>
-
-<file path=ppt/notesSlides/notesSlide9.xml><?xml version="1.0" encoding="utf-8"?>
+<file path=ppt/notesSlides/notesSlide7.xml><?xml version="1.0" encoding="utf-8"?>
 <p:notes xmlns:a="http://schemas.openxmlformats.org/drawingml/2006/main" xmlns:r="http://schemas.openxmlformats.org/officeDocument/2006/relationships" xmlns:p="http://schemas.openxmlformats.org/presentationml/2006/main">
   <p:cSld>
     <p:spTree>
@@ -1618,7 +1278,7 @@
                   <a:schemeClr val="tx1"/>
                 </a:solidFill>
                 <a:latin typeface="Arial Narrow" pitchFamily="34" charset="0"/>
-                <a:ea typeface="微软雅黑" panose="020B0503020204020204" charset="-122"/>
+                <a:ea typeface="微软雅黑" charset="-122"/>
               </a:defRPr>
             </a:lvl1pPr>
             <a:lvl2pPr marL="742950" indent="-285750">
@@ -1627,7 +1287,7 @@
                   <a:schemeClr val="tx1"/>
                 </a:solidFill>
                 <a:latin typeface="Arial Narrow" pitchFamily="34" charset="0"/>
-                <a:ea typeface="微软雅黑" panose="020B0503020204020204" charset="-122"/>
+                <a:ea typeface="微软雅黑" charset="-122"/>
               </a:defRPr>
             </a:lvl2pPr>
             <a:lvl3pPr marL="1143000" indent="-228600">
@@ -1636,7 +1296,7 @@
                   <a:schemeClr val="tx1"/>
                 </a:solidFill>
                 <a:latin typeface="Arial Narrow" pitchFamily="34" charset="0"/>
-                <a:ea typeface="微软雅黑" panose="020B0503020204020204" charset="-122"/>
+                <a:ea typeface="微软雅黑" charset="-122"/>
               </a:defRPr>
             </a:lvl3pPr>
             <a:lvl4pPr marL="1600200" indent="-228600">
@@ -1645,7 +1305,7 @@
                   <a:schemeClr val="tx1"/>
                 </a:solidFill>
                 <a:latin typeface="Arial Narrow" pitchFamily="34" charset="0"/>
-                <a:ea typeface="微软雅黑" panose="020B0503020204020204" charset="-122"/>
+                <a:ea typeface="微软雅黑" charset="-122"/>
               </a:defRPr>
             </a:lvl4pPr>
             <a:lvl5pPr marL="2057400" indent="-228600">
@@ -1654,7 +1314,7 @@
                   <a:schemeClr val="tx1"/>
                 </a:solidFill>
                 <a:latin typeface="Arial Narrow" pitchFamily="34" charset="0"/>
-                <a:ea typeface="微软雅黑" panose="020B0503020204020204" charset="-122"/>
+                <a:ea typeface="微软雅黑" charset="-122"/>
               </a:defRPr>
             </a:lvl5pPr>
             <a:lvl6pPr marL="2514600" indent="-228600" eaLnBrk="0" fontAlgn="base" hangingPunct="0">
@@ -1669,7 +1329,7 @@
                   <a:schemeClr val="tx1"/>
                 </a:solidFill>
                 <a:latin typeface="Arial Narrow" pitchFamily="34" charset="0"/>
-                <a:ea typeface="微软雅黑" panose="020B0503020204020204" charset="-122"/>
+                <a:ea typeface="微软雅黑" charset="-122"/>
               </a:defRPr>
             </a:lvl6pPr>
             <a:lvl7pPr marL="2971800" indent="-228600" eaLnBrk="0" fontAlgn="base" hangingPunct="0">
@@ -1684,7 +1344,7 @@
                   <a:schemeClr val="tx1"/>
                 </a:solidFill>
                 <a:latin typeface="Arial Narrow" pitchFamily="34" charset="0"/>
-                <a:ea typeface="微软雅黑" panose="020B0503020204020204" charset="-122"/>
+                <a:ea typeface="微软雅黑" charset="-122"/>
               </a:defRPr>
             </a:lvl7pPr>
             <a:lvl8pPr marL="3429000" indent="-228600" eaLnBrk="0" fontAlgn="base" hangingPunct="0">
@@ -1699,7 +1359,7 @@
                   <a:schemeClr val="tx1"/>
                 </a:solidFill>
                 <a:latin typeface="Arial Narrow" pitchFamily="34" charset="0"/>
-                <a:ea typeface="微软雅黑" panose="020B0503020204020204" charset="-122"/>
+                <a:ea typeface="微软雅黑" charset="-122"/>
               </a:defRPr>
             </a:lvl8pPr>
             <a:lvl9pPr marL="3886200" indent="-228600" eaLnBrk="0" fontAlgn="base" hangingPunct="0">
@@ -1714,7 +1374,7 @@
                   <a:schemeClr val="tx1"/>
                 </a:solidFill>
                 <a:latin typeface="Arial Narrow" pitchFamily="34" charset="0"/>
-                <a:ea typeface="微软雅黑" panose="020B0503020204020204" charset="-122"/>
+                <a:ea typeface="微软雅黑" charset="-122"/>
               </a:defRPr>
             </a:lvl9pPr>
           </a:lstStyle>
@@ -1729,13 +1389,13 @@
             </a:pPr>
             <a:fld id="{2260F682-2EAE-4BD7-8952-A1569DFBFEB9}" type="slidenum">
               <a:rPr lang="zh-CN" altLang="en-US" smtClean="0">
-                <a:latin typeface="Calibri" panose="020F0502020204030204" charset="0"/>
-                <a:ea typeface="宋体" panose="02010600030101010101" pitchFamily="2" charset="-122"/>
+                <a:latin typeface="Calibri" charset="0"/>
+                <a:ea typeface="宋体" pitchFamily="2" charset="-122"/>
               </a:rPr>
             </a:fld>
             <a:endParaRPr lang="zh-CN" altLang="en-US" smtClean="0">
-              <a:latin typeface="Calibri" panose="020F0502020204030204" charset="0"/>
-              <a:ea typeface="宋体" panose="02010600030101010101" pitchFamily="2" charset="-122"/>
+              <a:latin typeface="Calibri" charset="0"/>
+              <a:ea typeface="宋体" pitchFamily="2" charset="-122"/>
             </a:endParaRPr>
           </a:p>
         </p:txBody>
@@ -4888,9 +4548,6 @@
           </p:cNvSpPr>
           <p:nvPr>
             <p:ph type="title"/>
-            <p:custDataLst>
-              <p:tags r:id="rId12"/>
-            </p:custDataLst>
           </p:nvPr>
         </p:nvSpPr>
         <p:spPr>
@@ -4924,9 +4581,6 @@
           </p:cNvSpPr>
           <p:nvPr>
             <p:ph type="body" idx="1"/>
-            <p:custDataLst>
-              <p:tags r:id="rId13"/>
-            </p:custDataLst>
           </p:nvPr>
         </p:nvSpPr>
         <p:spPr>
@@ -5156,7 +4810,7 @@
         <a:buClr>
           <a:schemeClr val="accent1"/>
         </a:buClr>
-        <a:buFont typeface="Wingdings" panose="05000000000000000000" pitchFamily="2" charset="2"/>
+        <a:buFont typeface="Wingdings" charset="2"/>
         <a:buChar char="¤"/>
         <a:defRPr sz="2400" kern="1200">
           <a:solidFill>
@@ -5174,7 +4828,7 @@
         <a:spcBef>
           <a:spcPts val="500"/>
         </a:spcBef>
-        <a:buFont typeface="Arial" panose="020B0604020202020204" pitchFamily="34" charset="0"/>
+        <a:buFont typeface="Arial" charset="0"/>
         <a:buChar char="•"/>
         <a:defRPr sz="2000" kern="1200">
           <a:solidFill>
@@ -5192,7 +4846,7 @@
         <a:spcBef>
           <a:spcPts val="500"/>
         </a:spcBef>
-        <a:buFont typeface="Arial" panose="020B0604020202020204" pitchFamily="34" charset="0"/>
+        <a:buFont typeface="Arial" charset="0"/>
         <a:buChar char="•"/>
         <a:defRPr sz="1800" kern="1200">
           <a:solidFill>
@@ -5210,7 +4864,7 @@
         <a:spcBef>
           <a:spcPts val="500"/>
         </a:spcBef>
-        <a:buFont typeface="Arial" panose="020B0604020202020204" pitchFamily="34" charset="0"/>
+        <a:buFont typeface="Arial" charset="0"/>
         <a:buChar char="•"/>
         <a:defRPr sz="1800" kern="1200">
           <a:solidFill>
@@ -5228,7 +4882,7 @@
         <a:spcBef>
           <a:spcPts val="500"/>
         </a:spcBef>
-        <a:buFont typeface="Arial" panose="020B0604020202020204" pitchFamily="34" charset="0"/>
+        <a:buFont typeface="Arial" charset="0"/>
         <a:buChar char="•"/>
         <a:defRPr sz="1800" kern="1200">
           <a:solidFill>
@@ -5246,7 +4900,7 @@
         <a:spcBef>
           <a:spcPts val="500"/>
         </a:spcBef>
-        <a:buFont typeface="Arial" panose="020B0604020202020204" pitchFamily="34" charset="0"/>
+        <a:buFont typeface="Arial" charset="0"/>
         <a:buChar char="•"/>
         <a:defRPr sz="1800" kern="1200">
           <a:solidFill>
@@ -5264,7 +4918,7 @@
         <a:spcBef>
           <a:spcPts val="500"/>
         </a:spcBef>
-        <a:buFont typeface="Arial" panose="020B0604020202020204" pitchFamily="34" charset="0"/>
+        <a:buFont typeface="Arial" charset="0"/>
         <a:buChar char="•"/>
         <a:defRPr sz="1800" kern="1200">
           <a:solidFill>
@@ -5282,7 +4936,7 @@
         <a:spcBef>
           <a:spcPts val="500"/>
         </a:spcBef>
-        <a:buFont typeface="Arial" panose="020B0604020202020204" pitchFamily="34" charset="0"/>
+        <a:buFont typeface="Arial" charset="0"/>
         <a:buChar char="•"/>
         <a:defRPr sz="1800" kern="1200">
           <a:solidFill>
@@ -5300,7 +4954,7 @@
         <a:spcBef>
           <a:spcPts val="500"/>
         </a:spcBef>
-        <a:buFont typeface="Arial" panose="020B0604020202020204" pitchFamily="34" charset="0"/>
+        <a:buFont typeface="Arial" charset="0"/>
         <a:buChar char="•"/>
         <a:defRPr sz="1800" kern="1200">
           <a:solidFill>
@@ -5436,9 +5090,6 @@
           </p:cNvSpPr>
           <p:nvPr>
             <p:ph type="ctrTitle"/>
-            <p:custDataLst>
-              <p:tags r:id="rId1"/>
-            </p:custDataLst>
           </p:nvPr>
         </p:nvSpPr>
         <p:spPr/>
@@ -5464,9 +5115,6 @@
           </p:cNvSpPr>
           <p:nvPr>
             <p:ph type="subTitle" idx="1"/>
-            <p:custDataLst>
-              <p:tags r:id="rId2"/>
-            </p:custDataLst>
           </p:nvPr>
         </p:nvSpPr>
         <p:spPr/>
@@ -5478,7 +5126,7 @@
           <a:p>
             <a:r>
               <a:rPr lang="en-US" altLang="zh-CN" dirty="0"/>
-              <a:t> 									</a:t>
+              <a:t> </a:t>
             </a:r>
             <a:r>
               <a:rPr lang="zh-CN" altLang="zh-CN" dirty="0"/>
@@ -5489,9 +5137,6 @@
         </p:txBody>
       </p:sp>
     </p:spTree>
-    <p:custDataLst>
-      <p:tags r:id="rId3"/>
-    </p:custDataLst>
   </p:cSld>
   <p:clrMapOvr>
     <a:masterClrMapping/>
@@ -5531,9 +5176,6 @@
           </p:cNvSpPr>
           <p:nvPr>
             <p:ph type="title"/>
-            <p:custDataLst>
-              <p:tags r:id="rId1"/>
-            </p:custDataLst>
           </p:nvPr>
         </p:nvSpPr>
         <p:spPr/>
@@ -5545,7 +5187,23 @@
           <a:p>
             <a:r>
               <a:rPr lang="zh-CN" altLang="zh-CN" dirty="0"/>
-              <a:t>需求分析以及涉及技术</a:t>
+              <a:t>需求分析以及</a:t>
+            </a:r>
+            <a:r>
+              <a:rPr lang="x-none" altLang="zh-CN" dirty="0"/>
+              <a:t>主要</a:t>
+            </a:r>
+            <a:r>
+              <a:rPr lang="zh-CN" altLang="zh-CN" dirty="0"/>
+              <a:t>涉及</a:t>
+            </a:r>
+            <a:r>
+              <a:rPr lang="x-none" altLang="zh-CN" dirty="0"/>
+              <a:t>到</a:t>
+            </a:r>
+            <a:r>
+              <a:rPr lang="zh-CN" altLang="zh-CN" dirty="0"/>
+              <a:t>技术</a:t>
             </a:r>
             <a:endParaRPr lang="zh-CN" altLang="zh-CN" dirty="0"/>
           </a:p>
@@ -5559,9 +5217,6 @@
           </p:cNvSpPr>
           <p:nvPr>
             <p:ph idx="1"/>
-            <p:custDataLst>
-              <p:tags r:id="rId2"/>
-            </p:custDataLst>
           </p:nvPr>
         </p:nvSpPr>
         <p:spPr/>
@@ -5570,17 +5225,55 @@
           <a:lstStyle/>
           <a:p>
             <a:r>
-              <a:rPr lang="zh-CN" altLang="en-US" dirty="0"/>
-              <a:t>Lorem ipsum dolor sit amet, consectetur adipisicing elit, sed do eiusmod tempor incididunt ut labore et dolore magna aliqua. Ut enim ad minim veniam, quis nostrud exercitation ullamco laboris nisi ut aliquip ex ea commodo consequat.</a:t>
-            </a:r>
-            <a:endParaRPr lang="zh-CN" altLang="en-US" dirty="0"/>
+              <a:rPr lang="x-none" altLang="zh-CN" dirty="0"/>
+              <a:t>Camera的使用</a:t>
+            </a:r>
+            <a:endParaRPr lang="x-none" altLang="zh-CN" dirty="0"/>
+          </a:p>
+          <a:p>
+            <a:r>
+              <a:rPr lang="x-none" altLang="zh-CN" dirty="0"/>
+              <a:t>自定view的使用</a:t>
+            </a:r>
+            <a:endParaRPr lang="x-none" altLang="zh-CN" dirty="0"/>
+          </a:p>
+          <a:p>
+            <a:r>
+              <a:rPr lang="x-none" altLang="zh-CN" dirty="0"/>
+              <a:t>bitmap的操作</a:t>
+            </a:r>
+            <a:endParaRPr lang="x-none" altLang="zh-CN" dirty="0"/>
+          </a:p>
+          <a:p>
+            <a:r>
+              <a:rPr lang="x-none" altLang="zh-CN" dirty="0"/>
+              <a:t>动态权限</a:t>
+            </a:r>
+            <a:endParaRPr lang="x-none" altLang="zh-CN" dirty="0"/>
+          </a:p>
+          <a:p>
+            <a:r>
+              <a:rPr lang="x-none" altLang="zh-CN" dirty="0"/>
+              <a:t>文件操作</a:t>
+            </a:r>
+            <a:endParaRPr lang="x-none" altLang="zh-CN" dirty="0"/>
+          </a:p>
+          <a:p>
+            <a:r>
+              <a:rPr lang="x-none" altLang="zh-CN" dirty="0"/>
+              <a:t>文件和图片ExifInterface信息读取</a:t>
+            </a:r>
+            <a:endParaRPr lang="x-none" altLang="zh-CN" dirty="0"/>
+          </a:p>
+          <a:p>
+            <a:endParaRPr lang="x-none" altLang="zh-CN" dirty="0"/>
+          </a:p>
+          <a:p>
+            <a:endParaRPr lang="x-none" altLang="zh-CN" dirty="0"/>
           </a:p>
         </p:txBody>
       </p:sp>
     </p:spTree>
-    <p:custDataLst>
-      <p:tags r:id="rId3"/>
-    </p:custDataLst>
   </p:cSld>
   <p:clrMapOvr>
     <a:masterClrMapping/>
@@ -5616,16 +5309,12 @@
         <p:nvSpPr>
           <p:cNvPr id="180" name="TextBox 83"/>
           <p:cNvSpPr txBox="1"/>
-          <p:nvPr>
-            <p:custDataLst>
-              <p:tags r:id="rId1"/>
-            </p:custDataLst>
-          </p:nvPr>
+          <p:nvPr/>
         </p:nvSpPr>
         <p:spPr>
           <a:xfrm>
-            <a:off x="3539937" y="3013669"/>
-            <a:ext cx="1008000" cy="452432"/>
+            <a:off x="2401570" y="1541780"/>
+            <a:ext cx="1432560" cy="1895475"/>
           </a:xfrm>
           <a:prstGeom prst="rect">
             <a:avLst/>
@@ -5644,13 +5333,13 @@
               </a:lnSpc>
             </a:pPr>
             <a:r>
-              <a:rPr lang="en-US" altLang="zh-CN" smtClean="0">
+              <a:rPr lang="x-none" altLang="en-US" smtClean="0">
                 <a:latin typeface="+mn-lt"/>
                 <a:ea typeface="+mn-ea"/>
               </a:rPr>
-              <a:t>LOREM</a:t>
-            </a:r>
-            <a:endParaRPr lang="en-US" altLang="zh-CN" dirty="0">
+              <a:t>整天ＵＩ实现，camera预览和拍照基本实现</a:t>
+            </a:r>
+            <a:endParaRPr lang="x-none" altLang="en-US" dirty="0" smtClean="0">
               <a:latin typeface="+mn-lt"/>
               <a:ea typeface="+mn-ea"/>
             </a:endParaRPr>
@@ -5661,15 +5350,11 @@
         <p:nvSpPr>
           <p:cNvPr id="181" name="TextBox 84"/>
           <p:cNvSpPr txBox="1"/>
-          <p:nvPr>
-            <p:custDataLst>
-              <p:tags r:id="rId2"/>
-            </p:custDataLst>
-          </p:nvPr>
+          <p:nvPr/>
         </p:nvSpPr>
         <p:spPr>
           <a:xfrm>
-            <a:off x="3658623" y="3777944"/>
+            <a:off x="2670563" y="3748099"/>
             <a:ext cx="741580" cy="378419"/>
           </a:xfrm>
           <a:prstGeom prst="rect">
@@ -5689,13 +5374,13 @@
               </a:lnSpc>
             </a:pPr>
             <a:r>
-              <a:rPr lang="en-US" altLang="zh-CN" dirty="0">
+              <a:rPr lang="x-none" altLang="en-US" dirty="0">
                 <a:latin typeface="+mn-lt"/>
                 <a:ea typeface="+mn-ea"/>
               </a:rPr>
-              <a:t>2012</a:t>
-            </a:r>
-            <a:endParaRPr lang="zh-CN" altLang="en-US" dirty="0">
+              <a:t>二天</a:t>
+            </a:r>
+            <a:endParaRPr lang="x-none" altLang="en-US" dirty="0">
               <a:latin typeface="+mn-lt"/>
               <a:ea typeface="+mn-ea"/>
             </a:endParaRPr>
@@ -5706,16 +5391,12 @@
         <p:nvSpPr>
           <p:cNvPr id="190" name="TextBox 85"/>
           <p:cNvSpPr txBox="1"/>
-          <p:nvPr>
-            <p:custDataLst>
-              <p:tags r:id="rId3"/>
-            </p:custDataLst>
-          </p:nvPr>
+          <p:nvPr/>
         </p:nvSpPr>
         <p:spPr>
           <a:xfrm>
-            <a:off x="4908832" y="3013669"/>
-            <a:ext cx="1008000" cy="452432"/>
+            <a:off x="3921760" y="1950720"/>
+            <a:ext cx="1752600" cy="1485900"/>
           </a:xfrm>
           <a:prstGeom prst="rect">
             <a:avLst/>
@@ -5724,7 +5405,7 @@
         </p:spPr>
         <p:txBody>
           <a:bodyPr wrap="square" rtlCol="0" anchor="b" anchorCtr="0">
-            <a:normAutofit/>
+            <a:normAutofit lnSpcReduction="10000"/>
           </a:bodyPr>
           <a:lstStyle/>
           <a:p>
@@ -5734,13 +5415,13 @@
               </a:lnSpc>
             </a:pPr>
             <a:r>
-              <a:rPr lang="en-US" altLang="zh-CN" smtClean="0">
+              <a:rPr lang="x-none" altLang="en-US" smtClean="0">
                 <a:latin typeface="+mn-lt"/>
                 <a:ea typeface="+mn-ea"/>
               </a:rPr>
-              <a:t>LOREM</a:t>
-            </a:r>
-            <a:endParaRPr lang="en-US" altLang="zh-CN" dirty="0">
+              <a:t>裁剪图片，图片信息，文本添加，马赛克实现</a:t>
+            </a:r>
+            <a:endParaRPr lang="x-none" altLang="en-US" dirty="0" smtClean="0">
               <a:latin typeface="+mn-lt"/>
               <a:ea typeface="+mn-ea"/>
             </a:endParaRPr>
@@ -5751,15 +5432,11 @@
         <p:nvSpPr>
           <p:cNvPr id="191" name="TextBox 86"/>
           <p:cNvSpPr txBox="1"/>
-          <p:nvPr>
-            <p:custDataLst>
-              <p:tags r:id="rId4"/>
-            </p:custDataLst>
-          </p:nvPr>
+          <p:nvPr/>
         </p:nvSpPr>
         <p:spPr>
           <a:xfrm>
-            <a:off x="5036226" y="3777944"/>
+            <a:off x="4397416" y="3732859"/>
             <a:ext cx="741580" cy="378419"/>
           </a:xfrm>
           <a:prstGeom prst="rect">
@@ -5779,13 +5456,13 @@
               </a:lnSpc>
             </a:pPr>
             <a:r>
-              <a:rPr lang="en-US" altLang="zh-CN" dirty="0">
+              <a:rPr lang="x-none" altLang="en-US" dirty="0">
                 <a:latin typeface="+mn-lt"/>
                 <a:ea typeface="+mn-ea"/>
               </a:rPr>
-              <a:t>2013</a:t>
-            </a:r>
-            <a:endParaRPr lang="zh-CN" altLang="en-US" dirty="0">
+              <a:t>三天</a:t>
+            </a:r>
+            <a:endParaRPr lang="x-none" altLang="en-US" dirty="0">
               <a:latin typeface="+mn-lt"/>
               <a:ea typeface="+mn-ea"/>
             </a:endParaRPr>
@@ -5796,16 +5473,12 @@
         <p:nvSpPr>
           <p:cNvPr id="200" name="TextBox 87"/>
           <p:cNvSpPr txBox="1"/>
-          <p:nvPr>
-            <p:custDataLst>
-              <p:tags r:id="rId5"/>
-            </p:custDataLst>
-          </p:nvPr>
+          <p:nvPr/>
         </p:nvSpPr>
         <p:spPr>
           <a:xfrm>
-            <a:off x="6277727" y="3013669"/>
-            <a:ext cx="1008000" cy="452432"/>
+            <a:off x="5687060" y="2118360"/>
+            <a:ext cx="1433195" cy="1363980"/>
           </a:xfrm>
           <a:prstGeom prst="rect">
             <a:avLst/>
@@ -5824,13 +5497,13 @@
               </a:lnSpc>
             </a:pPr>
             <a:r>
-              <a:rPr lang="en-US" altLang="zh-CN" smtClean="0">
+              <a:rPr lang="x-none" altLang="en-US" dirty="0" smtClean="0">
                 <a:latin typeface="+mn-lt"/>
                 <a:ea typeface="+mn-ea"/>
               </a:rPr>
-              <a:t>LOREM</a:t>
-            </a:r>
-            <a:endParaRPr lang="en-US" altLang="zh-CN" dirty="0">
+              <a:t>区域拍照功能实现</a:t>
+            </a:r>
+            <a:endParaRPr lang="x-none" altLang="en-US" dirty="0" smtClean="0">
               <a:latin typeface="+mn-lt"/>
               <a:ea typeface="+mn-ea"/>
             </a:endParaRPr>
@@ -5841,15 +5514,11 @@
         <p:nvSpPr>
           <p:cNvPr id="201" name="TextBox 88"/>
           <p:cNvSpPr txBox="1"/>
-          <p:nvPr>
-            <p:custDataLst>
-              <p:tags r:id="rId6"/>
-            </p:custDataLst>
-          </p:nvPr>
+          <p:nvPr/>
         </p:nvSpPr>
         <p:spPr>
           <a:xfrm>
-            <a:off x="6413829" y="3777944"/>
+            <a:off x="6216344" y="3702379"/>
             <a:ext cx="741580" cy="378419"/>
           </a:xfrm>
           <a:prstGeom prst="rect">
@@ -5869,13 +5538,13 @@
               </a:lnSpc>
             </a:pPr>
             <a:r>
-              <a:rPr lang="en-US" altLang="zh-CN" dirty="0">
+              <a:rPr lang="x-none" altLang="en-US" dirty="0">
                 <a:latin typeface="+mn-lt"/>
                 <a:ea typeface="+mn-ea"/>
               </a:rPr>
-              <a:t>2014</a:t>
-            </a:r>
-            <a:endParaRPr lang="zh-CN" altLang="en-US" dirty="0">
+              <a:t>四天</a:t>
+            </a:r>
+            <a:endParaRPr lang="x-none" altLang="en-US" dirty="0">
               <a:latin typeface="+mn-lt"/>
               <a:ea typeface="+mn-ea"/>
             </a:endParaRPr>
@@ -5886,16 +5555,12 @@
         <p:nvSpPr>
           <p:cNvPr id="210" name="TextBox 89"/>
           <p:cNvSpPr txBox="1"/>
-          <p:nvPr>
-            <p:custDataLst>
-              <p:tags r:id="rId7"/>
-            </p:custDataLst>
-          </p:nvPr>
+          <p:nvPr/>
         </p:nvSpPr>
         <p:spPr>
           <a:xfrm>
-            <a:off x="7646622" y="3013669"/>
-            <a:ext cx="1008000" cy="452432"/>
+            <a:off x="7085965" y="1981200"/>
+            <a:ext cx="1386840" cy="1440180"/>
           </a:xfrm>
           <a:prstGeom prst="rect">
             <a:avLst/>
@@ -5914,13 +5579,13 @@
               </a:lnSpc>
             </a:pPr>
             <a:r>
-              <a:rPr lang="en-US" altLang="zh-CN" smtClean="0">
+              <a:rPr lang="x-none" altLang="en-US" smtClean="0">
                 <a:latin typeface="+mn-lt"/>
                 <a:ea typeface="+mn-ea"/>
               </a:rPr>
-              <a:t>LOREM</a:t>
-            </a:r>
-            <a:endParaRPr lang="en-US" altLang="zh-CN" dirty="0">
+              <a:t>重构马赛克功能，添加文字功能</a:t>
+            </a:r>
+            <a:endParaRPr lang="x-none" altLang="en-US" dirty="0" smtClean="0">
               <a:latin typeface="+mn-lt"/>
               <a:ea typeface="+mn-ea"/>
             </a:endParaRPr>
@@ -5931,15 +5596,11 @@
         <p:nvSpPr>
           <p:cNvPr id="211" name="TextBox 90"/>
           <p:cNvSpPr txBox="1"/>
-          <p:nvPr>
-            <p:custDataLst>
-              <p:tags r:id="rId8"/>
-            </p:custDataLst>
-          </p:nvPr>
+          <p:nvPr/>
         </p:nvSpPr>
         <p:spPr>
           <a:xfrm>
-            <a:off x="7791432" y="3777944"/>
+            <a:off x="7579342" y="3732859"/>
             <a:ext cx="741580" cy="378419"/>
           </a:xfrm>
           <a:prstGeom prst="rect">
@@ -5959,13 +5620,13 @@
               </a:lnSpc>
             </a:pPr>
             <a:r>
-              <a:rPr lang="en-US" altLang="zh-CN" dirty="0">
+              <a:rPr lang="x-none" altLang="en-US" dirty="0">
                 <a:latin typeface="+mn-lt"/>
                 <a:ea typeface="+mn-ea"/>
               </a:rPr>
-              <a:t>2015</a:t>
-            </a:r>
-            <a:endParaRPr lang="zh-CN" altLang="en-US" dirty="0">
+              <a:t>五天</a:t>
+            </a:r>
+            <a:endParaRPr lang="x-none" altLang="en-US" dirty="0">
               <a:latin typeface="+mn-lt"/>
               <a:ea typeface="+mn-ea"/>
             </a:endParaRPr>
@@ -5976,15 +5637,52 @@
         <p:nvSpPr>
           <p:cNvPr id="221" name="TextBox 84"/>
           <p:cNvSpPr txBox="1"/>
-          <p:nvPr>
-            <p:custDataLst>
-              <p:tags r:id="rId9"/>
-            </p:custDataLst>
-          </p:nvPr>
+          <p:nvPr/>
         </p:nvSpPr>
         <p:spPr>
           <a:xfrm>
-            <a:off x="2281020" y="3777944"/>
+            <a:off x="1216660" y="3748405"/>
+            <a:ext cx="817880" cy="378460"/>
+          </a:xfrm>
+          <a:prstGeom prst="rect">
+            <a:avLst/>
+          </a:prstGeom>
+          <a:noFill/>
+        </p:spPr>
+        <p:txBody>
+          <a:bodyPr wrap="square" rtlCol="0" anchor="ctr" anchorCtr="0">
+            <a:noAutofit/>
+          </a:bodyPr>
+          <a:lstStyle/>
+          <a:p>
+            <a:pPr algn="ctr">
+              <a:lnSpc>
+                <a:spcPct val="110000"/>
+              </a:lnSpc>
+            </a:pPr>
+            <a:r>
+              <a:rPr lang="x-none" altLang="en-US" dirty="0">
+                <a:latin typeface="+mn-lt"/>
+                <a:ea typeface="+mn-ea"/>
+              </a:rPr>
+              <a:t>一天</a:t>
+            </a:r>
+            <a:endParaRPr lang="x-none" altLang="en-US" dirty="0">
+              <a:latin typeface="+mn-lt"/>
+              <a:ea typeface="+mn-ea"/>
+            </a:endParaRPr>
+          </a:p>
+        </p:txBody>
+      </p:sp>
+      <p:sp>
+        <p:nvSpPr>
+          <p:cNvPr id="231" name="TextBox 90"/>
+          <p:cNvSpPr txBox="1"/>
+          <p:nvPr/>
+        </p:nvSpPr>
+        <p:spPr>
+          <a:xfrm>
+            <a:off x="8925830" y="3732859"/>
             <a:ext cx="741580" cy="378419"/>
           </a:xfrm>
           <a:prstGeom prst="rect">
@@ -6004,58 +5702,13 @@
               </a:lnSpc>
             </a:pPr>
             <a:r>
-              <a:rPr lang="en-US" altLang="zh-CN" dirty="0">
+              <a:rPr lang="x-none" altLang="en-US" dirty="0">
                 <a:latin typeface="+mn-lt"/>
                 <a:ea typeface="+mn-ea"/>
               </a:rPr>
-              <a:t>2011</a:t>
-            </a:r>
-            <a:endParaRPr lang="zh-CN" altLang="en-US" dirty="0">
-              <a:latin typeface="+mn-lt"/>
-              <a:ea typeface="+mn-ea"/>
-            </a:endParaRPr>
-          </a:p>
-        </p:txBody>
-      </p:sp>
-      <p:sp>
-        <p:nvSpPr>
-          <p:cNvPr id="231" name="TextBox 90"/>
-          <p:cNvSpPr txBox="1"/>
-          <p:nvPr>
-            <p:custDataLst>
-              <p:tags r:id="rId10"/>
-            </p:custDataLst>
-          </p:nvPr>
-        </p:nvSpPr>
-        <p:spPr>
-          <a:xfrm>
-            <a:off x="9169035" y="3777944"/>
-            <a:ext cx="741580" cy="378419"/>
-          </a:xfrm>
-          <a:prstGeom prst="rect">
-            <a:avLst/>
-          </a:prstGeom>
-          <a:noFill/>
-        </p:spPr>
-        <p:txBody>
-          <a:bodyPr wrap="square" rtlCol="0" anchor="ctr" anchorCtr="0">
-            <a:noAutofit/>
-          </a:bodyPr>
-          <a:lstStyle/>
-          <a:p>
-            <a:pPr algn="ctr">
-              <a:lnSpc>
-                <a:spcPct val="110000"/>
-              </a:lnSpc>
-            </a:pPr>
-            <a:r>
-              <a:rPr lang="en-US" altLang="zh-CN" dirty="0">
-                <a:latin typeface="+mn-lt"/>
-                <a:ea typeface="+mn-ea"/>
-              </a:rPr>
-              <a:t>2016</a:t>
-            </a:r>
-            <a:endParaRPr lang="zh-CN" altLang="en-US" dirty="0">
+              <a:t>六天</a:t>
+            </a:r>
+            <a:endParaRPr lang="x-none" altLang="en-US" dirty="0">
               <a:latin typeface="+mn-lt"/>
               <a:ea typeface="+mn-ea"/>
             </a:endParaRPr>
@@ -6066,16 +5719,12 @@
         <p:nvCxnSpPr>
           <p:cNvPr id="3" name="直接连接符 2"/>
           <p:cNvCxnSpPr/>
-          <p:nvPr>
-            <p:custDataLst>
-              <p:tags r:id="rId11"/>
-            </p:custDataLst>
-          </p:nvPr>
+          <p:nvPr/>
         </p:nvCxnSpPr>
         <p:spPr>
-          <a:xfrm>
-            <a:off x="2099733" y="3621936"/>
-            <a:ext cx="7992534" cy="0"/>
+          <a:xfrm flipV="1">
+            <a:off x="1111885" y="3580765"/>
+            <a:ext cx="10258425" cy="11430"/>
           </a:xfrm>
           <a:prstGeom prst="line">
             <a:avLst/>
@@ -6104,15 +5753,11 @@
         <p:nvSpPr>
           <p:cNvPr id="4" name="椭圆 3"/>
           <p:cNvSpPr/>
-          <p:nvPr>
-            <p:custDataLst>
-              <p:tags r:id="rId12"/>
-            </p:custDataLst>
-          </p:nvPr>
+          <p:nvPr/>
         </p:nvSpPr>
         <p:spPr>
           <a:xfrm>
-            <a:off x="2573799" y="3540478"/>
+            <a:off x="1555259" y="3510633"/>
             <a:ext cx="162919" cy="162919"/>
           </a:xfrm>
           <a:prstGeom prst="ellipse">
@@ -6155,15 +5800,11 @@
         <p:nvSpPr>
           <p:cNvPr id="74" name="椭圆 73"/>
           <p:cNvSpPr/>
-          <p:nvPr>
-            <p:custDataLst>
-              <p:tags r:id="rId13"/>
-            </p:custDataLst>
-          </p:nvPr>
+          <p:nvPr/>
         </p:nvSpPr>
         <p:spPr>
           <a:xfrm>
-            <a:off x="3950096" y="3540478"/>
+            <a:off x="2962036" y="3510633"/>
             <a:ext cx="162919" cy="162919"/>
           </a:xfrm>
           <a:prstGeom prst="ellipse">
@@ -6206,15 +5847,11 @@
         <p:nvSpPr>
           <p:cNvPr id="75" name="椭圆 74"/>
           <p:cNvSpPr/>
-          <p:nvPr>
-            <p:custDataLst>
-              <p:tags r:id="rId14"/>
-            </p:custDataLst>
-          </p:nvPr>
+          <p:nvPr/>
         </p:nvSpPr>
         <p:spPr>
           <a:xfrm>
-            <a:off x="5326393" y="3540478"/>
+            <a:off x="4688218" y="3510633"/>
             <a:ext cx="162919" cy="162919"/>
           </a:xfrm>
           <a:prstGeom prst="ellipse">
@@ -6257,15 +5894,11 @@
         <p:nvSpPr>
           <p:cNvPr id="76" name="椭圆 75"/>
           <p:cNvSpPr/>
-          <p:nvPr>
-            <p:custDataLst>
-              <p:tags r:id="rId15"/>
-            </p:custDataLst>
-          </p:nvPr>
+          <p:nvPr/>
         </p:nvSpPr>
         <p:spPr>
           <a:xfrm>
-            <a:off x="6702690" y="3540478"/>
+            <a:off x="6489965" y="3510633"/>
             <a:ext cx="162919" cy="162919"/>
           </a:xfrm>
           <a:prstGeom prst="ellipse">
@@ -6308,15 +5941,11 @@
         <p:nvSpPr>
           <p:cNvPr id="77" name="椭圆 76"/>
           <p:cNvSpPr/>
-          <p:nvPr>
-            <p:custDataLst>
-              <p:tags r:id="rId16"/>
-            </p:custDataLst>
-          </p:nvPr>
+          <p:nvPr/>
         </p:nvSpPr>
         <p:spPr>
           <a:xfrm>
-            <a:off x="8078987" y="3540478"/>
+            <a:off x="7881502" y="3510633"/>
             <a:ext cx="162919" cy="162919"/>
           </a:xfrm>
           <a:prstGeom prst="ellipse">
@@ -6359,15 +5988,11 @@
         <p:nvSpPr>
           <p:cNvPr id="78" name="椭圆 77"/>
           <p:cNvSpPr/>
-          <p:nvPr>
-            <p:custDataLst>
-              <p:tags r:id="rId17"/>
-            </p:custDataLst>
-          </p:nvPr>
+          <p:nvPr/>
         </p:nvSpPr>
         <p:spPr>
           <a:xfrm>
-            <a:off x="9455285" y="3540478"/>
+            <a:off x="9212080" y="3464913"/>
             <a:ext cx="162919" cy="162919"/>
           </a:xfrm>
           <a:prstGeom prst="ellipse">
@@ -6410,16 +6035,12 @@
         <p:nvSpPr>
           <p:cNvPr id="80" name="TextBox 89"/>
           <p:cNvSpPr txBox="1"/>
-          <p:nvPr>
-            <p:custDataLst>
-              <p:tags r:id="rId18"/>
-            </p:custDataLst>
-          </p:nvPr>
+          <p:nvPr/>
         </p:nvSpPr>
         <p:spPr>
           <a:xfrm>
-            <a:off x="9015517" y="3013669"/>
-            <a:ext cx="1008000" cy="452432"/>
+            <a:off x="8485505" y="2179320"/>
+            <a:ext cx="1478280" cy="1211580"/>
           </a:xfrm>
           <a:prstGeom prst="rect">
             <a:avLst/>
@@ -6438,13 +6059,13 @@
               </a:lnSpc>
             </a:pPr>
             <a:r>
-              <a:rPr lang="en-US" altLang="zh-CN" dirty="0" smtClean="0">
+              <a:rPr lang="x-none" altLang="en-US" dirty="0" smtClean="0">
                 <a:latin typeface="+mn-lt"/>
                 <a:ea typeface="+mn-ea"/>
               </a:rPr>
-              <a:t>LOREM</a:t>
-            </a:r>
-            <a:endParaRPr lang="en-US" altLang="zh-CN" dirty="0">
+              <a:t>重构添加文字功能，功能完善</a:t>
+            </a:r>
+            <a:endParaRPr lang="x-none" altLang="en-US" dirty="0" smtClean="0">
               <a:latin typeface="+mn-lt"/>
               <a:ea typeface="+mn-ea"/>
             </a:endParaRPr>
@@ -6455,16 +6076,12 @@
         <p:nvSpPr>
           <p:cNvPr id="81" name="TextBox 83"/>
           <p:cNvSpPr txBox="1"/>
-          <p:nvPr>
-            <p:custDataLst>
-              <p:tags r:id="rId19"/>
-            </p:custDataLst>
-          </p:nvPr>
+          <p:nvPr/>
         </p:nvSpPr>
         <p:spPr>
           <a:xfrm>
-            <a:off x="2171042" y="3013669"/>
-            <a:ext cx="1008000" cy="452432"/>
+            <a:off x="591185" y="1572260"/>
+            <a:ext cx="1600200" cy="1864360"/>
           </a:xfrm>
           <a:prstGeom prst="rect">
             <a:avLst/>
@@ -6483,13 +6100,13 @@
               </a:lnSpc>
             </a:pPr>
             <a:r>
-              <a:rPr lang="en-US" altLang="zh-CN" dirty="0">
+              <a:rPr lang="x-none" altLang="en-US" dirty="0">
                 <a:latin typeface="+mn-lt"/>
                 <a:ea typeface="+mn-ea"/>
               </a:rPr>
-              <a:t>LOREM</a:t>
-            </a:r>
-            <a:endParaRPr lang="en-US" altLang="zh-CN" dirty="0">
+              <a:t>资料收集，需求分析，简单ｄｅｍｏ</a:t>
+            </a:r>
+            <a:endParaRPr lang="x-none" altLang="en-US" dirty="0">
               <a:latin typeface="+mn-lt"/>
               <a:ea typeface="+mn-ea"/>
             </a:endParaRPr>
@@ -6500,11 +6117,7 @@
         <p:nvSpPr>
           <p:cNvPr id="23" name="文本框 22"/>
           <p:cNvSpPr txBox="1"/>
-          <p:nvPr>
-            <p:custDataLst>
-              <p:tags r:id="rId20"/>
-            </p:custDataLst>
-          </p:nvPr>
+          <p:nvPr/>
         </p:nvSpPr>
         <p:spPr>
           <a:xfrm>
@@ -6540,10 +6153,16 @@
           </a:lstStyle>
           <a:p>
             <a:r>
+              <a:rPr lang="x-none" altLang="zh-CN" sz="3600" b="0" dirty="0">
+                <a:latin typeface="+mj-lt"/>
+              </a:rPr>
+              <a:t>七天试岗工作</a:t>
+            </a:r>
+            <a:r>
               <a:rPr lang="zh-CN" altLang="en-US" sz="3600" b="0" dirty="0">
                 <a:latin typeface="+mj-lt"/>
               </a:rPr>
-              <a:t>计划安排</a:t>
+              <a:t>安排</a:t>
             </a:r>
             <a:endParaRPr lang="zh-CN" altLang="en-US" sz="3600" b="0" dirty="0">
               <a:latin typeface="+mj-lt"/>
@@ -6551,10 +6170,126 @@
           </a:p>
         </p:txBody>
       </p:sp>
+      <p:sp>
+        <p:nvSpPr>
+          <p:cNvPr id="2" name="椭圆 1"/>
+          <p:cNvSpPr/>
+          <p:nvPr/>
+        </p:nvSpPr>
+        <p:spPr>
+          <a:xfrm>
+            <a:off x="10449060" y="3531588"/>
+            <a:ext cx="162919" cy="162919"/>
+          </a:xfrm>
+          <a:prstGeom prst="ellipse">
+            <a:avLst/>
+          </a:prstGeom>
+          <a:ln w="28575">
+            <a:solidFill>
+              <a:schemeClr val="bg1"/>
+            </a:solidFill>
+          </a:ln>
+        </p:spPr>
+        <p:style>
+          <a:lnRef idx="2">
+            <a:schemeClr val="accent1">
+              <a:shade val="50000"/>
+            </a:schemeClr>
+          </a:lnRef>
+          <a:fillRef idx="1">
+            <a:schemeClr val="accent1"/>
+          </a:fillRef>
+          <a:effectRef idx="0">
+            <a:schemeClr val="accent1"/>
+          </a:effectRef>
+          <a:fontRef idx="minor">
+            <a:schemeClr val="lt1"/>
+          </a:fontRef>
+        </p:style>
+        <p:txBody>
+          <a:bodyPr rtlCol="0" anchor="ctr">
+            <a:normAutofit fontScale="25000" lnSpcReduction="20000"/>
+          </a:bodyPr>
+          <a:p>
+            <a:pPr algn="ctr"/>
+            <a:endParaRPr lang="zh-CN" altLang="en-US"/>
+          </a:p>
+        </p:txBody>
+      </p:sp>
+      <p:sp>
+        <p:nvSpPr>
+          <p:cNvPr id="5" name="TextBox 90"/>
+          <p:cNvSpPr txBox="1"/>
+          <p:nvPr/>
+        </p:nvSpPr>
+        <p:spPr>
+          <a:xfrm>
+            <a:off x="10132330" y="3752544"/>
+            <a:ext cx="741580" cy="378419"/>
+          </a:xfrm>
+          <a:prstGeom prst="rect">
+            <a:avLst/>
+          </a:prstGeom>
+          <a:noFill/>
+        </p:spPr>
+        <p:txBody>
+          <a:bodyPr wrap="square" rtlCol="0" anchor="ctr" anchorCtr="0">
+            <a:noAutofit/>
+          </a:bodyPr>
+          <a:p>
+            <a:pPr algn="ctr">
+              <a:lnSpc>
+                <a:spcPct val="110000"/>
+              </a:lnSpc>
+            </a:pPr>
+            <a:r>
+              <a:rPr lang="x-none" altLang="en-US" dirty="0">
+                <a:latin typeface="+mn-lt"/>
+                <a:ea typeface="+mn-ea"/>
+              </a:rPr>
+              <a:t>七天</a:t>
+            </a:r>
+            <a:endParaRPr lang="x-none" altLang="en-US" dirty="0">
+              <a:latin typeface="+mn-lt"/>
+              <a:ea typeface="+mn-ea"/>
+            </a:endParaRPr>
+          </a:p>
+        </p:txBody>
+      </p:sp>
+      <p:sp>
+        <p:nvSpPr>
+          <p:cNvPr id="7" name="文本框 6"/>
+          <p:cNvSpPr txBox="1"/>
+          <p:nvPr/>
+        </p:nvSpPr>
+        <p:spPr>
+          <a:xfrm>
+            <a:off x="10017760" y="2972435"/>
+            <a:ext cx="1139825" cy="365760"/>
+          </a:xfrm>
+          <a:prstGeom prst="rect">
+            <a:avLst/>
+          </a:prstGeom>
+          <a:noFill/>
+        </p:spPr>
+        <p:txBody>
+          <a:bodyPr wrap="square" rtlCol="0">
+            <a:spAutoFit/>
+          </a:bodyPr>
+          <a:p>
+            <a:r>
+              <a:rPr lang="x-none" altLang="en-US" dirty="0" smtClean="0"/>
+              <a:t>完善</a:t>
+            </a:r>
+            <a:r>
+              <a:rPr lang="x-none" altLang="en-US" dirty="0" smtClean="0"/>
+              <a:t>功能</a:t>
+            </a:r>
+            <a:endParaRPr lang="x-none" altLang="zh-CN"/>
+          </a:p>
+        </p:txBody>
+      </p:sp>
     </p:spTree>
-    <p:custDataLst>
-      <p:tags r:id="rId21"/>
-    </p:custDataLst>
   </p:cSld>
   <p:clrMapOvr>
     <a:masterClrMapping/>
@@ -6594,9 +6329,6 @@
           </p:cNvSpPr>
           <p:nvPr>
             <p:ph type="title"/>
-            <p:custDataLst>
-              <p:tags r:id="rId1"/>
-            </p:custDataLst>
           </p:nvPr>
         </p:nvSpPr>
         <p:spPr/>
@@ -6622,12 +6354,14 @@
           </p:cNvSpPr>
           <p:nvPr>
             <p:ph sz="half" idx="1"/>
-            <p:custDataLst>
-              <p:tags r:id="rId2"/>
-            </p:custDataLst>
-          </p:nvPr>
-        </p:nvSpPr>
-        <p:spPr/>
+          </p:nvPr>
+        </p:nvSpPr>
+        <p:spPr>
+          <a:xfrm>
+            <a:off x="838835" y="1569720"/>
+            <a:ext cx="10319385" cy="4607560"/>
+          </a:xfrm>
+        </p:spPr>
         <p:txBody>
           <a:bodyPr>
             <a:normAutofit/>
@@ -6636,44 +6370,104 @@
           <a:p>
             <a:r>
               <a:rPr lang="zh-CN" altLang="en-US" dirty="0"/>
-              <a:t>Lorem ipsum dolor sit amet, consectetur adipisicing elit, sed do eiusmod tempor incididunt ut labore et dolore magna aliqua. Ut enim ad minim veniam, quis nostrud exercitation ullamco laboris nisi ut aliquip ex ea commodo consequat.</a:t>
-            </a:r>
+              <a:t>1、在拍摄期间可以使用圆形、正方形、长方形框框（框框可进行缩放，根据指尖进行移动）套在拍摄界面进行拍摄，点击拍摄按钮，将框框套准的拍摄区域进行保存。（图片在各机型上不允许拉伸变形）</a:t>
+            </a:r>
+            <a:r>
+              <a:rPr lang="x-none" altLang="zh-CN" dirty="0"/>
+              <a:t>（</a:t>
+            </a:r>
+            <a:r>
+              <a:rPr lang="x-none" altLang="zh-CN" b="1" dirty="0"/>
+              <a:t>完成</a:t>
+            </a:r>
+            <a:r>
+              <a:rPr lang="x-none" altLang="zh-CN" dirty="0"/>
+              <a:t>）</a:t>
+            </a:r>
+            <a:endParaRPr lang="x-none" altLang="zh-CN" dirty="0"/>
+          </a:p>
+          <a:p>
+            <a:r>
+              <a:rPr lang="zh-CN" altLang="en-US" dirty="0"/>
+              <a:t>2、左下角可查看当前拍摄好的缩略图</a:t>
+            </a:r>
+            <a:r>
+              <a:rPr lang="x-none" altLang="zh-CN" dirty="0"/>
+              <a:t>（</a:t>
+            </a:r>
+            <a:r>
+              <a:rPr lang="x-none" altLang="zh-CN" b="1" dirty="0"/>
+              <a:t>完成</a:t>
+            </a:r>
+            <a:r>
+              <a:rPr lang="x-none" altLang="zh-CN" dirty="0"/>
+              <a:t>）</a:t>
+            </a:r>
+            <a:endParaRPr lang="x-none" altLang="zh-CN" dirty="0"/>
+          </a:p>
+          <a:p>
+            <a:r>
+              <a:rPr lang="zh-CN" altLang="en-US" dirty="0"/>
+              <a:t>3、点击缩略图可进入预览大图</a:t>
+            </a:r>
+            <a:r>
+              <a:rPr lang="x-none" altLang="zh-CN" dirty="0"/>
+              <a:t>（</a:t>
+            </a:r>
+            <a:r>
+              <a:rPr lang="x-none" altLang="zh-CN" b="1" dirty="0"/>
+              <a:t>完成</a:t>
+            </a:r>
+            <a:r>
+              <a:rPr lang="x-none" altLang="zh-CN" dirty="0"/>
+              <a:t>）</a:t>
+            </a:r>
+            <a:endParaRPr lang="x-none" altLang="zh-CN" dirty="0"/>
+          </a:p>
+          <a:p>
+            <a:r>
+              <a:rPr lang="zh-CN" altLang="en-US" dirty="0"/>
+              <a:t>4、在预览大图界面可以对图片添加文本、可裁剪图片、打马赛克</a:t>
+            </a:r>
+            <a:r>
+              <a:rPr lang="x-none" altLang="zh-CN" dirty="0"/>
+              <a:t>（</a:t>
+            </a:r>
+            <a:r>
+              <a:rPr lang="x-none" altLang="zh-CN" b="1" dirty="0"/>
+              <a:t>完成</a:t>
+            </a:r>
+            <a:r>
+              <a:rPr lang="x-none" altLang="zh-CN" dirty="0"/>
+              <a:t>）</a:t>
+            </a:r>
+            <a:endParaRPr lang="x-none" altLang="zh-CN" dirty="0"/>
+          </a:p>
+          <a:p>
+            <a:r>
+              <a:rPr lang="zh-CN" altLang="en-US" dirty="0"/>
+              <a:t>5、在预览大图界面点击详情可查看时间 （YYYY 年 MM 月 DD 日）、文件大小（MB）、像素（长 X 宽）、拍摄路径</a:t>
+            </a:r>
+            <a:r>
+              <a:rPr lang="x-none" altLang="zh-CN" dirty="0"/>
+              <a:t>（</a:t>
+            </a:r>
+            <a:r>
+              <a:rPr lang="x-none" altLang="zh-CN" b="1" dirty="0"/>
+              <a:t>完成</a:t>
+            </a:r>
+            <a:r>
+              <a:rPr lang="x-none" altLang="zh-CN" dirty="0"/>
+              <a:t>）</a:t>
+            </a:r>
+            <a:endParaRPr lang="x-none" altLang="zh-CN" dirty="0"/>
+          </a:p>
+          <a:p>
             <a:endParaRPr lang="zh-CN" altLang="en-US" dirty="0"/>
           </a:p>
         </p:txBody>
       </p:sp>
-      <p:sp>
-        <p:nvSpPr>
-          <p:cNvPr id="6" name="内容占位符 5"/>
-          <p:cNvSpPr>
-            <a:spLocks noGrp="1"/>
-          </p:cNvSpPr>
-          <p:nvPr>
-            <p:ph sz="half" idx="2"/>
-            <p:custDataLst>
-              <p:tags r:id="rId3"/>
-            </p:custDataLst>
-          </p:nvPr>
-        </p:nvSpPr>
-        <p:spPr/>
-        <p:txBody>
-          <a:bodyPr>
-            <a:normAutofit/>
-          </a:bodyPr>
-          <a:lstStyle/>
-          <a:p>
-            <a:r>
-              <a:rPr lang="en-US" altLang="zh-CN" smtClean="0"/>
-              <a:t>Lorem ipsum dolor sit amet, consectetur adipisicing elit, sed do eiusmod tempor incididunt ut labore et dolore magna aliqua. Ut enim ad minim veniam, quis nostrud exercitation ullamco laboris nisi ut aliquip ex ea commodo consequat.</a:t>
-            </a:r>
-            <a:endParaRPr lang="zh-CN" altLang="en-US" dirty="0"/>
-          </a:p>
-        </p:txBody>
-      </p:sp>
     </p:spTree>
-    <p:custDataLst>
-      <p:tags r:id="rId4"/>
-    </p:custDataLst>
   </p:cSld>
   <p:clrMapOvr>
     <a:masterClrMapping/>
@@ -6705,174 +6499,37 @@
           <a:chExt cx="0" cy="0"/>
         </a:xfrm>
       </p:grpSpPr>
-      <p:pic>
-        <p:nvPicPr>
-          <p:cNvPr id="5" name="图片 4"/>
-          <p:cNvPicPr preferRelativeResize="0"/>
-          <p:nvPr>
-            <p:custDataLst>
-              <p:tags r:id="rId1"/>
-            </p:custDataLst>
-          </p:nvPr>
-        </p:nvPicPr>
-        <p:blipFill rotWithShape="1">
-          <a:blip r:embed="rId2">
-            <a:extLst>
-              <a:ext uri="{28A0092B-C50C-407E-A947-70E740481C1C}">
-                <a14:useLocalDpi xmlns:a14="http://schemas.microsoft.com/office/drawing/2010/main" val="0"/>
-              </a:ext>
-            </a:extLst>
-          </a:blip>
-          <a:srcRect l="861"/>
-          <a:stretch>
-            <a:fillRect/>
-          </a:stretch>
-        </p:blipFill>
+      <p:sp>
+        <p:nvSpPr>
+          <p:cNvPr id="2" name="标题 1"/>
+          <p:cNvSpPr>
+            <a:spLocks noGrp="1"/>
+          </p:cNvSpPr>
+          <p:nvPr>
+            <p:ph type="title"/>
+          </p:nvPr>
+        </p:nvSpPr>
         <p:spPr>
           <a:xfrm>
-            <a:off x="5140872" y="731294"/>
-            <a:ext cx="6170400" cy="5403600"/>
+            <a:off x="1035685" y="1945640"/>
+            <a:ext cx="10515600" cy="1036955"/>
           </a:xfrm>
-          <a:prstGeom prst="rect">
-            <a:avLst/>
-          </a:prstGeom>
         </p:spPr>
-      </p:pic>
-      <p:sp>
-        <p:nvSpPr>
-          <p:cNvPr id="3" name="文本框 2"/>
-          <p:cNvSpPr txBox="1"/>
-          <p:nvPr>
-            <p:custDataLst>
-              <p:tags r:id="rId3"/>
-            </p:custDataLst>
-          </p:nvPr>
-        </p:nvSpPr>
-        <p:spPr>
-          <a:xfrm>
-            <a:off x="880729" y="723106"/>
-            <a:ext cx="4165200" cy="1600200"/>
-          </a:xfrm>
-          <a:prstGeom prst="rect">
-            <a:avLst/>
-          </a:prstGeom>
-        </p:spPr>
-        <p:txBody>
-          <a:bodyPr vert="horz" lIns="91440" tIns="45720" rIns="91440" bIns="45720" rtlCol="0" anchor="b" anchorCtr="0">
+        <p:txBody>
+          <a:bodyPr>
             <a:normAutofit/>
           </a:bodyPr>
-          <a:lstStyle>
-            <a:defPPr>
-              <a:defRPr lang="zh-CN"/>
-            </a:defPPr>
-            <a:lvl1pPr>
-              <a:defRPr sz="2800">
-                <a:solidFill>
-                  <a:schemeClr val="accent1">
-                    <a:lumMod val="75000"/>
-                  </a:schemeClr>
-                </a:solidFill>
-                <a:latin typeface="+mj-lt"/>
-                <a:ea typeface="+mj-ea"/>
-                <a:cs typeface="+mj-cs"/>
-              </a:defRPr>
-            </a:lvl1pPr>
-          </a:lstStyle>
-          <a:p>
-            <a:r>
-              <a:rPr lang="zh-CN" altLang="en-US" sz="3200" dirty="0"/>
-              <a:t>相机拍照功能</a:t>
-            </a:r>
-            <a:endParaRPr lang="zh-CN" altLang="en-US" sz="3200" dirty="0"/>
-          </a:p>
-          <a:p>
-            <a:endParaRPr lang="zh-CN" altLang="en-US" sz="3200" dirty="0"/>
-          </a:p>
-        </p:txBody>
-      </p:sp>
-      <p:sp>
-        <p:nvSpPr>
-          <p:cNvPr id="4" name="文本框 3"/>
-          <p:cNvSpPr txBox="1"/>
-          <p:nvPr>
-            <p:custDataLst>
-              <p:tags r:id="rId4"/>
-            </p:custDataLst>
-          </p:nvPr>
-        </p:nvSpPr>
-        <p:spPr>
-          <a:xfrm>
-            <a:off x="880729" y="2323306"/>
-            <a:ext cx="4165200" cy="3811588"/>
-          </a:xfrm>
-          <a:prstGeom prst="rect">
-            <a:avLst/>
-          </a:prstGeom>
-        </p:spPr>
-        <p:txBody>
-          <a:bodyPr vert="horz" lIns="91440" tIns="45720" rIns="91440" bIns="45720" rtlCol="0">
-            <a:normAutofit/>
-          </a:bodyPr>
-          <a:lstStyle>
-            <a:defPPr>
-              <a:defRPr lang="zh-CN"/>
-            </a:defPPr>
-            <a:lvl1pPr lvl="0" indent="0">
-              <a:buNone/>
-              <a:defRPr sz="2000"/>
-            </a:lvl1pPr>
-            <a:lvl2pPr indent="0">
-              <a:buNone/>
-              <a:defRPr sz="1400"/>
-            </a:lvl2pPr>
-            <a:lvl3pPr indent="0">
-              <a:buNone/>
-              <a:defRPr sz="1200"/>
-            </a:lvl3pPr>
-            <a:lvl4pPr indent="0">
-              <a:buNone/>
-              <a:defRPr sz="1000"/>
-            </a:lvl4pPr>
-            <a:lvl5pPr indent="0">
-              <a:buNone/>
-              <a:defRPr sz="1000"/>
-            </a:lvl5pPr>
-            <a:lvl6pPr indent="0">
-              <a:buNone/>
-              <a:defRPr sz="1000"/>
-            </a:lvl6pPr>
-            <a:lvl7pPr indent="0">
-              <a:buNone/>
-              <a:defRPr sz="1000"/>
-            </a:lvl7pPr>
-            <a:lvl8pPr indent="0">
-              <a:buNone/>
-              <a:defRPr sz="1000"/>
-            </a:lvl8pPr>
-            <a:lvl9pPr indent="0">
-              <a:buNone/>
-              <a:defRPr sz="1000"/>
-            </a:lvl9pPr>
-          </a:lstStyle>
-          <a:p>
-            <a:r>
-              <a:rPr lang="zh-CN" altLang="en-US" dirty="0">
-                <a:latin typeface="+mn-lt"/>
-                <a:ea typeface="+mn-ea"/>
-              </a:rPr>
-              <a:t>Lorem ipsum dolor sit amet, consectetur adipisicing elit, sed do eiusmod tempor incididunt ut labore et dolore magna aliqua. Ut enim ad minim veniam, quis nostrud exercitation ullamco laboris nisi ut aliquip ex ea commodo consequat.</a:t>
-            </a:r>
-            <a:endParaRPr lang="zh-CN" altLang="en-US" dirty="0">
-              <a:latin typeface="+mn-lt"/>
-              <a:ea typeface="+mn-ea"/>
-            </a:endParaRPr>
+          <a:p>
+            <a:pPr algn="ctr"/>
+            <a:r>
+              <a:rPr lang="x-none" altLang="zh-CN" b="0" dirty="0"/>
+              <a:t>功能展示</a:t>
+            </a:r>
+            <a:endParaRPr lang="x-none" altLang="zh-CN" b="0" dirty="0"/>
           </a:p>
         </p:txBody>
       </p:sp>
     </p:spTree>
-    <p:custDataLst>
-      <p:tags r:id="rId5"/>
-    </p:custDataLst>
   </p:cSld>
   <p:clrMapOvr>
     <a:masterClrMapping/>
@@ -6904,1232 +6561,11 @@
           <a:chExt cx="0" cy="0"/>
         </a:xfrm>
       </p:grpSpPr>
-      <p:pic>
-        <p:nvPicPr>
-          <p:cNvPr id="6" name="图片 5"/>
-          <p:cNvPicPr preferRelativeResize="0"/>
-          <p:nvPr>
-            <p:custDataLst>
-              <p:tags r:id="rId1"/>
-            </p:custDataLst>
-          </p:nvPr>
-        </p:nvPicPr>
-        <p:blipFill rotWithShape="1">
-          <a:blip r:embed="rId2">
-            <a:extLst>
-              <a:ext uri="{28A0092B-C50C-407E-A947-70E740481C1C}">
-                <a14:useLocalDpi xmlns:a14="http://schemas.microsoft.com/office/drawing/2010/main" val="0"/>
-              </a:ext>
-            </a:extLst>
-          </a:blip>
-          <a:srcRect l="1011" t="26733" r="1388" b="16524"/>
-          <a:stretch>
-            <a:fillRect/>
-          </a:stretch>
-        </p:blipFill>
-        <p:spPr>
-          <a:xfrm>
-            <a:off x="1554600" y="1369965"/>
-            <a:ext cx="9082800" cy="4543200"/>
-          </a:xfrm>
-          <a:prstGeom prst="rect">
-            <a:avLst/>
-          </a:prstGeom>
-        </p:spPr>
-      </p:pic>
-      <p:sp>
-        <p:nvSpPr>
-          <p:cNvPr id="3" name="文本框 2"/>
-          <p:cNvSpPr txBox="1"/>
-          <p:nvPr>
-            <p:custDataLst>
-              <p:tags r:id="rId3"/>
-            </p:custDataLst>
-          </p:nvPr>
-        </p:nvSpPr>
-        <p:spPr>
-          <a:xfrm>
-            <a:off x="1554600" y="425054"/>
-            <a:ext cx="9082800" cy="939600"/>
-          </a:xfrm>
-          <a:prstGeom prst="rect">
-            <a:avLst/>
-          </a:prstGeom>
-        </p:spPr>
-        <p:txBody>
-          <a:bodyPr vert="horz" lIns="91440" tIns="45720" rIns="91440" bIns="45720" rtlCol="0" anchor="ctr" anchorCtr="0">
-            <a:normAutofit/>
-          </a:bodyPr>
-          <a:lstStyle>
-            <a:defPPr>
-              <a:defRPr lang="zh-CN"/>
-            </a:defPPr>
-            <a:lvl1pPr>
-              <a:defRPr sz="3200">
-                <a:solidFill>
-                  <a:schemeClr val="accent1">
-                    <a:lumMod val="75000"/>
-                  </a:schemeClr>
-                </a:solidFill>
-                <a:latin typeface="+mj-lt"/>
-                <a:ea typeface="+mj-ea"/>
-                <a:cs typeface="+mj-cs"/>
-              </a:defRPr>
-            </a:lvl1pPr>
-          </a:lstStyle>
-          <a:p>
-            <a:r>
-              <a:rPr lang="zh-CN" altLang="en-US" sz="3600" dirty="0"/>
-              <a:t>LOREM IPSUM DOLOR</a:t>
-            </a:r>
-            <a:endParaRPr lang="zh-CN" altLang="en-US" sz="3600" dirty="0"/>
-          </a:p>
-        </p:txBody>
-      </p:sp>
-      <p:sp>
-        <p:nvSpPr>
-          <p:cNvPr id="4" name="文本框 3"/>
-          <p:cNvSpPr txBox="1"/>
-          <p:nvPr>
-            <p:custDataLst>
-              <p:tags r:id="rId4"/>
-            </p:custDataLst>
-          </p:nvPr>
-        </p:nvSpPr>
-        <p:spPr>
-          <a:xfrm>
-            <a:off x="1554600" y="5918475"/>
-            <a:ext cx="9082800" cy="597600"/>
-          </a:xfrm>
-          <a:prstGeom prst="rect">
-            <a:avLst/>
-          </a:prstGeom>
-        </p:spPr>
-        <p:txBody>
-          <a:bodyPr vert="horz" lIns="91440" tIns="45720" rIns="91440" bIns="45720" rtlCol="0" anchor="t" anchorCtr="0">
-            <a:normAutofit/>
-          </a:bodyPr>
-          <a:lstStyle>
-            <a:defPPr>
-              <a:defRPr lang="zh-CN"/>
-            </a:defPPr>
-            <a:lvl1pPr lvl="0" indent="0">
-              <a:buNone/>
-            </a:lvl1pPr>
-            <a:lvl2pPr indent="0">
-              <a:buNone/>
-              <a:defRPr sz="1400"/>
-            </a:lvl2pPr>
-            <a:lvl3pPr indent="0">
-              <a:buNone/>
-              <a:defRPr sz="1200"/>
-            </a:lvl3pPr>
-            <a:lvl4pPr indent="0">
-              <a:buNone/>
-              <a:defRPr sz="1000"/>
-            </a:lvl4pPr>
-            <a:lvl5pPr indent="0">
-              <a:buNone/>
-              <a:defRPr sz="1000"/>
-            </a:lvl5pPr>
-            <a:lvl6pPr indent="0">
-              <a:buNone/>
-              <a:defRPr sz="1000"/>
-            </a:lvl6pPr>
-            <a:lvl7pPr indent="0">
-              <a:buNone/>
-              <a:defRPr sz="1000"/>
-            </a:lvl7pPr>
-            <a:lvl8pPr indent="0">
-              <a:buNone/>
-              <a:defRPr sz="1000"/>
-            </a:lvl8pPr>
-            <a:lvl9pPr indent="0">
-              <a:buNone/>
-              <a:defRPr sz="1000"/>
-            </a:lvl9pPr>
-          </a:lstStyle>
-          <a:p>
-            <a:r>
-              <a:rPr lang="en-US" altLang="zh-CN" dirty="0" smtClean="0">
-                <a:latin typeface="+mn-lt"/>
-                <a:ea typeface="+mn-ea"/>
-              </a:rPr>
-              <a:t>Lorem ipsum dolor sit </a:t>
-            </a:r>
-            <a:r>
-              <a:rPr lang="en-US" altLang="zh-CN" dirty="0" err="1" smtClean="0">
-                <a:latin typeface="+mn-lt"/>
-                <a:ea typeface="+mn-ea"/>
-              </a:rPr>
-              <a:t>amet</a:t>
-            </a:r>
-            <a:r>
-              <a:rPr lang="en-US" altLang="zh-CN" dirty="0" smtClean="0">
-                <a:latin typeface="+mn-lt"/>
-                <a:ea typeface="+mn-ea"/>
-              </a:rPr>
-              <a:t>, </a:t>
-            </a:r>
-            <a:r>
-              <a:rPr lang="en-US" altLang="zh-CN" dirty="0" err="1" smtClean="0">
-                <a:latin typeface="+mn-lt"/>
-                <a:ea typeface="+mn-ea"/>
-              </a:rPr>
-              <a:t>consectetur</a:t>
-            </a:r>
-            <a:r>
-              <a:rPr lang="en-US" altLang="zh-CN" dirty="0" smtClean="0">
-                <a:latin typeface="+mn-lt"/>
-                <a:ea typeface="+mn-ea"/>
-              </a:rPr>
-              <a:t> </a:t>
-            </a:r>
-            <a:r>
-              <a:rPr lang="en-US" altLang="zh-CN" dirty="0" err="1" smtClean="0">
-                <a:latin typeface="+mn-lt"/>
-                <a:ea typeface="+mn-ea"/>
-              </a:rPr>
-              <a:t>adipisicing</a:t>
-            </a:r>
-            <a:r>
-              <a:rPr lang="en-US" altLang="zh-CN" dirty="0" smtClean="0">
-                <a:latin typeface="+mn-lt"/>
-                <a:ea typeface="+mn-ea"/>
-              </a:rPr>
-              <a:t> </a:t>
-            </a:r>
-            <a:r>
-              <a:rPr lang="en-US" altLang="zh-CN" dirty="0" err="1" smtClean="0">
-                <a:latin typeface="+mn-lt"/>
-                <a:ea typeface="+mn-ea"/>
-              </a:rPr>
-              <a:t>elit</a:t>
-            </a:r>
-            <a:r>
-              <a:rPr lang="en-US" altLang="zh-CN" dirty="0" smtClean="0">
-                <a:latin typeface="+mn-lt"/>
-                <a:ea typeface="+mn-ea"/>
-              </a:rPr>
-              <a:t>.</a:t>
-            </a:r>
-            <a:endParaRPr lang="zh-CN" altLang="en-US" dirty="0">
-              <a:latin typeface="+mn-lt"/>
-              <a:ea typeface="+mn-ea"/>
-            </a:endParaRPr>
-          </a:p>
-        </p:txBody>
-      </p:sp>
-    </p:spTree>
-    <p:custDataLst>
-      <p:tags r:id="rId5"/>
-    </p:custDataLst>
-  </p:cSld>
-  <p:clrMapOvr>
-    <a:masterClrMapping/>
-  </p:clrMapOvr>
-  <p:timing>
-    <p:tnLst>
-      <p:par>
-        <p:cTn id="1" dur="indefinite" restart="never" nodeType="tmRoot"/>
-      </p:par>
-    </p:tnLst>
-  </p:timing>
-</p:sld>
-</file>
-
-<file path=ppt/slides/slide7.xml><?xml version="1.0" encoding="utf-8"?>
-<p:sld xmlns:a="http://schemas.openxmlformats.org/drawingml/2006/main" xmlns:r="http://schemas.openxmlformats.org/officeDocument/2006/relationships" xmlns:p="http://schemas.openxmlformats.org/presentationml/2006/main">
-  <p:cSld>
-    <p:spTree>
-      <p:nvGrpSpPr>
-        <p:cNvPr id="1" name=""/>
-        <p:cNvGrpSpPr/>
-        <p:nvPr/>
-      </p:nvGrpSpPr>
-      <p:grpSpPr>
-        <a:xfrm>
-          <a:off x="0" y="0"/>
-          <a:ext cx="0" cy="0"/>
-          <a:chOff x="0" y="0"/>
-          <a:chExt cx="0" cy="0"/>
-        </a:xfrm>
-      </p:grpSpPr>
-      <p:sp>
-        <p:nvSpPr>
-          <p:cNvPr id="9" name="文本框 8"/>
-          <p:cNvSpPr txBox="1"/>
-          <p:nvPr>
-            <p:custDataLst>
-              <p:tags r:id="rId1"/>
-            </p:custDataLst>
-          </p:nvPr>
-        </p:nvSpPr>
-        <p:spPr>
-          <a:xfrm>
-            <a:off x="3175361" y="5501771"/>
-            <a:ext cx="7358840" cy="1025470"/>
-          </a:xfrm>
-          <a:prstGeom prst="rect">
-            <a:avLst/>
-          </a:prstGeom>
-        </p:spPr>
-        <p:txBody>
-          <a:bodyPr vert="horz" lIns="91440" tIns="45720" rIns="91440" bIns="45720" rtlCol="0">
-            <a:normAutofit/>
-          </a:bodyPr>
-          <a:lstStyle>
-            <a:lvl1pPr marL="0" indent="0" defTabSz="914400" eaLnBrk="1" latinLnBrk="0" hangingPunct="1">
-              <a:lnSpc>
-                <a:spcPct val="90000"/>
-              </a:lnSpc>
-              <a:spcBef>
-                <a:spcPts val="1000"/>
-              </a:spcBef>
-              <a:buClr>
-                <a:schemeClr val="accent1"/>
-              </a:buClr>
-              <a:buFont typeface="Wingdings" panose="05000000000000000000" pitchFamily="2" charset="2"/>
-              <a:buNone/>
-              <a:defRPr sz="2000">
-                <a:latin typeface="+mn-lt"/>
-                <a:ea typeface="+mn-ea"/>
-              </a:defRPr>
-            </a:lvl1pPr>
-            <a:lvl2pPr indent="0" defTabSz="914400" eaLnBrk="1" latinLnBrk="0" hangingPunct="1">
-              <a:lnSpc>
-                <a:spcPct val="90000"/>
-              </a:lnSpc>
-              <a:spcBef>
-                <a:spcPts val="500"/>
-              </a:spcBef>
-              <a:buFont typeface="Arial" panose="020B0604020202020204" pitchFamily="34" charset="0"/>
-              <a:buNone/>
-              <a:defRPr sz="1400">
-                <a:latin typeface="+mn-lt"/>
-                <a:ea typeface="+mn-ea"/>
-              </a:defRPr>
-            </a:lvl2pPr>
-            <a:lvl3pPr indent="0" defTabSz="914400" eaLnBrk="1" latinLnBrk="0" hangingPunct="1">
-              <a:lnSpc>
-                <a:spcPct val="90000"/>
-              </a:lnSpc>
-              <a:spcBef>
-                <a:spcPts val="500"/>
-              </a:spcBef>
-              <a:buFont typeface="Arial" panose="020B0604020202020204" pitchFamily="34" charset="0"/>
-              <a:buNone/>
-              <a:defRPr sz="1200">
-                <a:latin typeface="+mn-lt"/>
-                <a:ea typeface="+mn-ea"/>
-              </a:defRPr>
-            </a:lvl3pPr>
-            <a:lvl4pPr indent="0" defTabSz="914400" eaLnBrk="1" latinLnBrk="0" hangingPunct="1">
-              <a:lnSpc>
-                <a:spcPct val="90000"/>
-              </a:lnSpc>
-              <a:spcBef>
-                <a:spcPts val="500"/>
-              </a:spcBef>
-              <a:buFont typeface="Arial" panose="020B0604020202020204" pitchFamily="34" charset="0"/>
-              <a:buNone/>
-              <a:defRPr sz="1000">
-                <a:latin typeface="+mn-lt"/>
-                <a:ea typeface="+mn-ea"/>
-              </a:defRPr>
-            </a:lvl4pPr>
-            <a:lvl5pPr indent="0" defTabSz="914400" eaLnBrk="1" latinLnBrk="0" hangingPunct="1">
-              <a:lnSpc>
-                <a:spcPct val="90000"/>
-              </a:lnSpc>
-              <a:spcBef>
-                <a:spcPts val="500"/>
-              </a:spcBef>
-              <a:buFont typeface="Arial" panose="020B0604020202020204" pitchFamily="34" charset="0"/>
-              <a:buNone/>
-              <a:defRPr sz="1000">
-                <a:latin typeface="+mn-lt"/>
-                <a:ea typeface="+mn-ea"/>
-              </a:defRPr>
-            </a:lvl5pPr>
-            <a:lvl6pPr indent="0">
-              <a:lnSpc>
-                <a:spcPct val="90000"/>
-              </a:lnSpc>
-              <a:spcBef>
-                <a:spcPts val="500"/>
-              </a:spcBef>
-              <a:buFont typeface="Arial" panose="020B0604020202020204" pitchFamily="34" charset="0"/>
-              <a:buNone/>
-              <a:defRPr sz="1000">
-                <a:latin typeface="+mn-lt"/>
-                <a:ea typeface="+mn-ea"/>
-              </a:defRPr>
-            </a:lvl6pPr>
-            <a:lvl7pPr indent="0">
-              <a:lnSpc>
-                <a:spcPct val="90000"/>
-              </a:lnSpc>
-              <a:spcBef>
-                <a:spcPts val="500"/>
-              </a:spcBef>
-              <a:buFont typeface="Arial" panose="020B0604020202020204" pitchFamily="34" charset="0"/>
-              <a:buNone/>
-              <a:defRPr sz="1000">
-                <a:latin typeface="+mn-lt"/>
-                <a:ea typeface="+mn-ea"/>
-              </a:defRPr>
-            </a:lvl7pPr>
-            <a:lvl8pPr indent="0">
-              <a:lnSpc>
-                <a:spcPct val="90000"/>
-              </a:lnSpc>
-              <a:spcBef>
-                <a:spcPts val="500"/>
-              </a:spcBef>
-              <a:buFont typeface="Arial" panose="020B0604020202020204" pitchFamily="34" charset="0"/>
-              <a:buNone/>
-              <a:defRPr sz="1000">
-                <a:latin typeface="+mn-lt"/>
-                <a:ea typeface="+mn-ea"/>
-              </a:defRPr>
-            </a:lvl8pPr>
-            <a:lvl9pPr indent="0">
-              <a:lnSpc>
-                <a:spcPct val="90000"/>
-              </a:lnSpc>
-              <a:spcBef>
-                <a:spcPts val="500"/>
-              </a:spcBef>
-              <a:buFont typeface="Arial" panose="020B0604020202020204" pitchFamily="34" charset="0"/>
-              <a:buNone/>
-              <a:defRPr sz="1000">
-                <a:latin typeface="+mn-lt"/>
-                <a:ea typeface="+mn-ea"/>
-              </a:defRPr>
-            </a:lvl9pPr>
-          </a:lstStyle>
-          <a:p>
-            <a:r>
-              <a:rPr lang="en-US" altLang="zh-CN" dirty="0" smtClean="0"/>
-              <a:t>Lorem ipsum dolor sit </a:t>
-            </a:r>
-            <a:r>
-              <a:rPr lang="en-US" altLang="zh-CN" dirty="0" err="1" smtClean="0"/>
-              <a:t>amet</a:t>
-            </a:r>
-            <a:r>
-              <a:rPr lang="en-US" altLang="zh-CN" dirty="0" smtClean="0"/>
-              <a:t>, </a:t>
-            </a:r>
-            <a:r>
-              <a:rPr lang="en-US" altLang="zh-CN" dirty="0" err="1" smtClean="0"/>
-              <a:t>consectetur</a:t>
-            </a:r>
-            <a:r>
-              <a:rPr lang="en-US" altLang="zh-CN" dirty="0" smtClean="0"/>
-              <a:t> </a:t>
-            </a:r>
-            <a:r>
-              <a:rPr lang="en-US" altLang="zh-CN" dirty="0" err="1" smtClean="0"/>
-              <a:t>adipisicing</a:t>
-            </a:r>
-            <a:r>
-              <a:rPr lang="en-US" altLang="zh-CN" dirty="0" smtClean="0"/>
-              <a:t> </a:t>
-            </a:r>
-            <a:r>
-              <a:rPr lang="en-US" altLang="zh-CN" dirty="0" err="1" smtClean="0"/>
-              <a:t>elit</a:t>
-            </a:r>
-            <a:r>
-              <a:rPr lang="en-US" altLang="zh-CN" dirty="0" smtClean="0"/>
-              <a:t>.</a:t>
-            </a:r>
-            <a:endParaRPr lang="zh-CN" altLang="en-US" dirty="0"/>
-          </a:p>
-        </p:txBody>
-      </p:sp>
-      <p:sp>
-        <p:nvSpPr>
-          <p:cNvPr id="10" name="任意多边形 13"/>
-          <p:cNvSpPr/>
-          <p:nvPr>
-            <p:custDataLst>
-              <p:tags r:id="rId2"/>
-            </p:custDataLst>
-          </p:nvPr>
-        </p:nvSpPr>
-        <p:spPr bwMode="auto">
-          <a:xfrm rot="8852783">
-            <a:off x="4009405" y="357943"/>
-            <a:ext cx="1125907" cy="575806"/>
-          </a:xfrm>
-          <a:custGeom>
-            <a:avLst/>
-            <a:gdLst>
-              <a:gd name="T0" fmla="*/ 0 w 1206500"/>
-              <a:gd name="T1" fmla="*/ 37033 h 1003300"/>
-              <a:gd name="T2" fmla="*/ 539045 w 1206500"/>
-              <a:gd name="T3" fmla="*/ 0 h 1003300"/>
-              <a:gd name="T4" fmla="*/ 514221 w 1206500"/>
-              <a:gd name="T5" fmla="*/ 11161 h 1003300"/>
-              <a:gd name="T6" fmla="*/ 549685 w 1206500"/>
-              <a:gd name="T7" fmla="*/ 14205 h 1003300"/>
-              <a:gd name="T8" fmla="*/ 546138 w 1206500"/>
-              <a:gd name="T9" fmla="*/ 20292 h 1003300"/>
-              <a:gd name="T10" fmla="*/ 588694 w 1206500"/>
-              <a:gd name="T11" fmla="*/ 20292 h 1003300"/>
-              <a:gd name="T12" fmla="*/ 638343 w 1206500"/>
-              <a:gd name="T13" fmla="*/ 18263 h 1003300"/>
-              <a:gd name="T14" fmla="*/ 645436 w 1206500"/>
-              <a:gd name="T15" fmla="*/ 28916 h 1003300"/>
-              <a:gd name="T16" fmla="*/ 581601 w 1206500"/>
-              <a:gd name="T17" fmla="*/ 38554 h 1003300"/>
-              <a:gd name="T18" fmla="*/ 663167 w 1206500"/>
-              <a:gd name="T19" fmla="*/ 31960 h 1003300"/>
-              <a:gd name="T20" fmla="*/ 606426 w 1206500"/>
-              <a:gd name="T21" fmla="*/ 44135 h 1003300"/>
-              <a:gd name="T22" fmla="*/ 673807 w 1206500"/>
-              <a:gd name="T23" fmla="*/ 41598 h 1003300"/>
-              <a:gd name="T24" fmla="*/ 95751 w 1206500"/>
-              <a:gd name="T25" fmla="*/ 80153 h 1003300"/>
-              <a:gd name="T26" fmla="*/ 117030 w 1206500"/>
-              <a:gd name="T27" fmla="*/ 75587 h 1003300"/>
-              <a:gd name="T28" fmla="*/ 163132 w 1206500"/>
-              <a:gd name="T29" fmla="*/ 70007 h 1003300"/>
-              <a:gd name="T30" fmla="*/ 74474 w 1206500"/>
-              <a:gd name="T31" fmla="*/ 68992 h 1003300"/>
-              <a:gd name="T32" fmla="*/ 124122 w 1206500"/>
-              <a:gd name="T33" fmla="*/ 61890 h 1003300"/>
-              <a:gd name="T34" fmla="*/ 56742 w 1206500"/>
-              <a:gd name="T35" fmla="*/ 60876 h 1003300"/>
-              <a:gd name="T36" fmla="*/ 106390 w 1206500"/>
-              <a:gd name="T37" fmla="*/ 51745 h 1003300"/>
-              <a:gd name="T38" fmla="*/ 31917 w 1206500"/>
-              <a:gd name="T39" fmla="*/ 49208 h 1003300"/>
-              <a:gd name="T40" fmla="*/ 31917 w 1206500"/>
-              <a:gd name="T41" fmla="*/ 45149 h 1003300"/>
-              <a:gd name="T42" fmla="*/ 74474 w 1206500"/>
-              <a:gd name="T43" fmla="*/ 41091 h 1003300"/>
-              <a:gd name="T44" fmla="*/ 0 w 1206500"/>
-              <a:gd name="T45" fmla="*/ 37033 h 1003300"/>
-              <a:gd name="T46" fmla="*/ 0 60000 65536"/>
-              <a:gd name="T47" fmla="*/ 0 60000 65536"/>
-              <a:gd name="T48" fmla="*/ 0 60000 65536"/>
-              <a:gd name="T49" fmla="*/ 0 60000 65536"/>
-              <a:gd name="T50" fmla="*/ 0 60000 65536"/>
-              <a:gd name="T51" fmla="*/ 0 60000 65536"/>
-              <a:gd name="T52" fmla="*/ 0 60000 65536"/>
-              <a:gd name="T53" fmla="*/ 0 60000 65536"/>
-              <a:gd name="T54" fmla="*/ 0 60000 65536"/>
-              <a:gd name="T55" fmla="*/ 0 60000 65536"/>
-              <a:gd name="T56" fmla="*/ 0 60000 65536"/>
-              <a:gd name="T57" fmla="*/ 0 60000 65536"/>
-              <a:gd name="T58" fmla="*/ 0 60000 65536"/>
-              <a:gd name="T59" fmla="*/ 0 60000 65536"/>
-              <a:gd name="T60" fmla="*/ 0 60000 65536"/>
-              <a:gd name="T61" fmla="*/ 0 60000 65536"/>
-              <a:gd name="T62" fmla="*/ 0 60000 65536"/>
-              <a:gd name="T63" fmla="*/ 0 60000 65536"/>
-              <a:gd name="T64" fmla="*/ 0 60000 65536"/>
-              <a:gd name="T65" fmla="*/ 0 60000 65536"/>
-              <a:gd name="T66" fmla="*/ 0 60000 65536"/>
-              <a:gd name="T67" fmla="*/ 0 60000 65536"/>
-              <a:gd name="T68" fmla="*/ 0 60000 65536"/>
-            </a:gdLst>
-            <a:ahLst/>
-            <a:cxnLst>
-              <a:cxn ang="T46">
-                <a:pos x="T0" y="T1"/>
-              </a:cxn>
-              <a:cxn ang="T47">
-                <a:pos x="T2" y="T3"/>
-              </a:cxn>
-              <a:cxn ang="T48">
-                <a:pos x="T4" y="T5"/>
-              </a:cxn>
-              <a:cxn ang="T49">
-                <a:pos x="T6" y="T7"/>
-              </a:cxn>
-              <a:cxn ang="T50">
-                <a:pos x="T8" y="T9"/>
-              </a:cxn>
-              <a:cxn ang="T51">
-                <a:pos x="T10" y="T11"/>
-              </a:cxn>
-              <a:cxn ang="T52">
-                <a:pos x="T12" y="T13"/>
-              </a:cxn>
-              <a:cxn ang="T53">
-                <a:pos x="T14" y="T15"/>
-              </a:cxn>
-              <a:cxn ang="T54">
-                <a:pos x="T16" y="T17"/>
-              </a:cxn>
-              <a:cxn ang="T55">
-                <a:pos x="T18" y="T19"/>
-              </a:cxn>
-              <a:cxn ang="T56">
-                <a:pos x="T20" y="T21"/>
-              </a:cxn>
-              <a:cxn ang="T57">
-                <a:pos x="T22" y="T23"/>
-              </a:cxn>
-              <a:cxn ang="T58">
-                <a:pos x="T24" y="T25"/>
-              </a:cxn>
-              <a:cxn ang="T59">
-                <a:pos x="T26" y="T27"/>
-              </a:cxn>
-              <a:cxn ang="T60">
-                <a:pos x="T28" y="T29"/>
-              </a:cxn>
-              <a:cxn ang="T61">
-                <a:pos x="T30" y="T31"/>
-              </a:cxn>
-              <a:cxn ang="T62">
-                <a:pos x="T32" y="T33"/>
-              </a:cxn>
-              <a:cxn ang="T63">
-                <a:pos x="T34" y="T35"/>
-              </a:cxn>
-              <a:cxn ang="T64">
-                <a:pos x="T36" y="T37"/>
-              </a:cxn>
-              <a:cxn ang="T65">
-                <a:pos x="T38" y="T39"/>
-              </a:cxn>
-              <a:cxn ang="T66">
-                <a:pos x="T40" y="T41"/>
-              </a:cxn>
-              <a:cxn ang="T67">
-                <a:pos x="T42" y="T43"/>
-              </a:cxn>
-              <a:cxn ang="T68">
-                <a:pos x="T44" y="T45"/>
-              </a:cxn>
-            </a:cxnLst>
-            <a:rect l="0" t="0" r="r" b="b"/>
-            <a:pathLst>
-              <a:path w="1206500" h="1003300">
-                <a:moveTo>
-                  <a:pt x="0" y="463550"/>
-                </a:moveTo>
-                <a:lnTo>
-                  <a:pt x="965200" y="0"/>
-                </a:lnTo>
-                <a:lnTo>
-                  <a:pt x="920750" y="139700"/>
-                </a:lnTo>
-                <a:lnTo>
-                  <a:pt x="984250" y="177800"/>
-                </a:lnTo>
-                <a:lnTo>
-                  <a:pt x="977900" y="254000"/>
-                </a:lnTo>
-                <a:lnTo>
-                  <a:pt x="1054100" y="254000"/>
-                </a:lnTo>
-                <a:lnTo>
-                  <a:pt x="1143000" y="228600"/>
-                </a:lnTo>
-                <a:lnTo>
-                  <a:pt x="1155700" y="361950"/>
-                </a:lnTo>
-                <a:lnTo>
-                  <a:pt x="1041400" y="482600"/>
-                </a:lnTo>
-                <a:lnTo>
-                  <a:pt x="1187450" y="400050"/>
-                </a:lnTo>
-                <a:lnTo>
-                  <a:pt x="1085850" y="552450"/>
-                </a:lnTo>
-                <a:lnTo>
-                  <a:pt x="1206500" y="520700"/>
-                </a:lnTo>
-                <a:lnTo>
-                  <a:pt x="171450" y="1003300"/>
-                </a:lnTo>
-                <a:lnTo>
-                  <a:pt x="209550" y="946150"/>
-                </a:lnTo>
-                <a:lnTo>
-                  <a:pt x="292100" y="876300"/>
-                </a:lnTo>
-                <a:lnTo>
-                  <a:pt x="133350" y="863600"/>
-                </a:lnTo>
-                <a:lnTo>
-                  <a:pt x="222250" y="774700"/>
-                </a:lnTo>
-                <a:lnTo>
-                  <a:pt x="101600" y="762000"/>
-                </a:lnTo>
-                <a:lnTo>
-                  <a:pt x="190500" y="647700"/>
-                </a:lnTo>
-                <a:lnTo>
-                  <a:pt x="57150" y="615950"/>
-                </a:lnTo>
-                <a:lnTo>
-                  <a:pt x="57150" y="565150"/>
-                </a:lnTo>
-                <a:lnTo>
-                  <a:pt x="133350" y="514350"/>
-                </a:lnTo>
-                <a:lnTo>
-                  <a:pt x="0" y="463550"/>
-                </a:lnTo>
-                <a:close/>
-              </a:path>
-            </a:pathLst>
-          </a:custGeom>
-          <a:solidFill>
-            <a:srgbClr val="A6A6A6">
-              <a:alpha val="34117"/>
-            </a:srgbClr>
-          </a:solidFill>
-          <a:ln>
-            <a:noFill/>
-          </a:ln>
-          <a:extLst>
-            <a:ext uri="{91240B29-F687-4F45-9708-019B960494DF}">
-              <a14:hiddenLine xmlns:a14="http://schemas.microsoft.com/office/drawing/2010/main" w="9525">
-                <a:solidFill>
-                  <a:srgbClr val="000000"/>
-                </a:solidFill>
-                <a:round/>
-              </a14:hiddenLine>
-            </a:ext>
-          </a:extLst>
-        </p:spPr>
-        <p:txBody>
-          <a:bodyPr wrap="square" anchor="ctr">
-            <a:normAutofit/>
-          </a:bodyPr>
-          <a:lstStyle/>
-          <a:p>
-            <a:endParaRPr lang="zh-CN" altLang="en-US"/>
-          </a:p>
-        </p:txBody>
-      </p:sp>
-      <p:sp>
-        <p:nvSpPr>
-          <p:cNvPr id="11" name="任意多边形 23"/>
-          <p:cNvSpPr/>
-          <p:nvPr>
-            <p:custDataLst>
-              <p:tags r:id="rId3"/>
-            </p:custDataLst>
-          </p:nvPr>
-        </p:nvSpPr>
-        <p:spPr bwMode="auto">
-          <a:xfrm rot="8852783">
-            <a:off x="8574250" y="4668837"/>
-            <a:ext cx="1125907" cy="575806"/>
-          </a:xfrm>
-          <a:custGeom>
-            <a:avLst/>
-            <a:gdLst>
-              <a:gd name="T0" fmla="*/ 0 w 1206500"/>
-              <a:gd name="T1" fmla="*/ 37033 h 1003300"/>
-              <a:gd name="T2" fmla="*/ 539045 w 1206500"/>
-              <a:gd name="T3" fmla="*/ 0 h 1003300"/>
-              <a:gd name="T4" fmla="*/ 514221 w 1206500"/>
-              <a:gd name="T5" fmla="*/ 11161 h 1003300"/>
-              <a:gd name="T6" fmla="*/ 549685 w 1206500"/>
-              <a:gd name="T7" fmla="*/ 14205 h 1003300"/>
-              <a:gd name="T8" fmla="*/ 546138 w 1206500"/>
-              <a:gd name="T9" fmla="*/ 20292 h 1003300"/>
-              <a:gd name="T10" fmla="*/ 588694 w 1206500"/>
-              <a:gd name="T11" fmla="*/ 20292 h 1003300"/>
-              <a:gd name="T12" fmla="*/ 638343 w 1206500"/>
-              <a:gd name="T13" fmla="*/ 18263 h 1003300"/>
-              <a:gd name="T14" fmla="*/ 645436 w 1206500"/>
-              <a:gd name="T15" fmla="*/ 28916 h 1003300"/>
-              <a:gd name="T16" fmla="*/ 581601 w 1206500"/>
-              <a:gd name="T17" fmla="*/ 38554 h 1003300"/>
-              <a:gd name="T18" fmla="*/ 663167 w 1206500"/>
-              <a:gd name="T19" fmla="*/ 31960 h 1003300"/>
-              <a:gd name="T20" fmla="*/ 606426 w 1206500"/>
-              <a:gd name="T21" fmla="*/ 44135 h 1003300"/>
-              <a:gd name="T22" fmla="*/ 673807 w 1206500"/>
-              <a:gd name="T23" fmla="*/ 41598 h 1003300"/>
-              <a:gd name="T24" fmla="*/ 95751 w 1206500"/>
-              <a:gd name="T25" fmla="*/ 80153 h 1003300"/>
-              <a:gd name="T26" fmla="*/ 117030 w 1206500"/>
-              <a:gd name="T27" fmla="*/ 75587 h 1003300"/>
-              <a:gd name="T28" fmla="*/ 163132 w 1206500"/>
-              <a:gd name="T29" fmla="*/ 70007 h 1003300"/>
-              <a:gd name="T30" fmla="*/ 74474 w 1206500"/>
-              <a:gd name="T31" fmla="*/ 68992 h 1003300"/>
-              <a:gd name="T32" fmla="*/ 124122 w 1206500"/>
-              <a:gd name="T33" fmla="*/ 61890 h 1003300"/>
-              <a:gd name="T34" fmla="*/ 56742 w 1206500"/>
-              <a:gd name="T35" fmla="*/ 60876 h 1003300"/>
-              <a:gd name="T36" fmla="*/ 106390 w 1206500"/>
-              <a:gd name="T37" fmla="*/ 51745 h 1003300"/>
-              <a:gd name="T38" fmla="*/ 31917 w 1206500"/>
-              <a:gd name="T39" fmla="*/ 49208 h 1003300"/>
-              <a:gd name="T40" fmla="*/ 31917 w 1206500"/>
-              <a:gd name="T41" fmla="*/ 45149 h 1003300"/>
-              <a:gd name="T42" fmla="*/ 74474 w 1206500"/>
-              <a:gd name="T43" fmla="*/ 41091 h 1003300"/>
-              <a:gd name="T44" fmla="*/ 0 w 1206500"/>
-              <a:gd name="T45" fmla="*/ 37033 h 1003300"/>
-              <a:gd name="T46" fmla="*/ 0 60000 65536"/>
-              <a:gd name="T47" fmla="*/ 0 60000 65536"/>
-              <a:gd name="T48" fmla="*/ 0 60000 65536"/>
-              <a:gd name="T49" fmla="*/ 0 60000 65536"/>
-              <a:gd name="T50" fmla="*/ 0 60000 65536"/>
-              <a:gd name="T51" fmla="*/ 0 60000 65536"/>
-              <a:gd name="T52" fmla="*/ 0 60000 65536"/>
-              <a:gd name="T53" fmla="*/ 0 60000 65536"/>
-              <a:gd name="T54" fmla="*/ 0 60000 65536"/>
-              <a:gd name="T55" fmla="*/ 0 60000 65536"/>
-              <a:gd name="T56" fmla="*/ 0 60000 65536"/>
-              <a:gd name="T57" fmla="*/ 0 60000 65536"/>
-              <a:gd name="T58" fmla="*/ 0 60000 65536"/>
-              <a:gd name="T59" fmla="*/ 0 60000 65536"/>
-              <a:gd name="T60" fmla="*/ 0 60000 65536"/>
-              <a:gd name="T61" fmla="*/ 0 60000 65536"/>
-              <a:gd name="T62" fmla="*/ 0 60000 65536"/>
-              <a:gd name="T63" fmla="*/ 0 60000 65536"/>
-              <a:gd name="T64" fmla="*/ 0 60000 65536"/>
-              <a:gd name="T65" fmla="*/ 0 60000 65536"/>
-              <a:gd name="T66" fmla="*/ 0 60000 65536"/>
-              <a:gd name="T67" fmla="*/ 0 60000 65536"/>
-              <a:gd name="T68" fmla="*/ 0 60000 65536"/>
-            </a:gdLst>
-            <a:ahLst/>
-            <a:cxnLst>
-              <a:cxn ang="T46">
-                <a:pos x="T0" y="T1"/>
-              </a:cxn>
-              <a:cxn ang="T47">
-                <a:pos x="T2" y="T3"/>
-              </a:cxn>
-              <a:cxn ang="T48">
-                <a:pos x="T4" y="T5"/>
-              </a:cxn>
-              <a:cxn ang="T49">
-                <a:pos x="T6" y="T7"/>
-              </a:cxn>
-              <a:cxn ang="T50">
-                <a:pos x="T8" y="T9"/>
-              </a:cxn>
-              <a:cxn ang="T51">
-                <a:pos x="T10" y="T11"/>
-              </a:cxn>
-              <a:cxn ang="T52">
-                <a:pos x="T12" y="T13"/>
-              </a:cxn>
-              <a:cxn ang="T53">
-                <a:pos x="T14" y="T15"/>
-              </a:cxn>
-              <a:cxn ang="T54">
-                <a:pos x="T16" y="T17"/>
-              </a:cxn>
-              <a:cxn ang="T55">
-                <a:pos x="T18" y="T19"/>
-              </a:cxn>
-              <a:cxn ang="T56">
-                <a:pos x="T20" y="T21"/>
-              </a:cxn>
-              <a:cxn ang="T57">
-                <a:pos x="T22" y="T23"/>
-              </a:cxn>
-              <a:cxn ang="T58">
-                <a:pos x="T24" y="T25"/>
-              </a:cxn>
-              <a:cxn ang="T59">
-                <a:pos x="T26" y="T27"/>
-              </a:cxn>
-              <a:cxn ang="T60">
-                <a:pos x="T28" y="T29"/>
-              </a:cxn>
-              <a:cxn ang="T61">
-                <a:pos x="T30" y="T31"/>
-              </a:cxn>
-              <a:cxn ang="T62">
-                <a:pos x="T32" y="T33"/>
-              </a:cxn>
-              <a:cxn ang="T63">
-                <a:pos x="T34" y="T35"/>
-              </a:cxn>
-              <a:cxn ang="T64">
-                <a:pos x="T36" y="T37"/>
-              </a:cxn>
-              <a:cxn ang="T65">
-                <a:pos x="T38" y="T39"/>
-              </a:cxn>
-              <a:cxn ang="T66">
-                <a:pos x="T40" y="T41"/>
-              </a:cxn>
-              <a:cxn ang="T67">
-                <a:pos x="T42" y="T43"/>
-              </a:cxn>
-              <a:cxn ang="T68">
-                <a:pos x="T44" y="T45"/>
-              </a:cxn>
-            </a:cxnLst>
-            <a:rect l="0" t="0" r="r" b="b"/>
-            <a:pathLst>
-              <a:path w="1206500" h="1003300">
-                <a:moveTo>
-                  <a:pt x="0" y="463550"/>
-                </a:moveTo>
-                <a:lnTo>
-                  <a:pt x="965200" y="0"/>
-                </a:lnTo>
-                <a:lnTo>
-                  <a:pt x="920750" y="139700"/>
-                </a:lnTo>
-                <a:lnTo>
-                  <a:pt x="984250" y="177800"/>
-                </a:lnTo>
-                <a:lnTo>
-                  <a:pt x="977900" y="254000"/>
-                </a:lnTo>
-                <a:lnTo>
-                  <a:pt x="1054100" y="254000"/>
-                </a:lnTo>
-                <a:lnTo>
-                  <a:pt x="1143000" y="228600"/>
-                </a:lnTo>
-                <a:lnTo>
-                  <a:pt x="1155700" y="361950"/>
-                </a:lnTo>
-                <a:lnTo>
-                  <a:pt x="1041400" y="482600"/>
-                </a:lnTo>
-                <a:lnTo>
-                  <a:pt x="1187450" y="400050"/>
-                </a:lnTo>
-                <a:lnTo>
-                  <a:pt x="1085850" y="552450"/>
-                </a:lnTo>
-                <a:lnTo>
-                  <a:pt x="1206500" y="520700"/>
-                </a:lnTo>
-                <a:lnTo>
-                  <a:pt x="171450" y="1003300"/>
-                </a:lnTo>
-                <a:lnTo>
-                  <a:pt x="209550" y="946150"/>
-                </a:lnTo>
-                <a:lnTo>
-                  <a:pt x="292100" y="876300"/>
-                </a:lnTo>
-                <a:lnTo>
-                  <a:pt x="133350" y="863600"/>
-                </a:lnTo>
-                <a:lnTo>
-                  <a:pt x="222250" y="774700"/>
-                </a:lnTo>
-                <a:lnTo>
-                  <a:pt x="101600" y="762000"/>
-                </a:lnTo>
-                <a:lnTo>
-                  <a:pt x="190500" y="647700"/>
-                </a:lnTo>
-                <a:lnTo>
-                  <a:pt x="57150" y="615950"/>
-                </a:lnTo>
-                <a:lnTo>
-                  <a:pt x="57150" y="565150"/>
-                </a:lnTo>
-                <a:lnTo>
-                  <a:pt x="133350" y="514350"/>
-                </a:lnTo>
-                <a:lnTo>
-                  <a:pt x="0" y="463550"/>
-                </a:lnTo>
-                <a:close/>
-              </a:path>
-            </a:pathLst>
-          </a:custGeom>
-          <a:solidFill>
-            <a:srgbClr val="A6A6A6">
-              <a:alpha val="34117"/>
-            </a:srgbClr>
-          </a:solidFill>
-          <a:ln>
-            <a:noFill/>
-          </a:ln>
-          <a:extLst>
-            <a:ext uri="{91240B29-F687-4F45-9708-019B960494DF}">
-              <a14:hiddenLine xmlns:a14="http://schemas.microsoft.com/office/drawing/2010/main" w="9525">
-                <a:solidFill>
-                  <a:srgbClr val="000000"/>
-                </a:solidFill>
-                <a:round/>
-              </a14:hiddenLine>
-            </a:ext>
-          </a:extLst>
-        </p:spPr>
-        <p:txBody>
-          <a:bodyPr wrap="square" anchor="ctr">
-            <a:normAutofit/>
-          </a:bodyPr>
-          <a:lstStyle/>
-          <a:p>
-            <a:endParaRPr lang="zh-CN" altLang="en-US"/>
-          </a:p>
-        </p:txBody>
-      </p:sp>
-      <p:pic>
-        <p:nvPicPr>
-          <p:cNvPr id="16" name="图片 15"/>
-          <p:cNvPicPr>
-            <a:picLocks noChangeAspect="1"/>
-          </p:cNvPicPr>
-          <p:nvPr>
-            <p:custDataLst>
-              <p:tags r:id="rId4"/>
-            </p:custDataLst>
-          </p:nvPr>
-        </p:nvPicPr>
-        <p:blipFill>
-          <a:blip r:embed="rId5">
-            <a:extLst>
-              <a:ext uri="{28A0092B-C50C-407E-A947-70E740481C1C}">
-                <a14:useLocalDpi xmlns:a14="http://schemas.microsoft.com/office/drawing/2010/main" val="0"/>
-              </a:ext>
-            </a:extLst>
-          </a:blip>
-          <a:stretch>
-            <a:fillRect/>
-          </a:stretch>
-        </p:blipFill>
-        <p:spPr>
-          <a:xfrm>
-            <a:off x="4610587" y="573652"/>
-            <a:ext cx="4488387" cy="4383088"/>
-          </a:xfrm>
-          <a:prstGeom prst="rect">
-            <a:avLst/>
-          </a:prstGeom>
-        </p:spPr>
-      </p:pic>
-      <p:sp>
-        <p:nvSpPr>
-          <p:cNvPr id="22" name="文本框 21"/>
-          <p:cNvSpPr txBox="1"/>
-          <p:nvPr>
-            <p:custDataLst>
-              <p:tags r:id="rId6"/>
-            </p:custDataLst>
-          </p:nvPr>
-        </p:nvSpPr>
-        <p:spPr>
-          <a:xfrm>
-            <a:off x="1657799" y="330760"/>
-            <a:ext cx="1205346" cy="5852782"/>
-          </a:xfrm>
-          <a:prstGeom prst="rect">
-            <a:avLst/>
-          </a:prstGeom>
-        </p:spPr>
-        <p:txBody>
-          <a:bodyPr vert="eaVert" lIns="0" tIns="0" rIns="0" bIns="0" rtlCol="0" anchor="ctr" anchorCtr="0">
-            <a:normAutofit/>
-          </a:bodyPr>
-          <a:lstStyle>
-            <a:lvl1pPr defTabSz="914400" eaLnBrk="1" latinLnBrk="0" hangingPunct="1">
-              <a:lnSpc>
-                <a:spcPct val="90000"/>
-              </a:lnSpc>
-              <a:buNone/>
-              <a:defRPr sz="3200" b="1">
-                <a:solidFill>
-                  <a:schemeClr val="accent1"/>
-                </a:solidFill>
-                <a:latin typeface="+mj-lt"/>
-                <a:ea typeface="+mj-ea"/>
-                <a:cs typeface="+mj-cs"/>
-              </a:defRPr>
-            </a:lvl1pPr>
-          </a:lstStyle>
-          <a:p>
-            <a:r>
-              <a:rPr lang="en-US" altLang="zh-CN" sz="3600" dirty="0" smtClean="0"/>
-              <a:t>LOREM IPSUM DOLOR</a:t>
-            </a:r>
-            <a:endParaRPr lang="zh-CN" altLang="en-US" sz="3600" dirty="0"/>
-          </a:p>
-        </p:txBody>
-      </p:sp>
-    </p:spTree>
-    <p:custDataLst>
-      <p:tags r:id="rId7"/>
-    </p:custDataLst>
-  </p:cSld>
-  <p:clrMapOvr>
-    <a:masterClrMapping/>
-  </p:clrMapOvr>
-  <p:timing>
-    <p:tnLst>
-      <p:par>
-        <p:cTn id="1" dur="indefinite" restart="never" nodeType="tmRoot"/>
-      </p:par>
-    </p:tnLst>
-  </p:timing>
-</p:sld>
-</file>
-
-<file path=ppt/slides/slide8.xml><?xml version="1.0" encoding="utf-8"?>
-<p:sld xmlns:a="http://schemas.openxmlformats.org/drawingml/2006/main" xmlns:r="http://schemas.openxmlformats.org/officeDocument/2006/relationships" xmlns:p="http://schemas.openxmlformats.org/presentationml/2006/main">
-  <p:cSld>
-    <p:spTree>
-      <p:nvGrpSpPr>
-        <p:cNvPr id="1" name=""/>
-        <p:cNvGrpSpPr/>
-        <p:nvPr/>
-      </p:nvGrpSpPr>
-      <p:grpSpPr>
-        <a:xfrm>
-          <a:off x="0" y="0"/>
-          <a:ext cx="0" cy="0"/>
-          <a:chOff x="0" y="0"/>
-          <a:chExt cx="0" cy="0"/>
-        </a:xfrm>
-      </p:grpSpPr>
-      <p:sp>
-        <p:nvSpPr>
-          <p:cNvPr id="12" name="矩形 11"/>
-          <p:cNvSpPr/>
-          <p:nvPr>
-            <p:custDataLst>
-              <p:tags r:id="rId1"/>
-            </p:custDataLst>
-          </p:nvPr>
-        </p:nvSpPr>
-        <p:spPr>
-          <a:xfrm>
-            <a:off x="3579216" y="3594399"/>
-            <a:ext cx="2704586" cy="2638487"/>
-          </a:xfrm>
-          <a:prstGeom prst="rect">
-            <a:avLst/>
-          </a:prstGeom>
-          <a:blipFill dpi="0" rotWithShape="1">
-            <a:blip r:embed="rId2">
-              <a:extLst>
-                <a:ext uri="{28A0092B-C50C-407E-A947-70E740481C1C}">
-                  <a14:useLocalDpi xmlns:a14="http://schemas.microsoft.com/office/drawing/2010/main" val="0"/>
-                </a:ext>
-              </a:extLst>
-            </a:blip>
-            <a:srcRect/>
-            <a:stretch>
-              <a:fillRect/>
-            </a:stretch>
-          </a:blipFill>
-          <a:ln>
-            <a:noFill/>
-          </a:ln>
-        </p:spPr>
-        <p:style>
-          <a:lnRef idx="2">
-            <a:schemeClr val="accent1">
-              <a:shade val="50000"/>
-            </a:schemeClr>
-          </a:lnRef>
-          <a:fillRef idx="1">
-            <a:schemeClr val="accent1"/>
-          </a:fillRef>
-          <a:effectRef idx="0">
-            <a:schemeClr val="accent1"/>
-          </a:effectRef>
-          <a:fontRef idx="minor">
-            <a:schemeClr val="lt1"/>
-          </a:fontRef>
-        </p:style>
-        <p:txBody>
-          <a:bodyPr wrap="square" rtlCol="0" anchor="ctr">
-            <a:normAutofit/>
-          </a:bodyPr>
-          <a:lstStyle/>
-          <a:p>
-            <a:pPr algn="ctr"/>
-            <a:endParaRPr lang="zh-CN" altLang="en-US"/>
-          </a:p>
-        </p:txBody>
-      </p:sp>
-      <p:sp>
-        <p:nvSpPr>
-          <p:cNvPr id="11" name="矩形 10"/>
-          <p:cNvSpPr/>
-          <p:nvPr>
-            <p:custDataLst>
-              <p:tags r:id="rId3"/>
-            </p:custDataLst>
-          </p:nvPr>
-        </p:nvSpPr>
-        <p:spPr>
-          <a:xfrm>
-            <a:off x="5861704" y="864978"/>
-            <a:ext cx="2704586" cy="2638487"/>
-          </a:xfrm>
-          <a:prstGeom prst="rect">
-            <a:avLst/>
-          </a:prstGeom>
-          <a:blipFill dpi="0" rotWithShape="1">
-            <a:blip r:embed="rId4" cstate="print">
-              <a:extLst>
-                <a:ext uri="{28A0092B-C50C-407E-A947-70E740481C1C}">
-                  <a14:useLocalDpi xmlns:a14="http://schemas.microsoft.com/office/drawing/2010/main" val="0"/>
-                </a:ext>
-              </a:extLst>
-            </a:blip>
-            <a:srcRect/>
-            <a:stretch>
-              <a:fillRect/>
-            </a:stretch>
-          </a:blipFill>
-          <a:ln>
-            <a:noFill/>
-          </a:ln>
-        </p:spPr>
-        <p:style>
-          <a:lnRef idx="2">
-            <a:schemeClr val="accent1">
-              <a:shade val="50000"/>
-            </a:schemeClr>
-          </a:lnRef>
-          <a:fillRef idx="1">
-            <a:schemeClr val="accent1"/>
-          </a:fillRef>
-          <a:effectRef idx="0">
-            <a:schemeClr val="accent1"/>
-          </a:effectRef>
-          <a:fontRef idx="minor">
-            <a:schemeClr val="lt1"/>
-          </a:fontRef>
-        </p:style>
-        <p:txBody>
-          <a:bodyPr wrap="square" rtlCol="0" anchor="ctr">
-            <a:normAutofit/>
-          </a:bodyPr>
-          <a:lstStyle/>
-          <a:p>
-            <a:pPr algn="ctr"/>
-            <a:endParaRPr lang="zh-CN" altLang="en-US"/>
-          </a:p>
-        </p:txBody>
-      </p:sp>
       <p:sp>
         <p:nvSpPr>
           <p:cNvPr id="3078" name="任意多边形 13"/>
           <p:cNvSpPr/>
-          <p:nvPr>
-            <p:custDataLst>
-              <p:tags r:id="rId5"/>
-            </p:custDataLst>
-          </p:nvPr>
+          <p:nvPr/>
         </p:nvSpPr>
         <p:spPr bwMode="auto">
           <a:xfrm rot="8852783">
@@ -8390,11 +6826,7 @@
         <p:nvSpPr>
           <p:cNvPr id="3079" name="任意多边形 17"/>
           <p:cNvSpPr/>
-          <p:nvPr>
-            <p:custDataLst>
-              <p:tags r:id="rId6"/>
-            </p:custDataLst>
-          </p:nvPr>
+          <p:nvPr/>
         </p:nvSpPr>
         <p:spPr bwMode="auto">
           <a:xfrm rot="1011055">
@@ -8655,11 +7087,7 @@
         <p:nvSpPr>
           <p:cNvPr id="3084" name="任意多边形 23"/>
           <p:cNvSpPr/>
-          <p:nvPr>
-            <p:custDataLst>
-              <p:tags r:id="rId7"/>
-            </p:custDataLst>
-          </p:nvPr>
+          <p:nvPr/>
         </p:nvSpPr>
         <p:spPr bwMode="auto">
           <a:xfrm rot="8852783">
@@ -8922,11 +7350,7 @@
           <p:cNvSpPr>
             <a:spLocks noChangeArrowheads="1"/>
           </p:cNvSpPr>
-          <p:nvPr>
-            <p:custDataLst>
-              <p:tags r:id="rId8"/>
-            </p:custDataLst>
-          </p:nvPr>
+          <p:nvPr/>
         </p:nvSpPr>
         <p:spPr bwMode="auto">
           <a:xfrm>
@@ -8969,70 +7393,70 @@
               <a:spcBef>
                 <a:spcPct val="20000"/>
               </a:spcBef>
-              <a:buFont typeface="Arial" panose="020B0604020202020204" pitchFamily="34" charset="0"/>
+              <a:buFont typeface="Arial" charset="0"/>
               <a:buChar char="•"/>
               <a:defRPr sz="3200">
                 <a:solidFill>
                   <a:schemeClr val="tx1"/>
                 </a:solidFill>
                 <a:latin typeface="Arial Narrow" pitchFamily="34" charset="0"/>
-                <a:ea typeface="微软雅黑" panose="020B0503020204020204" charset="-122"/>
+                <a:ea typeface="微软雅黑" charset="-122"/>
               </a:defRPr>
             </a:lvl1pPr>
             <a:lvl2pPr marL="742950" indent="-285750">
               <a:spcBef>
                 <a:spcPct val="20000"/>
               </a:spcBef>
-              <a:buFont typeface="Arial" panose="020B0604020202020204" pitchFamily="34" charset="0"/>
+              <a:buFont typeface="Arial" charset="0"/>
               <a:buChar char="–"/>
               <a:defRPr sz="2800">
                 <a:solidFill>
                   <a:schemeClr val="tx1"/>
                 </a:solidFill>
                 <a:latin typeface="Arial Narrow" pitchFamily="34" charset="0"/>
-                <a:ea typeface="微软雅黑" panose="020B0503020204020204" charset="-122"/>
+                <a:ea typeface="微软雅黑" charset="-122"/>
               </a:defRPr>
             </a:lvl2pPr>
             <a:lvl3pPr marL="1143000" indent="-228600">
               <a:spcBef>
                 <a:spcPct val="20000"/>
               </a:spcBef>
-              <a:buFont typeface="Arial" panose="020B0604020202020204" pitchFamily="34" charset="0"/>
+              <a:buFont typeface="Arial" charset="0"/>
               <a:buChar char="•"/>
               <a:defRPr sz="2400">
                 <a:solidFill>
                   <a:schemeClr val="tx1"/>
                 </a:solidFill>
                 <a:latin typeface="Arial Narrow" pitchFamily="34" charset="0"/>
-                <a:ea typeface="微软雅黑" panose="020B0503020204020204" charset="-122"/>
+                <a:ea typeface="微软雅黑" charset="-122"/>
               </a:defRPr>
             </a:lvl3pPr>
             <a:lvl4pPr marL="1600200" indent="-228600">
               <a:spcBef>
                 <a:spcPct val="20000"/>
               </a:spcBef>
-              <a:buFont typeface="Arial" panose="020B0604020202020204" pitchFamily="34" charset="0"/>
+              <a:buFont typeface="Arial" charset="0"/>
               <a:buChar char="–"/>
               <a:defRPr sz="2000">
                 <a:solidFill>
                   <a:schemeClr val="tx1"/>
                 </a:solidFill>
                 <a:latin typeface="Arial Narrow" pitchFamily="34" charset="0"/>
-                <a:ea typeface="微软雅黑" panose="020B0503020204020204" charset="-122"/>
+                <a:ea typeface="微软雅黑" charset="-122"/>
               </a:defRPr>
             </a:lvl4pPr>
             <a:lvl5pPr marL="2057400" indent="-228600">
               <a:spcBef>
                 <a:spcPct val="20000"/>
               </a:spcBef>
-              <a:buFont typeface="Arial" panose="020B0604020202020204" pitchFamily="34" charset="0"/>
+              <a:buFont typeface="Arial" charset="0"/>
               <a:buChar char="»"/>
               <a:defRPr sz="2000">
                 <a:solidFill>
                   <a:schemeClr val="tx1"/>
                 </a:solidFill>
                 <a:latin typeface="Arial Narrow" pitchFamily="34" charset="0"/>
-                <a:ea typeface="微软雅黑" panose="020B0503020204020204" charset="-122"/>
+                <a:ea typeface="微软雅黑" charset="-122"/>
               </a:defRPr>
             </a:lvl5pPr>
             <a:lvl6pPr marL="2514600" indent="-228600" eaLnBrk="0" fontAlgn="base" hangingPunct="0">
@@ -9042,14 +7466,14 @@
               <a:spcAft>
                 <a:spcPct val="0"/>
               </a:spcAft>
-              <a:buFont typeface="Arial" panose="020B0604020202020204" pitchFamily="34" charset="0"/>
+              <a:buFont typeface="Arial" charset="0"/>
               <a:buChar char="»"/>
               <a:defRPr sz="2000">
                 <a:solidFill>
                   <a:schemeClr val="tx1"/>
                 </a:solidFill>
                 <a:latin typeface="Arial Narrow" pitchFamily="34" charset="0"/>
-                <a:ea typeface="微软雅黑" panose="020B0503020204020204" charset="-122"/>
+                <a:ea typeface="微软雅黑" charset="-122"/>
               </a:defRPr>
             </a:lvl6pPr>
             <a:lvl7pPr marL="2971800" indent="-228600" eaLnBrk="0" fontAlgn="base" hangingPunct="0">
@@ -9059,14 +7483,14 @@
               <a:spcAft>
                 <a:spcPct val="0"/>
               </a:spcAft>
-              <a:buFont typeface="Arial" panose="020B0604020202020204" pitchFamily="34" charset="0"/>
+              <a:buFont typeface="Arial" charset="0"/>
               <a:buChar char="»"/>
               <a:defRPr sz="2000">
                 <a:solidFill>
                   <a:schemeClr val="tx1"/>
                 </a:solidFill>
                 <a:latin typeface="Arial Narrow" pitchFamily="34" charset="0"/>
-                <a:ea typeface="微软雅黑" panose="020B0503020204020204" charset="-122"/>
+                <a:ea typeface="微软雅黑" charset="-122"/>
               </a:defRPr>
             </a:lvl7pPr>
             <a:lvl8pPr marL="3429000" indent="-228600" eaLnBrk="0" fontAlgn="base" hangingPunct="0">
@@ -9076,14 +7500,14 @@
               <a:spcAft>
                 <a:spcPct val="0"/>
               </a:spcAft>
-              <a:buFont typeface="Arial" panose="020B0604020202020204" pitchFamily="34" charset="0"/>
+              <a:buFont typeface="Arial" charset="0"/>
               <a:buChar char="»"/>
               <a:defRPr sz="2000">
                 <a:solidFill>
                   <a:schemeClr val="tx1"/>
                 </a:solidFill>
                 <a:latin typeface="Arial Narrow" pitchFamily="34" charset="0"/>
-                <a:ea typeface="微软雅黑" panose="020B0503020204020204" charset="-122"/>
+                <a:ea typeface="微软雅黑" charset="-122"/>
               </a:defRPr>
             </a:lvl8pPr>
             <a:lvl9pPr marL="3886200" indent="-228600" eaLnBrk="0" fontAlgn="base" hangingPunct="0">
@@ -9093,14 +7517,14 @@
               <a:spcAft>
                 <a:spcPct val="0"/>
               </a:spcAft>
-              <a:buFont typeface="Arial" panose="020B0604020202020204" pitchFamily="34" charset="0"/>
+              <a:buFont typeface="Arial" charset="0"/>
               <a:buChar char="»"/>
               <a:defRPr sz="2000">
                 <a:solidFill>
                   <a:schemeClr val="tx1"/>
                 </a:solidFill>
                 <a:latin typeface="Arial Narrow" pitchFamily="34" charset="0"/>
-                <a:ea typeface="微软雅黑" panose="020B0503020204020204" charset="-122"/>
+                <a:ea typeface="微软雅黑" charset="-122"/>
               </a:defRPr>
             </a:lvl9pPr>
           </a:lstStyle>
@@ -9138,57 +7562,35 @@
       </p:sp>
       <p:sp>
         <p:nvSpPr>
-          <p:cNvPr id="9" name="文本框 8"/>
-          <p:cNvSpPr txBox="1"/>
-          <p:nvPr>
-            <p:custDataLst>
-              <p:tags r:id="rId9"/>
-            </p:custDataLst>
+          <p:cNvPr id="2" name="标题 1"/>
+          <p:cNvSpPr>
+            <a:spLocks noGrp="1"/>
+          </p:cNvSpPr>
+          <p:nvPr>
+            <p:ph type="title"/>
           </p:nvPr>
         </p:nvSpPr>
         <p:spPr>
           <a:xfrm>
-            <a:off x="1657799" y="502609"/>
-            <a:ext cx="1205346" cy="5852782"/>
+            <a:off x="838200" y="1900555"/>
+            <a:ext cx="10515600" cy="1036955"/>
           </a:xfrm>
-          <a:prstGeom prst="rect">
-            <a:avLst/>
-          </a:prstGeom>
         </p:spPr>
         <p:txBody>
-          <a:bodyPr vert="eaVert" lIns="0" tIns="0" rIns="0" bIns="0" rtlCol="0" anchor="ctr" anchorCtr="0">
+          <a:bodyPr>
             <a:normAutofit/>
           </a:bodyPr>
-          <a:lstStyle>
-            <a:lvl1pPr defTabSz="914400" eaLnBrk="1" latinLnBrk="0" hangingPunct="1">
-              <a:lnSpc>
-                <a:spcPct val="90000"/>
-              </a:lnSpc>
-              <a:buNone/>
-              <a:defRPr sz="3200" b="1">
-                <a:solidFill>
-                  <a:schemeClr val="accent1"/>
-                </a:solidFill>
-                <a:latin typeface="+mj-lt"/>
-                <a:ea typeface="+mj-ea"/>
-                <a:cs typeface="+mj-cs"/>
-              </a:defRPr>
-            </a:lvl1pPr>
-          </a:lstStyle>
           <a:p>
             <a:pPr algn="ctr"/>
             <a:r>
-              <a:rPr lang="en-US" altLang="zh-CN" sz="3600" b="0" dirty="0" smtClean="0"/>
-              <a:t>LOREM IPSUM DOLOR</a:t>
-            </a:r>
-            <a:endParaRPr lang="zh-CN" altLang="en-US" sz="3600" b="0" dirty="0"/>
+              <a:rPr lang="x-none" altLang="zh-CN" b="0" dirty="0"/>
+              <a:t>开发过程中遇到的问题和解决问题方式</a:t>
+            </a:r>
+            <a:endParaRPr lang="x-none" altLang="zh-CN" b="0" dirty="0"/>
           </a:p>
         </p:txBody>
       </p:sp>
     </p:spTree>
-    <p:custDataLst>
-      <p:tags r:id="rId10"/>
-    </p:custDataLst>
   </p:cSld>
   <p:clrMapOvr>
     <a:masterClrMapping/>
@@ -9203,7 +7605,7 @@
 </p:sld>
 </file>
 
-<file path=ppt/slides/slide9.xml><?xml version="1.0" encoding="utf-8"?>
+<file path=ppt/slides/slide7.xml><?xml version="1.0" encoding="utf-8"?>
 <p:sld xmlns:a="http://schemas.openxmlformats.org/drawingml/2006/main" xmlns:r="http://schemas.openxmlformats.org/officeDocument/2006/relationships" xmlns:p="http://schemas.openxmlformats.org/presentationml/2006/main">
   <p:cSld>
     <p:spTree>
@@ -9228,9 +7630,6 @@
           </p:cNvSpPr>
           <p:nvPr>
             <p:ph type="title"/>
-            <p:custDataLst>
-              <p:tags r:id="rId1"/>
-            </p:custDataLst>
           </p:nvPr>
         </p:nvSpPr>
         <p:spPr/>
@@ -9248,41 +7647,7 @@
           </a:p>
         </p:txBody>
       </p:sp>
-      <p:sp>
-        <p:nvSpPr>
-          <p:cNvPr id="3" name="副标题 2"/>
-          <p:cNvSpPr>
-            <a:spLocks noGrp="1"/>
-          </p:cNvSpPr>
-          <p:nvPr>
-            <p:ph sz="quarter" idx="13"/>
-            <p:custDataLst>
-              <p:tags r:id="rId2"/>
-            </p:custDataLst>
-          </p:nvPr>
-        </p:nvSpPr>
-        <p:spPr/>
-        <p:txBody>
-          <a:bodyPr>
-            <a:normAutofit/>
-          </a:bodyPr>
-          <a:lstStyle/>
-          <a:p>
-            <a:pPr marL="0" indent="0" algn="ctr">
-              <a:buNone/>
-            </a:pPr>
-            <a:r>
-              <a:rPr lang="zh-CN" altLang="en-US" dirty="0"/>
-              <a:t>Lorem ipsum dolor sit amet</a:t>
-            </a:r>
-            <a:endParaRPr lang="zh-CN" altLang="en-US" dirty="0"/>
-          </a:p>
-        </p:txBody>
-      </p:sp>
     </p:spTree>
-    <p:custDataLst>
-      <p:tags r:id="rId3"/>
-    </p:custDataLst>
   </p:cSld>
   <p:clrMapOvr>
     <a:masterClrMapping/>
@@ -9295,1066 +7660,6 @@
     </p:tnLst>
   </p:timing>
 </p:sld>
-</file>
-
-<file path=ppt/tags/tag1.xml><?xml version="1.0" encoding="utf-8"?>
-<p:tagLst xmlns:p="http://schemas.openxmlformats.org/presentationml/2006/main">
-  <p:tag name="KSO_WM_TAG_VERSION" val="1.0"/>
-  <p:tag name="KSO_WM_TEMPLATE_CATEGORY" val="custom"/>
-  <p:tag name="KSO_WM_TEMPLATE_INDEX" val="160471"/>
-</p:tagLst>
-</file>
-
-<file path=ppt/tags/tag10.xml><?xml version="1.0" encoding="utf-8"?>
-<p:tagLst xmlns:p="http://schemas.openxmlformats.org/presentationml/2006/main">
-  <p:tag name="KSO_WM_TAG_VERSION" val="1.0"/>
-  <p:tag name="KSO_WM_BEAUTIFY_FLAG" val="#wm#"/>
-  <p:tag name="KSO_WM_TEMPLATE_CATEGORY" val="custom"/>
-  <p:tag name="KSO_WM_TEMPLATE_INDEX" val="160471"/>
-  <p:tag name="KSO_WM_UNIT_TYPE" val="m_i"/>
-  <p:tag name="KSO_WM_UNIT_INDEX" val="1_1"/>
-  <p:tag name="KSO_WM_UNIT_ID" val="custom160471_26*m_i*1_1"/>
-  <p:tag name="KSO_WM_UNIT_CLEAR" val="1"/>
-  <p:tag name="KSO_WM_UNIT_LAYERLEVEL" val="1_1"/>
-  <p:tag name="KSO_WM_DIAGRAM_GROUP_CODE" val="m1-1"/>
-  <p:tag name="KSO_WM_UNIT_TEXT_FILL_FORE_SCHEMECOLOR_INDEX" val="13"/>
-  <p:tag name="KSO_WM_UNIT_TEXT_FILL_TYPE" val="1"/>
-  <p:tag name="KSO_WM_UNIT_USESOURCEFORMAT_APPLY" val="1"/>
-</p:tagLst>
-</file>
-
-<file path=ppt/tags/tag11.xml><?xml version="1.0" encoding="utf-8"?>
-<p:tagLst xmlns:p="http://schemas.openxmlformats.org/presentationml/2006/main">
-  <p:tag name="KSO_WM_TAG_VERSION" val="1.0"/>
-  <p:tag name="KSO_WM_BEAUTIFY_FLAG" val="#wm#"/>
-  <p:tag name="KSO_WM_TEMPLATE_CATEGORY" val="custom"/>
-  <p:tag name="KSO_WM_TEMPLATE_INDEX" val="160471"/>
-  <p:tag name="KSO_WM_UNIT_TYPE" val="m_h_f"/>
-  <p:tag name="KSO_WM_UNIT_INDEX" val="1_3_1"/>
-  <p:tag name="KSO_WM_UNIT_ID" val="custom160471_26*m_h_f*1_3_1"/>
-  <p:tag name="KSO_WM_UNIT_CLEAR" val="1"/>
-  <p:tag name="KSO_WM_UNIT_LAYERLEVEL" val="1_1_1"/>
-  <p:tag name="KSO_WM_UNIT_VALUE" val="3"/>
-  <p:tag name="KSO_WM_UNIT_HIGHLIGHT" val="0"/>
-  <p:tag name="KSO_WM_UNIT_COMPATIBLE" val="0"/>
-  <p:tag name="KSO_WM_UNIT_PRESET_TEXT_INDEX" val="3"/>
-  <p:tag name="KSO_WM_UNIT_PRESET_TEXT_LEN" val="5"/>
-  <p:tag name="KSO_WM_DIAGRAM_GROUP_CODE" val="m1-1"/>
-  <p:tag name="KSO_WM_UNIT_TEXT_FILL_FORE_SCHEMECOLOR_INDEX" val="13"/>
-  <p:tag name="KSO_WM_UNIT_TEXT_FILL_TYPE" val="1"/>
-  <p:tag name="KSO_WM_UNIT_USESOURCEFORMAT_APPLY" val="1"/>
-</p:tagLst>
-</file>
-
-<file path=ppt/tags/tag12.xml><?xml version="1.0" encoding="utf-8"?>
-<p:tagLst xmlns:p="http://schemas.openxmlformats.org/presentationml/2006/main">
-  <p:tag name="KSO_WM_TAG_VERSION" val="1.0"/>
-  <p:tag name="KSO_WM_BEAUTIFY_FLAG" val="#wm#"/>
-  <p:tag name="KSO_WM_TEMPLATE_CATEGORY" val="custom"/>
-  <p:tag name="KSO_WM_TEMPLATE_INDEX" val="160471"/>
-  <p:tag name="KSO_WM_UNIT_TYPE" val="m_i"/>
-  <p:tag name="KSO_WM_UNIT_INDEX" val="1_2"/>
-  <p:tag name="KSO_WM_UNIT_ID" val="custom160471_26*m_i*1_2"/>
-  <p:tag name="KSO_WM_UNIT_CLEAR" val="1"/>
-  <p:tag name="KSO_WM_UNIT_LAYERLEVEL" val="1_1"/>
-  <p:tag name="KSO_WM_DIAGRAM_GROUP_CODE" val="m1-1"/>
-  <p:tag name="KSO_WM_UNIT_TEXT_FILL_FORE_SCHEMECOLOR_INDEX" val="13"/>
-  <p:tag name="KSO_WM_UNIT_TEXT_FILL_TYPE" val="1"/>
-  <p:tag name="KSO_WM_UNIT_USESOURCEFORMAT_APPLY" val="1"/>
-</p:tagLst>
-</file>
-
-<file path=ppt/tags/tag13.xml><?xml version="1.0" encoding="utf-8"?>
-<p:tagLst xmlns:p="http://schemas.openxmlformats.org/presentationml/2006/main">
-  <p:tag name="KSO_WM_TAG_VERSION" val="1.0"/>
-  <p:tag name="KSO_WM_BEAUTIFY_FLAG" val="#wm#"/>
-  <p:tag name="KSO_WM_TEMPLATE_CATEGORY" val="custom"/>
-  <p:tag name="KSO_WM_TEMPLATE_INDEX" val="160471"/>
-  <p:tag name="KSO_WM_UNIT_TYPE" val="m_h_f"/>
-  <p:tag name="KSO_WM_UNIT_INDEX" val="1_4_1"/>
-  <p:tag name="KSO_WM_UNIT_ID" val="custom160471_26*m_h_f*1_4_1"/>
-  <p:tag name="KSO_WM_UNIT_CLEAR" val="1"/>
-  <p:tag name="KSO_WM_UNIT_LAYERLEVEL" val="1_1_1"/>
-  <p:tag name="KSO_WM_UNIT_VALUE" val="3"/>
-  <p:tag name="KSO_WM_UNIT_HIGHLIGHT" val="0"/>
-  <p:tag name="KSO_WM_UNIT_COMPATIBLE" val="0"/>
-  <p:tag name="KSO_WM_UNIT_PRESET_TEXT_INDEX" val="3"/>
-  <p:tag name="KSO_WM_UNIT_PRESET_TEXT_LEN" val="5"/>
-  <p:tag name="KSO_WM_DIAGRAM_GROUP_CODE" val="m1-1"/>
-  <p:tag name="KSO_WM_UNIT_TEXT_FILL_FORE_SCHEMECOLOR_INDEX" val="13"/>
-  <p:tag name="KSO_WM_UNIT_TEXT_FILL_TYPE" val="1"/>
-  <p:tag name="KSO_WM_UNIT_USESOURCEFORMAT_APPLY" val="1"/>
-</p:tagLst>
-</file>
-
-<file path=ppt/tags/tag14.xml><?xml version="1.0" encoding="utf-8"?>
-<p:tagLst xmlns:p="http://schemas.openxmlformats.org/presentationml/2006/main">
-  <p:tag name="KSO_WM_TAG_VERSION" val="1.0"/>
-  <p:tag name="KSO_WM_BEAUTIFY_FLAG" val="#wm#"/>
-  <p:tag name="KSO_WM_TEMPLATE_CATEGORY" val="custom"/>
-  <p:tag name="KSO_WM_TEMPLATE_INDEX" val="160471"/>
-  <p:tag name="KSO_WM_UNIT_TYPE" val="m_i"/>
-  <p:tag name="KSO_WM_UNIT_INDEX" val="1_3"/>
-  <p:tag name="KSO_WM_UNIT_ID" val="custom160471_26*m_i*1_3"/>
-  <p:tag name="KSO_WM_UNIT_CLEAR" val="1"/>
-  <p:tag name="KSO_WM_UNIT_LAYERLEVEL" val="1_1"/>
-  <p:tag name="KSO_WM_DIAGRAM_GROUP_CODE" val="m1-1"/>
-  <p:tag name="KSO_WM_UNIT_TEXT_FILL_FORE_SCHEMECOLOR_INDEX" val="13"/>
-  <p:tag name="KSO_WM_UNIT_TEXT_FILL_TYPE" val="1"/>
-  <p:tag name="KSO_WM_UNIT_USESOURCEFORMAT_APPLY" val="1"/>
-</p:tagLst>
-</file>
-
-<file path=ppt/tags/tag15.xml><?xml version="1.0" encoding="utf-8"?>
-<p:tagLst xmlns:p="http://schemas.openxmlformats.org/presentationml/2006/main">
-  <p:tag name="KSO_WM_TAG_VERSION" val="1.0"/>
-  <p:tag name="KSO_WM_BEAUTIFY_FLAG" val="#wm#"/>
-  <p:tag name="KSO_WM_TEMPLATE_CATEGORY" val="custom"/>
-  <p:tag name="KSO_WM_TEMPLATE_INDEX" val="160471"/>
-  <p:tag name="KSO_WM_UNIT_TYPE" val="m_h_f"/>
-  <p:tag name="KSO_WM_UNIT_INDEX" val="1_5_1"/>
-  <p:tag name="KSO_WM_UNIT_ID" val="custom160471_26*m_h_f*1_5_1"/>
-  <p:tag name="KSO_WM_UNIT_CLEAR" val="1"/>
-  <p:tag name="KSO_WM_UNIT_LAYERLEVEL" val="1_1_1"/>
-  <p:tag name="KSO_WM_UNIT_VALUE" val="3"/>
-  <p:tag name="KSO_WM_UNIT_HIGHLIGHT" val="0"/>
-  <p:tag name="KSO_WM_UNIT_COMPATIBLE" val="0"/>
-  <p:tag name="KSO_WM_UNIT_PRESET_TEXT_INDEX" val="3"/>
-  <p:tag name="KSO_WM_UNIT_PRESET_TEXT_LEN" val="5"/>
-  <p:tag name="KSO_WM_DIAGRAM_GROUP_CODE" val="m1-1"/>
-  <p:tag name="KSO_WM_UNIT_TEXT_FILL_FORE_SCHEMECOLOR_INDEX" val="13"/>
-  <p:tag name="KSO_WM_UNIT_TEXT_FILL_TYPE" val="1"/>
-  <p:tag name="KSO_WM_UNIT_USESOURCEFORMAT_APPLY" val="1"/>
-</p:tagLst>
-</file>
-
-<file path=ppt/tags/tag16.xml><?xml version="1.0" encoding="utf-8"?>
-<p:tagLst xmlns:p="http://schemas.openxmlformats.org/presentationml/2006/main">
-  <p:tag name="KSO_WM_TAG_VERSION" val="1.0"/>
-  <p:tag name="KSO_WM_BEAUTIFY_FLAG" val="#wm#"/>
-  <p:tag name="KSO_WM_TEMPLATE_CATEGORY" val="custom"/>
-  <p:tag name="KSO_WM_TEMPLATE_INDEX" val="160471"/>
-  <p:tag name="KSO_WM_UNIT_TYPE" val="m_i"/>
-  <p:tag name="KSO_WM_UNIT_INDEX" val="1_4"/>
-  <p:tag name="KSO_WM_UNIT_ID" val="custom160471_26*m_i*1_4"/>
-  <p:tag name="KSO_WM_UNIT_CLEAR" val="1"/>
-  <p:tag name="KSO_WM_UNIT_LAYERLEVEL" val="1_1"/>
-  <p:tag name="KSO_WM_DIAGRAM_GROUP_CODE" val="m1-1"/>
-  <p:tag name="KSO_WM_UNIT_TEXT_FILL_FORE_SCHEMECOLOR_INDEX" val="13"/>
-  <p:tag name="KSO_WM_UNIT_TEXT_FILL_TYPE" val="1"/>
-  <p:tag name="KSO_WM_UNIT_USESOURCEFORMAT_APPLY" val="1"/>
-</p:tagLst>
-</file>
-
-<file path=ppt/tags/tag17.xml><?xml version="1.0" encoding="utf-8"?>
-<p:tagLst xmlns:p="http://schemas.openxmlformats.org/presentationml/2006/main">
-  <p:tag name="KSO_WM_TAG_VERSION" val="1.0"/>
-  <p:tag name="KSO_WM_BEAUTIFY_FLAG" val="#wm#"/>
-  <p:tag name="KSO_WM_TEMPLATE_CATEGORY" val="custom"/>
-  <p:tag name="KSO_WM_TEMPLATE_INDEX" val="160471"/>
-  <p:tag name="KSO_WM_UNIT_TYPE" val="m_i"/>
-  <p:tag name="KSO_WM_UNIT_INDEX" val="1_5"/>
-  <p:tag name="KSO_WM_UNIT_ID" val="custom160471_26*m_i*1_5"/>
-  <p:tag name="KSO_WM_UNIT_CLEAR" val="1"/>
-  <p:tag name="KSO_WM_UNIT_LAYERLEVEL" val="1_1"/>
-  <p:tag name="KSO_WM_DIAGRAM_GROUP_CODE" val="m1-1"/>
-  <p:tag name="KSO_WM_UNIT_TEXT_FILL_FORE_SCHEMECOLOR_INDEX" val="13"/>
-  <p:tag name="KSO_WM_UNIT_TEXT_FILL_TYPE" val="1"/>
-  <p:tag name="KSO_WM_UNIT_USESOURCEFORMAT_APPLY" val="1"/>
-</p:tagLst>
-</file>
-
-<file path=ppt/tags/tag18.xml><?xml version="1.0" encoding="utf-8"?>
-<p:tagLst xmlns:p="http://schemas.openxmlformats.org/presentationml/2006/main">
-  <p:tag name="KSO_WM_TAG_VERSION" val="1.0"/>
-  <p:tag name="KSO_WM_BEAUTIFY_FLAG" val="#wm#"/>
-  <p:tag name="KSO_WM_TEMPLATE_CATEGORY" val="custom"/>
-  <p:tag name="KSO_WM_TEMPLATE_INDEX" val="160471"/>
-  <p:tag name="KSO_WM_UNIT_TYPE" val="m_i"/>
-  <p:tag name="KSO_WM_UNIT_INDEX" val="1_6"/>
-  <p:tag name="KSO_WM_UNIT_ID" val="custom160471_26*m_i*1_6"/>
-  <p:tag name="KSO_WM_UNIT_CLEAR" val="1"/>
-  <p:tag name="KSO_WM_UNIT_LAYERLEVEL" val="1_1"/>
-  <p:tag name="KSO_WM_DIAGRAM_GROUP_CODE" val="m1-1"/>
-  <p:tag name="KSO_WM_UNIT_TEXT_FILL_FORE_SCHEMECOLOR_INDEX" val="13"/>
-  <p:tag name="KSO_WM_UNIT_TEXT_FILL_TYPE" val="1"/>
-  <p:tag name="KSO_WM_UNIT_USESOURCEFORMAT_APPLY" val="1"/>
-</p:tagLst>
-</file>
-
-<file path=ppt/tags/tag19.xml><?xml version="1.0" encoding="utf-8"?>
-<p:tagLst xmlns:p="http://schemas.openxmlformats.org/presentationml/2006/main">
-  <p:tag name="KSO_WM_TAG_VERSION" val="1.0"/>
-  <p:tag name="KSO_WM_BEAUTIFY_FLAG" val="#wm#"/>
-  <p:tag name="KSO_WM_TEMPLATE_CATEGORY" val="custom"/>
-  <p:tag name="KSO_WM_TEMPLATE_INDEX" val="160471"/>
-  <p:tag name="KSO_WM_UNIT_TYPE" val="m_i"/>
-  <p:tag name="KSO_WM_UNIT_INDEX" val="1_7"/>
-  <p:tag name="KSO_WM_UNIT_ID" val="custom160471_26*m_i*1_7"/>
-  <p:tag name="KSO_WM_UNIT_CLEAR" val="1"/>
-  <p:tag name="KSO_WM_UNIT_LAYERLEVEL" val="1_1"/>
-  <p:tag name="KSO_WM_DIAGRAM_GROUP_CODE" val="m1-1"/>
-  <p:tag name="KSO_WM_UNIT_LINE_FORE_SCHEMECOLOR_INDEX" val="5"/>
-  <p:tag name="KSO_WM_UNIT_LINE_FILL_TYPE" val="2"/>
-  <p:tag name="KSO_WM_UNIT_USESOURCEFORMAT_APPLY" val="1"/>
-</p:tagLst>
-</file>
-
-<file path=ppt/tags/tag2.xml><?xml version="1.0" encoding="utf-8"?>
-<p:tagLst xmlns:p="http://schemas.openxmlformats.org/presentationml/2006/main">
-  <p:tag name="KSO_WM_TAG_VERSION" val="1.0"/>
-  <p:tag name="KSO_WM_TEMPLATE_CATEGORY" val="custom"/>
-  <p:tag name="KSO_WM_TEMPLATE_INDEX" val="160471"/>
-</p:tagLst>
-</file>
-
-<file path=ppt/tags/tag20.xml><?xml version="1.0" encoding="utf-8"?>
-<p:tagLst xmlns:p="http://schemas.openxmlformats.org/presentationml/2006/main">
-  <p:tag name="KSO_WM_TAG_VERSION" val="1.0"/>
-  <p:tag name="KSO_WM_BEAUTIFY_FLAG" val="#wm#"/>
-  <p:tag name="KSO_WM_TEMPLATE_CATEGORY" val="custom"/>
-  <p:tag name="KSO_WM_TEMPLATE_INDEX" val="160471"/>
-  <p:tag name="KSO_WM_UNIT_TYPE" val="m_i"/>
-  <p:tag name="KSO_WM_UNIT_INDEX" val="1_8"/>
-  <p:tag name="KSO_WM_UNIT_ID" val="custom160471_26*m_i*1_8"/>
-  <p:tag name="KSO_WM_UNIT_CLEAR" val="1"/>
-  <p:tag name="KSO_WM_UNIT_LAYERLEVEL" val="1_1"/>
-  <p:tag name="KSO_WM_DIAGRAM_GROUP_CODE" val="m1-1"/>
-  <p:tag name="KSO_WM_UNIT_FILL_FORE_SCHEMECOLOR_INDEX" val="5"/>
-  <p:tag name="KSO_WM_UNIT_FILL_TYPE" val="1"/>
-  <p:tag name="KSO_WM_UNIT_LINE_FORE_SCHEMECOLOR_INDEX" val="14"/>
-  <p:tag name="KSO_WM_UNIT_LINE_FILL_TYPE" val="2"/>
-  <p:tag name="KSO_WM_UNIT_TEXT_FILL_FORE_SCHEMECOLOR_INDEX" val="2"/>
-  <p:tag name="KSO_WM_UNIT_TEXT_FILL_TYPE" val="1"/>
-  <p:tag name="KSO_WM_UNIT_USESOURCEFORMAT_APPLY" val="1"/>
-</p:tagLst>
-</file>
-
-<file path=ppt/tags/tag21.xml><?xml version="1.0" encoding="utf-8"?>
-<p:tagLst xmlns:p="http://schemas.openxmlformats.org/presentationml/2006/main">
-  <p:tag name="KSO_WM_TAG_VERSION" val="1.0"/>
-  <p:tag name="KSO_WM_BEAUTIFY_FLAG" val="#wm#"/>
-  <p:tag name="KSO_WM_TEMPLATE_CATEGORY" val="custom"/>
-  <p:tag name="KSO_WM_TEMPLATE_INDEX" val="160471"/>
-  <p:tag name="KSO_WM_UNIT_TYPE" val="m_i"/>
-  <p:tag name="KSO_WM_UNIT_INDEX" val="1_9"/>
-  <p:tag name="KSO_WM_UNIT_ID" val="custom160471_26*m_i*1_9"/>
-  <p:tag name="KSO_WM_UNIT_CLEAR" val="1"/>
-  <p:tag name="KSO_WM_UNIT_LAYERLEVEL" val="1_1"/>
-  <p:tag name="KSO_WM_DIAGRAM_GROUP_CODE" val="m1-1"/>
-  <p:tag name="KSO_WM_UNIT_FILL_FORE_SCHEMECOLOR_INDEX" val="5"/>
-  <p:tag name="KSO_WM_UNIT_FILL_TYPE" val="1"/>
-  <p:tag name="KSO_WM_UNIT_LINE_FORE_SCHEMECOLOR_INDEX" val="14"/>
-  <p:tag name="KSO_WM_UNIT_LINE_FILL_TYPE" val="2"/>
-  <p:tag name="KSO_WM_UNIT_TEXT_FILL_FORE_SCHEMECOLOR_INDEX" val="2"/>
-  <p:tag name="KSO_WM_UNIT_TEXT_FILL_TYPE" val="1"/>
-  <p:tag name="KSO_WM_UNIT_USESOURCEFORMAT_APPLY" val="1"/>
-</p:tagLst>
-</file>
-
-<file path=ppt/tags/tag22.xml><?xml version="1.0" encoding="utf-8"?>
-<p:tagLst xmlns:p="http://schemas.openxmlformats.org/presentationml/2006/main">
-  <p:tag name="KSO_WM_TAG_VERSION" val="1.0"/>
-  <p:tag name="KSO_WM_BEAUTIFY_FLAG" val="#wm#"/>
-  <p:tag name="KSO_WM_TEMPLATE_CATEGORY" val="custom"/>
-  <p:tag name="KSO_WM_TEMPLATE_INDEX" val="160471"/>
-  <p:tag name="KSO_WM_UNIT_TYPE" val="m_i"/>
-  <p:tag name="KSO_WM_UNIT_INDEX" val="1_10"/>
-  <p:tag name="KSO_WM_UNIT_ID" val="custom160471_26*m_i*1_10"/>
-  <p:tag name="KSO_WM_UNIT_CLEAR" val="1"/>
-  <p:tag name="KSO_WM_UNIT_LAYERLEVEL" val="1_1"/>
-  <p:tag name="KSO_WM_DIAGRAM_GROUP_CODE" val="m1-1"/>
-  <p:tag name="KSO_WM_UNIT_FILL_FORE_SCHEMECOLOR_INDEX" val="5"/>
-  <p:tag name="KSO_WM_UNIT_FILL_TYPE" val="1"/>
-  <p:tag name="KSO_WM_UNIT_LINE_FORE_SCHEMECOLOR_INDEX" val="14"/>
-  <p:tag name="KSO_WM_UNIT_LINE_FILL_TYPE" val="2"/>
-  <p:tag name="KSO_WM_UNIT_TEXT_FILL_FORE_SCHEMECOLOR_INDEX" val="2"/>
-  <p:tag name="KSO_WM_UNIT_TEXT_FILL_TYPE" val="1"/>
-  <p:tag name="KSO_WM_UNIT_USESOURCEFORMAT_APPLY" val="1"/>
-</p:tagLst>
-</file>
-
-<file path=ppt/tags/tag23.xml><?xml version="1.0" encoding="utf-8"?>
-<p:tagLst xmlns:p="http://schemas.openxmlformats.org/presentationml/2006/main">
-  <p:tag name="KSO_WM_TAG_VERSION" val="1.0"/>
-  <p:tag name="KSO_WM_BEAUTIFY_FLAG" val="#wm#"/>
-  <p:tag name="KSO_WM_TEMPLATE_CATEGORY" val="custom"/>
-  <p:tag name="KSO_WM_TEMPLATE_INDEX" val="160471"/>
-  <p:tag name="KSO_WM_UNIT_TYPE" val="m_i"/>
-  <p:tag name="KSO_WM_UNIT_INDEX" val="1_11"/>
-  <p:tag name="KSO_WM_UNIT_ID" val="custom160471_26*m_i*1_11"/>
-  <p:tag name="KSO_WM_UNIT_CLEAR" val="1"/>
-  <p:tag name="KSO_WM_UNIT_LAYERLEVEL" val="1_1"/>
-  <p:tag name="KSO_WM_DIAGRAM_GROUP_CODE" val="m1-1"/>
-  <p:tag name="KSO_WM_UNIT_FILL_FORE_SCHEMECOLOR_INDEX" val="5"/>
-  <p:tag name="KSO_WM_UNIT_FILL_TYPE" val="1"/>
-  <p:tag name="KSO_WM_UNIT_LINE_FORE_SCHEMECOLOR_INDEX" val="14"/>
-  <p:tag name="KSO_WM_UNIT_LINE_FILL_TYPE" val="2"/>
-  <p:tag name="KSO_WM_UNIT_TEXT_FILL_FORE_SCHEMECOLOR_INDEX" val="2"/>
-  <p:tag name="KSO_WM_UNIT_TEXT_FILL_TYPE" val="1"/>
-  <p:tag name="KSO_WM_UNIT_USESOURCEFORMAT_APPLY" val="1"/>
-</p:tagLst>
-</file>
-
-<file path=ppt/tags/tag24.xml><?xml version="1.0" encoding="utf-8"?>
-<p:tagLst xmlns:p="http://schemas.openxmlformats.org/presentationml/2006/main">
-  <p:tag name="KSO_WM_TAG_VERSION" val="1.0"/>
-  <p:tag name="KSO_WM_BEAUTIFY_FLAG" val="#wm#"/>
-  <p:tag name="KSO_WM_TEMPLATE_CATEGORY" val="custom"/>
-  <p:tag name="KSO_WM_TEMPLATE_INDEX" val="160471"/>
-  <p:tag name="KSO_WM_UNIT_TYPE" val="m_i"/>
-  <p:tag name="KSO_WM_UNIT_INDEX" val="1_12"/>
-  <p:tag name="KSO_WM_UNIT_ID" val="custom160471_26*m_i*1_12"/>
-  <p:tag name="KSO_WM_UNIT_CLEAR" val="1"/>
-  <p:tag name="KSO_WM_UNIT_LAYERLEVEL" val="1_1"/>
-  <p:tag name="KSO_WM_DIAGRAM_GROUP_CODE" val="m1-1"/>
-  <p:tag name="KSO_WM_UNIT_FILL_FORE_SCHEMECOLOR_INDEX" val="5"/>
-  <p:tag name="KSO_WM_UNIT_FILL_TYPE" val="1"/>
-  <p:tag name="KSO_WM_UNIT_LINE_FORE_SCHEMECOLOR_INDEX" val="14"/>
-  <p:tag name="KSO_WM_UNIT_LINE_FILL_TYPE" val="2"/>
-  <p:tag name="KSO_WM_UNIT_TEXT_FILL_FORE_SCHEMECOLOR_INDEX" val="2"/>
-  <p:tag name="KSO_WM_UNIT_TEXT_FILL_TYPE" val="1"/>
-  <p:tag name="KSO_WM_UNIT_USESOURCEFORMAT_APPLY" val="1"/>
-</p:tagLst>
-</file>
-
-<file path=ppt/tags/tag25.xml><?xml version="1.0" encoding="utf-8"?>
-<p:tagLst xmlns:p="http://schemas.openxmlformats.org/presentationml/2006/main">
-  <p:tag name="KSO_WM_TAG_VERSION" val="1.0"/>
-  <p:tag name="KSO_WM_BEAUTIFY_FLAG" val="#wm#"/>
-  <p:tag name="KSO_WM_TEMPLATE_CATEGORY" val="custom"/>
-  <p:tag name="KSO_WM_TEMPLATE_INDEX" val="160471"/>
-  <p:tag name="KSO_WM_UNIT_TYPE" val="m_i"/>
-  <p:tag name="KSO_WM_UNIT_INDEX" val="1_13"/>
-  <p:tag name="KSO_WM_UNIT_ID" val="custom160471_26*m_i*1_13"/>
-  <p:tag name="KSO_WM_UNIT_CLEAR" val="1"/>
-  <p:tag name="KSO_WM_UNIT_LAYERLEVEL" val="1_1"/>
-  <p:tag name="KSO_WM_DIAGRAM_GROUP_CODE" val="m1-1"/>
-  <p:tag name="KSO_WM_UNIT_FILL_FORE_SCHEMECOLOR_INDEX" val="5"/>
-  <p:tag name="KSO_WM_UNIT_FILL_TYPE" val="1"/>
-  <p:tag name="KSO_WM_UNIT_LINE_FORE_SCHEMECOLOR_INDEX" val="14"/>
-  <p:tag name="KSO_WM_UNIT_LINE_FILL_TYPE" val="2"/>
-  <p:tag name="KSO_WM_UNIT_TEXT_FILL_FORE_SCHEMECOLOR_INDEX" val="2"/>
-  <p:tag name="KSO_WM_UNIT_TEXT_FILL_TYPE" val="1"/>
-  <p:tag name="KSO_WM_UNIT_USESOURCEFORMAT_APPLY" val="1"/>
-</p:tagLst>
-</file>
-
-<file path=ppt/tags/tag26.xml><?xml version="1.0" encoding="utf-8"?>
-<p:tagLst xmlns:p="http://schemas.openxmlformats.org/presentationml/2006/main">
-  <p:tag name="KSO_WM_TAG_VERSION" val="1.0"/>
-  <p:tag name="KSO_WM_BEAUTIFY_FLAG" val="#wm#"/>
-  <p:tag name="KSO_WM_TEMPLATE_CATEGORY" val="custom"/>
-  <p:tag name="KSO_WM_TEMPLATE_INDEX" val="160471"/>
-  <p:tag name="KSO_WM_UNIT_TYPE" val="m_h_f"/>
-  <p:tag name="KSO_WM_UNIT_INDEX" val="1_6_1"/>
-  <p:tag name="KSO_WM_UNIT_ID" val="custom160471_26*m_h_f*1_6_1"/>
-  <p:tag name="KSO_WM_UNIT_CLEAR" val="1"/>
-  <p:tag name="KSO_WM_UNIT_LAYERLEVEL" val="1_1_1"/>
-  <p:tag name="KSO_WM_UNIT_VALUE" val="3"/>
-  <p:tag name="KSO_WM_UNIT_HIGHLIGHT" val="0"/>
-  <p:tag name="KSO_WM_UNIT_COMPATIBLE" val="0"/>
-  <p:tag name="KSO_WM_UNIT_PRESET_TEXT_INDEX" val="3"/>
-  <p:tag name="KSO_WM_UNIT_PRESET_TEXT_LEN" val="5"/>
-  <p:tag name="KSO_WM_DIAGRAM_GROUP_CODE" val="m1-1"/>
-  <p:tag name="KSO_WM_UNIT_TEXT_FILL_FORE_SCHEMECOLOR_INDEX" val="13"/>
-  <p:tag name="KSO_WM_UNIT_TEXT_FILL_TYPE" val="1"/>
-  <p:tag name="KSO_WM_UNIT_USESOURCEFORMAT_APPLY" val="1"/>
-</p:tagLst>
-</file>
-
-<file path=ppt/tags/tag27.xml><?xml version="1.0" encoding="utf-8"?>
-<p:tagLst xmlns:p="http://schemas.openxmlformats.org/presentationml/2006/main">
-  <p:tag name="KSO_WM_TAG_VERSION" val="1.0"/>
-  <p:tag name="KSO_WM_BEAUTIFY_FLAG" val="#wm#"/>
-  <p:tag name="KSO_WM_TEMPLATE_CATEGORY" val="custom"/>
-  <p:tag name="KSO_WM_TEMPLATE_INDEX" val="160471"/>
-  <p:tag name="KSO_WM_UNIT_TYPE" val="m_h_f"/>
-  <p:tag name="KSO_WM_UNIT_INDEX" val="1_1_1"/>
-  <p:tag name="KSO_WM_UNIT_ID" val="custom160471_26*m_h_f*1_1_1"/>
-  <p:tag name="KSO_WM_UNIT_CLEAR" val="1"/>
-  <p:tag name="KSO_WM_UNIT_LAYERLEVEL" val="1_1_1"/>
-  <p:tag name="KSO_WM_UNIT_VALUE" val="3"/>
-  <p:tag name="KSO_WM_UNIT_HIGHLIGHT" val="0"/>
-  <p:tag name="KSO_WM_UNIT_COMPATIBLE" val="0"/>
-  <p:tag name="KSO_WM_UNIT_PRESET_TEXT_INDEX" val="3"/>
-  <p:tag name="KSO_WM_UNIT_PRESET_TEXT_LEN" val="5"/>
-  <p:tag name="KSO_WM_DIAGRAM_GROUP_CODE" val="m1-1"/>
-  <p:tag name="KSO_WM_UNIT_TEXT_FILL_FORE_SCHEMECOLOR_INDEX" val="13"/>
-  <p:tag name="KSO_WM_UNIT_TEXT_FILL_TYPE" val="1"/>
-  <p:tag name="KSO_WM_UNIT_USESOURCEFORMAT_APPLY" val="1"/>
-</p:tagLst>
-</file>
-
-<file path=ppt/tags/tag28.xml><?xml version="1.0" encoding="utf-8"?>
-<p:tagLst xmlns:p="http://schemas.openxmlformats.org/presentationml/2006/main">
-  <p:tag name="KSO_WM_TAG_VERSION" val="1.0"/>
-  <p:tag name="KSO_WM_BEAUTIFY_FLAG" val="#wm#"/>
-  <p:tag name="KSO_WM_TEMPLATE_CATEGORY" val="custom"/>
-  <p:tag name="KSO_WM_TEMPLATE_INDEX" val="160471"/>
-  <p:tag name="KSO_WM_UNIT_TYPE" val="a"/>
-  <p:tag name="KSO_WM_UNIT_INDEX" val="1"/>
-  <p:tag name="KSO_WM_UNIT_ID" val="custom160471_26*a*1"/>
-  <p:tag name="KSO_WM_UNIT_CLEAR" val="1"/>
-  <p:tag name="KSO_WM_UNIT_LAYERLEVEL" val="1"/>
-  <p:tag name="KSO_WM_UNIT_VALUE" val="16"/>
-  <p:tag name="KSO_WM_UNIT_ISCONTENTSTITLE" val="0"/>
-  <p:tag name="KSO_WM_UNIT_HIGHLIGHT" val="0"/>
-  <p:tag name="KSO_WM_UNIT_COMPATIBLE" val="0"/>
-  <p:tag name="KSO_WM_UNIT_PRESET_TEXT_INDEX" val="3"/>
-  <p:tag name="KSO_WM_UNIT_PRESET_TEXT_LEN" val="17"/>
-</p:tagLst>
-</file>
-
-<file path=ppt/tags/tag29.xml><?xml version="1.0" encoding="utf-8"?>
-<p:tagLst xmlns:p="http://schemas.openxmlformats.org/presentationml/2006/main">
-  <p:tag name="KSO_WM_TEMPLATE_CATEGORY" val="custom"/>
-  <p:tag name="KSO_WM_TEMPLATE_INDEX" val="160471"/>
-  <p:tag name="KSO_WM_SLIDE_ID" val="custom160471_26"/>
-  <p:tag name="KSO_WM_SLIDE_INDEX" val="26"/>
-  <p:tag name="KSO_WM_SLIDE_ITEM_CNT" val="6"/>
-  <p:tag name="KSO_WM_SLIDE_LAYOUT" val="a_m"/>
-  <p:tag name="KSO_WM_SLIDE_LAYOUT_CNT" val="1_1"/>
-  <p:tag name="KSO_WM_SLIDE_TYPE" val="text"/>
-  <p:tag name="KSO_WM_BEAUTIFY_FLAG" val="#wm#"/>
-  <p:tag name="KSO_WM_TAG_VERSION" val="1.0"/>
-  <p:tag name="KSO_WM_SLIDE_POSITION" val="165*237"/>
-  <p:tag name="KSO_WM_SLIDE_SIZE" val="629*90"/>
-  <p:tag name="KSO_WM_DIAGRAM_GROUP_CODE" val="m1-1"/>
-</p:tagLst>
-</file>
-
-<file path=ppt/tags/tag3.xml><?xml version="1.0" encoding="utf-8"?>
-<p:tagLst xmlns:p="http://schemas.openxmlformats.org/presentationml/2006/main">
-  <p:tag name="KSO_WM_TAG_VERSION" val="1.0"/>
-  <p:tag name="KSO_WM_BEAUTIFY_FLAG" val="#wm#"/>
-  <p:tag name="KSO_WM_TEMPLATE_CATEGORY" val="custom"/>
-  <p:tag name="KSO_WM_TEMPLATE_INDEX" val="160471"/>
-  <p:tag name="KSO_WM_UNIT_TYPE" val="a"/>
-  <p:tag name="KSO_WM_UNIT_INDEX" val="1"/>
-  <p:tag name="KSO_WM_UNIT_ID" val="custom160471_1*a*1"/>
-  <p:tag name="KSO_WM_UNIT_CLEAR" val="1"/>
-  <p:tag name="KSO_WM_UNIT_LAYERLEVEL" val="1"/>
-  <p:tag name="KSO_WM_UNIT_VALUE" val="28"/>
-  <p:tag name="KSO_WM_UNIT_ISCONTENTSTITLE" val="0"/>
-  <p:tag name="KSO_WM_UNIT_HIGHLIGHT" val="0"/>
-  <p:tag name="KSO_WM_UNIT_COMPATIBLE" val="0"/>
-  <p:tag name="KSO_WM_UNIT_PRESET_TEXT_INDEX" val="3"/>
-  <p:tag name="KSO_WM_UNIT_PRESET_TEXT_LEN" val="17"/>
-</p:tagLst>
-</file>
-
-<file path=ppt/tags/tag30.xml><?xml version="1.0" encoding="utf-8"?>
-<p:tagLst xmlns:p="http://schemas.openxmlformats.org/presentationml/2006/main">
-  <p:tag name="KSO_WM_TAG_VERSION" val="1.0"/>
-  <p:tag name="KSO_WM_BEAUTIFY_FLAG" val="#wm#"/>
-  <p:tag name="KSO_WM_TEMPLATE_CATEGORY" val="custom"/>
-  <p:tag name="KSO_WM_TEMPLATE_INDEX" val="160471"/>
-  <p:tag name="KSO_WM_UNIT_TYPE" val="a"/>
-  <p:tag name="KSO_WM_UNIT_INDEX" val="1"/>
-  <p:tag name="KSO_WM_UNIT_ID" val="custom160471_3*a*1"/>
-  <p:tag name="KSO_WM_UNIT_CLEAR" val="1"/>
-  <p:tag name="KSO_WM_UNIT_LAYERLEVEL" val="1"/>
-  <p:tag name="KSO_WM_UNIT_VALUE" val="50"/>
-  <p:tag name="KSO_WM_UNIT_ISCONTENTSTITLE" val="0"/>
-  <p:tag name="KSO_WM_UNIT_HIGHLIGHT" val="0"/>
-  <p:tag name="KSO_WM_UNIT_COMPATIBLE" val="0"/>
-  <p:tag name="KSO_WM_UNIT_PRESET_TEXT_INDEX" val="3"/>
-  <p:tag name="KSO_WM_UNIT_PRESET_TEXT_LEN" val="17"/>
-</p:tagLst>
-</file>
-
-<file path=ppt/tags/tag31.xml><?xml version="1.0" encoding="utf-8"?>
-<p:tagLst xmlns:p="http://schemas.openxmlformats.org/presentationml/2006/main">
-  <p:tag name="KSO_WM_TAG_VERSION" val="1.0"/>
-  <p:tag name="KSO_WM_BEAUTIFY_FLAG" val="#wm#"/>
-  <p:tag name="KSO_WM_TEMPLATE_CATEGORY" val="custom"/>
-  <p:tag name="KSO_WM_TEMPLATE_INDEX" val="160471"/>
-  <p:tag name="KSO_WM_UNIT_TYPE" val="f"/>
-  <p:tag name="KSO_WM_UNIT_INDEX" val="1"/>
-  <p:tag name="KSO_WM_UNIT_ID" val="custom160471_3*f*1"/>
-  <p:tag name="KSO_WM_UNIT_CLEAR" val="1"/>
-  <p:tag name="KSO_WM_UNIT_LAYERLEVEL" val="1"/>
-  <p:tag name="KSO_WM_UNIT_VALUE" val="208"/>
-  <p:tag name="KSO_WM_UNIT_HIGHLIGHT" val="0"/>
-  <p:tag name="KSO_WM_UNIT_COMPATIBLE" val="0"/>
-  <p:tag name="KSO_WM_UNIT_PRESET_TEXT_INDEX" val="5"/>
-  <p:tag name="KSO_WM_UNIT_PRESET_TEXT_LEN" val="232"/>
-</p:tagLst>
-</file>
-
-<file path=ppt/tags/tag32.xml><?xml version="1.0" encoding="utf-8"?>
-<p:tagLst xmlns:p="http://schemas.openxmlformats.org/presentationml/2006/main">
-  <p:tag name="KSO_WM_TAG_VERSION" val="1.0"/>
-  <p:tag name="KSO_WM_BEAUTIFY_FLAG" val="#wm#"/>
-  <p:tag name="KSO_WM_TEMPLATE_CATEGORY" val="custom"/>
-  <p:tag name="KSO_WM_TEMPLATE_INDEX" val="160471"/>
-  <p:tag name="KSO_WM_UNIT_TYPE" val="f"/>
-  <p:tag name="KSO_WM_UNIT_INDEX" val="2"/>
-  <p:tag name="KSO_WM_UNIT_ID" val="custom160471_3*f*2"/>
-  <p:tag name="KSO_WM_UNIT_CLEAR" val="1"/>
-  <p:tag name="KSO_WM_UNIT_LAYERLEVEL" val="1"/>
-  <p:tag name="KSO_WM_UNIT_VALUE" val="208"/>
-  <p:tag name="KSO_WM_UNIT_HIGHLIGHT" val="0"/>
-  <p:tag name="KSO_WM_UNIT_COMPATIBLE" val="0"/>
-  <p:tag name="KSO_WM_UNIT_PRESET_TEXT_INDEX" val="5"/>
-  <p:tag name="KSO_WM_UNIT_PRESET_TEXT_LEN" val="232"/>
-</p:tagLst>
-</file>
-
-<file path=ppt/tags/tag33.xml><?xml version="1.0" encoding="utf-8"?>
-<p:tagLst xmlns:p="http://schemas.openxmlformats.org/presentationml/2006/main">
-  <p:tag name="KSO_WM_TEMPLATE_CATEGORY" val="custom"/>
-  <p:tag name="KSO_WM_TEMPLATE_INDEX" val="160471"/>
-  <p:tag name="KSO_WM_SLIDE_ID" val="custom160471_3"/>
-  <p:tag name="KSO_WM_SLIDE_INDEX" val="3"/>
-  <p:tag name="KSO_WM_SLIDE_ITEM_CNT" val="2"/>
-  <p:tag name="KSO_WM_SLIDE_LAYOUT" val="a_f"/>
-  <p:tag name="KSO_WM_SLIDE_LAYOUT_CNT" val="1_2"/>
-  <p:tag name="KSO_WM_SLIDE_TYPE" val="text"/>
-  <p:tag name="KSO_WM_BEAUTIFY_FLAG" val="#wm#"/>
-  <p:tag name="KSO_WM_TAG_VERSION" val="1.0"/>
-  <p:tag name="KSO_WM_SLIDE_POSITION" val="66*124"/>
-  <p:tag name="KSO_WM_SLIDE_SIZE" val="828*363"/>
-</p:tagLst>
-</file>
-
-<file path=ppt/tags/tag34.xml><?xml version="1.0" encoding="utf-8"?>
-<p:tagLst xmlns:p="http://schemas.openxmlformats.org/presentationml/2006/main">
-  <p:tag name="KSO_WM_TAG_VERSION" val="1.0"/>
-  <p:tag name="KSO_WM_BEAUTIFY_FLAG" val="#wm#"/>
-  <p:tag name="KSO_WM_TEMPLATE_CATEGORY" val="custom"/>
-  <p:tag name="KSO_WM_TEMPLATE_INDEX" val="160471"/>
-  <p:tag name="KSO_WM_UNIT_TYPE" val="d"/>
-  <p:tag name="KSO_WM_UNIT_INDEX" val="1"/>
-  <p:tag name="KSO_WM_UNIT_ID" val="custom160471_4*d*1"/>
-  <p:tag name="KSO_WM_UNIT_CLEAR" val="0"/>
-  <p:tag name="KSO_WM_UNIT_LAYERLEVEL" val="1"/>
-  <p:tag name="KSO_WM_UNIT_VALUE" val="1500*1713"/>
-  <p:tag name="KSO_WM_UNIT_HIGHLIGHT" val="0"/>
-  <p:tag name="KSO_WM_UNIT_COMPATIBLE" val="0"/>
-</p:tagLst>
-</file>
-
-<file path=ppt/tags/tag35.xml><?xml version="1.0" encoding="utf-8"?>
-<p:tagLst xmlns:p="http://schemas.openxmlformats.org/presentationml/2006/main">
-  <p:tag name="KSO_WM_TAG_VERSION" val="1.0"/>
-  <p:tag name="KSO_WM_BEAUTIFY_FLAG" val="#wm#"/>
-  <p:tag name="KSO_WM_TEMPLATE_CATEGORY" val="custom"/>
-  <p:tag name="KSO_WM_TEMPLATE_INDEX" val="160471"/>
-  <p:tag name="KSO_WM_UNIT_TYPE" val="a"/>
-  <p:tag name="KSO_WM_UNIT_INDEX" val="1"/>
-  <p:tag name="KSO_WM_UNIT_ID" val="custom160471_4*a*1"/>
-  <p:tag name="KSO_WM_UNIT_CLEAR" val="1"/>
-  <p:tag name="KSO_WM_UNIT_LAYERLEVEL" val="1"/>
-  <p:tag name="KSO_WM_UNIT_VALUE" val="33"/>
-  <p:tag name="KSO_WM_UNIT_ISCONTENTSTITLE" val="0"/>
-  <p:tag name="KSO_WM_UNIT_HIGHLIGHT" val="0"/>
-  <p:tag name="KSO_WM_UNIT_COMPATIBLE" val="0"/>
-  <p:tag name="KSO_WM_UNIT_PRESET_TEXT_INDEX" val="3"/>
-  <p:tag name="KSO_WM_UNIT_PRESET_TEXT_LEN" val="17"/>
-</p:tagLst>
-</file>
-
-<file path=ppt/tags/tag36.xml><?xml version="1.0" encoding="utf-8"?>
-<p:tagLst xmlns:p="http://schemas.openxmlformats.org/presentationml/2006/main">
-  <p:tag name="KSO_WM_TAG_VERSION" val="1.0"/>
-  <p:tag name="KSO_WM_BEAUTIFY_FLAG" val="#wm#"/>
-  <p:tag name="KSO_WM_TEMPLATE_CATEGORY" val="custom"/>
-  <p:tag name="KSO_WM_TEMPLATE_INDEX" val="160471"/>
-  <p:tag name="KSO_WM_UNIT_TYPE" val="f"/>
-  <p:tag name="KSO_WM_UNIT_INDEX" val="1"/>
-  <p:tag name="KSO_WM_UNIT_ID" val="custom160471_4*f*1"/>
-  <p:tag name="KSO_WM_UNIT_CLEAR" val="1"/>
-  <p:tag name="KSO_WM_UNIT_LAYERLEVEL" val="1"/>
-  <p:tag name="KSO_WM_UNIT_VALUE" val="180"/>
-  <p:tag name="KSO_WM_UNIT_HIGHLIGHT" val="0"/>
-  <p:tag name="KSO_WM_UNIT_COMPATIBLE" val="0"/>
-  <p:tag name="KSO_WM_UNIT_PRESET_TEXT_INDEX" val="5"/>
-  <p:tag name="KSO_WM_UNIT_PRESET_TEXT_LEN" val="232"/>
-</p:tagLst>
-</file>
-
-<file path=ppt/tags/tag37.xml><?xml version="1.0" encoding="utf-8"?>
-<p:tagLst xmlns:p="http://schemas.openxmlformats.org/presentationml/2006/main">
-  <p:tag name="KSO_WM_TEMPLATE_CATEGORY" val="custom"/>
-  <p:tag name="KSO_WM_TEMPLATE_INDEX" val="160471"/>
-  <p:tag name="KSO_WM_TAG_VERSION" val="1.0"/>
-  <p:tag name="KSO_WM_SLIDE_ID" val="custom160471_4"/>
-  <p:tag name="KSO_WM_SLIDE_INDEX" val="4"/>
-  <p:tag name="KSO_WM_SLIDE_ITEM_CNT" val="2"/>
-  <p:tag name="KSO_WM_SLIDE_LAYOUT" val="a_f_d"/>
-  <p:tag name="KSO_WM_SLIDE_LAYOUT_CNT" val="1_1_1"/>
-  <p:tag name="KSO_WM_SLIDE_TYPE" val="text"/>
-  <p:tag name="KSO_WM_BEAUTIFY_FLAG" val="#wm#"/>
-  <p:tag name="KSO_WM_SLIDE_POSITION" val="69*58"/>
-  <p:tag name="KSO_WM_SLIDE_SIZE" val="822*425"/>
-</p:tagLst>
-</file>
-
-<file path=ppt/tags/tag38.xml><?xml version="1.0" encoding="utf-8"?>
-<p:tagLst xmlns:p="http://schemas.openxmlformats.org/presentationml/2006/main">
-  <p:tag name="KSO_WM_TAG_VERSION" val="1.0"/>
-  <p:tag name="KSO_WM_BEAUTIFY_FLAG" val="#wm#"/>
-  <p:tag name="KSO_WM_TEMPLATE_CATEGORY" val="custom"/>
-  <p:tag name="KSO_WM_TEMPLATE_INDEX" val="160471"/>
-  <p:tag name="KSO_WM_UNIT_TYPE" val="d"/>
-  <p:tag name="KSO_WM_UNIT_INDEX" val="1"/>
-  <p:tag name="KSO_WM_UNIT_ID" val="custom160471_5*d*1"/>
-  <p:tag name="KSO_WM_UNIT_CLEAR" val="0"/>
-  <p:tag name="KSO_WM_UNIT_LAYERLEVEL" val="1"/>
-  <p:tag name="KSO_WM_UNIT_VALUE" val="1261*2521"/>
-  <p:tag name="KSO_WM_UNIT_HIGHLIGHT" val="0"/>
-  <p:tag name="KSO_WM_UNIT_COMPATIBLE" val="0"/>
-</p:tagLst>
-</file>
-
-<file path=ppt/tags/tag39.xml><?xml version="1.0" encoding="utf-8"?>
-<p:tagLst xmlns:p="http://schemas.openxmlformats.org/presentationml/2006/main">
-  <p:tag name="KSO_WM_TAG_VERSION" val="1.0"/>
-  <p:tag name="KSO_WM_BEAUTIFY_FLAG" val="#wm#"/>
-  <p:tag name="KSO_WM_TEMPLATE_CATEGORY" val="custom"/>
-  <p:tag name="KSO_WM_TEMPLATE_INDEX" val="160471"/>
-  <p:tag name="KSO_WM_UNIT_TYPE" val="a"/>
-  <p:tag name="KSO_WM_UNIT_INDEX" val="1"/>
-  <p:tag name="KSO_WM_UNIT_ID" val="custom160471_5*a*1"/>
-  <p:tag name="KSO_WM_UNIT_CLEAR" val="1"/>
-  <p:tag name="KSO_WM_UNIT_LAYERLEVEL" val="1"/>
-  <p:tag name="KSO_WM_UNIT_VALUE" val="21"/>
-  <p:tag name="KSO_WM_UNIT_ISCONTENTSTITLE" val="0"/>
-  <p:tag name="KSO_WM_UNIT_HIGHLIGHT" val="0"/>
-  <p:tag name="KSO_WM_UNIT_COMPATIBLE" val="0"/>
-  <p:tag name="KSO_WM_UNIT_PRESET_TEXT_INDEX" val="3"/>
-  <p:tag name="KSO_WM_UNIT_PRESET_TEXT_LEN" val="17"/>
-</p:tagLst>
-</file>
-
-<file path=ppt/tags/tag4.xml><?xml version="1.0" encoding="utf-8"?>
-<p:tagLst xmlns:p="http://schemas.openxmlformats.org/presentationml/2006/main">
-  <p:tag name="KSO_WM_TAG_VERSION" val="1.0"/>
-  <p:tag name="KSO_WM_BEAUTIFY_FLAG" val="#wm#"/>
-  <p:tag name="KSO_WM_TEMPLATE_CATEGORY" val="custom"/>
-  <p:tag name="KSO_WM_TEMPLATE_INDEX" val="160471"/>
-  <p:tag name="KSO_WM_UNIT_TYPE" val="b"/>
-  <p:tag name="KSO_WM_UNIT_INDEX" val="1"/>
-  <p:tag name="KSO_WM_UNIT_ID" val="custom160471_1*b*1"/>
-  <p:tag name="KSO_WM_UNIT_CLEAR" val="1"/>
-  <p:tag name="KSO_WM_UNIT_LAYERLEVEL" val="1"/>
-  <p:tag name="KSO_WM_UNIT_VALUE" val="78"/>
-  <p:tag name="KSO_WM_UNIT_ISCONTENTSTITLE" val="0"/>
-  <p:tag name="KSO_WM_UNIT_HIGHLIGHT" val="0"/>
-  <p:tag name="KSO_WM_UNIT_COMPATIBLE" val="0"/>
-  <p:tag name="KSO_WM_UNIT_PRESET_TEXT_INDEX" val="4"/>
-  <p:tag name="KSO_WM_UNIT_PRESET_TEXT_LEN" val="57"/>
-</p:tagLst>
-</file>
-
-<file path=ppt/tags/tag40.xml><?xml version="1.0" encoding="utf-8"?>
-<p:tagLst xmlns:p="http://schemas.openxmlformats.org/presentationml/2006/main">
-  <p:tag name="KSO_WM_TAG_VERSION" val="1.0"/>
-  <p:tag name="KSO_WM_BEAUTIFY_FLAG" val="#wm#"/>
-  <p:tag name="KSO_WM_TEMPLATE_CATEGORY" val="custom"/>
-  <p:tag name="KSO_WM_TEMPLATE_INDEX" val="160471"/>
-  <p:tag name="KSO_WM_UNIT_TYPE" val="f"/>
-  <p:tag name="KSO_WM_UNIT_INDEX" val="1"/>
-  <p:tag name="KSO_WM_UNIT_ID" val="custom160471_5*f*1"/>
-  <p:tag name="KSO_WM_UNIT_CLEAR" val="1"/>
-  <p:tag name="KSO_WM_UNIT_LAYERLEVEL" val="1"/>
-  <p:tag name="KSO_WM_UNIT_VALUE" val="76"/>
-  <p:tag name="KSO_WM_UNIT_HIGHLIGHT" val="0"/>
-  <p:tag name="KSO_WM_UNIT_COMPATIBLE" val="0"/>
-  <p:tag name="KSO_WM_UNIT_PRESET_TEXT_INDEX" val="4"/>
-  <p:tag name="KSO_WM_UNIT_PRESET_TEXT_LEN" val="57"/>
-</p:tagLst>
-</file>
-
-<file path=ppt/tags/tag41.xml><?xml version="1.0" encoding="utf-8"?>
-<p:tagLst xmlns:p="http://schemas.openxmlformats.org/presentationml/2006/main">
-  <p:tag name="KSO_WM_TEMPLATE_CATEGORY" val="custom"/>
-  <p:tag name="KSO_WM_TEMPLATE_INDEX" val="160471"/>
-  <p:tag name="KSO_WM_TAG_VERSION" val="1.0"/>
-  <p:tag name="KSO_WM_SLIDE_ID" val="custom160471_5"/>
-  <p:tag name="KSO_WM_SLIDE_INDEX" val="5"/>
-  <p:tag name="KSO_WM_SLIDE_ITEM_CNT" val="2"/>
-  <p:tag name="KSO_WM_SLIDE_LAYOUT" val="a_f_d"/>
-  <p:tag name="KSO_WM_SLIDE_LAYOUT_CNT" val="1_1_1"/>
-  <p:tag name="KSO_WM_SLIDE_TYPE" val="text"/>
-  <p:tag name="KSO_WM_BEAUTIFY_FLAG" val="#wm#"/>
-  <p:tag name="KSO_WM_SLIDE_POSITION" val="122*108"/>
-  <p:tag name="KSO_WM_SLIDE_SIZE" val="715*405"/>
-</p:tagLst>
-</file>
-
-<file path=ppt/tags/tag42.xml><?xml version="1.0" encoding="utf-8"?>
-<p:tagLst xmlns:p="http://schemas.openxmlformats.org/presentationml/2006/main">
-  <p:tag name="KSO_WM_TAG_VERSION" val="1.0"/>
-  <p:tag name="KSO_WM_BEAUTIFY_FLAG" val="#wm#"/>
-  <p:tag name="KSO_WM_TEMPLATE_CATEGORY" val="custom"/>
-  <p:tag name="KSO_WM_TEMPLATE_INDEX" val="160471"/>
-  <p:tag name="KSO_WM_UNIT_TYPE" val="f"/>
-  <p:tag name="KSO_WM_UNIT_INDEX" val="1"/>
-  <p:tag name="KSO_WM_UNIT_ID" val="custom160471_19*f*1"/>
-  <p:tag name="KSO_WM_UNIT_CLEAR" val="1"/>
-  <p:tag name="KSO_WM_UNIT_LAYERLEVEL" val="1"/>
-  <p:tag name="KSO_WM_UNIT_VALUE" val="84"/>
-  <p:tag name="KSO_WM_UNIT_HIGHLIGHT" val="0"/>
-  <p:tag name="KSO_WM_UNIT_COMPATIBLE" val="0"/>
-  <p:tag name="KSO_WM_UNIT_PRESET_TEXT_INDEX" val="4"/>
-  <p:tag name="KSO_WM_UNIT_PRESET_TEXT_LEN" val="57"/>
-</p:tagLst>
-</file>
-
-<file path=ppt/tags/tag43.xml><?xml version="1.0" encoding="utf-8"?>
-<p:tagLst xmlns:p="http://schemas.openxmlformats.org/presentationml/2006/main">
-  <p:tag name="KSO_WM_TAG_VERSION" val="1.0"/>
-  <p:tag name="KSO_WM_BEAUTIFY_FLAG" val="#wm#"/>
-  <p:tag name="KSO_WM_UNIT_TYPE" val="i"/>
-  <p:tag name="KSO_WM_UNIT_ID" val="custom160471_19*i*1"/>
-  <p:tag name="KSO_WM_TEMPLATE_CATEGORY" val="custom"/>
-  <p:tag name="KSO_WM_TEMPLATE_INDEX" val="160471"/>
-  <p:tag name="KSO_WM_UNIT_INDEX" val="1"/>
-</p:tagLst>
-</file>
-
-<file path=ppt/tags/tag44.xml><?xml version="1.0" encoding="utf-8"?>
-<p:tagLst xmlns:p="http://schemas.openxmlformats.org/presentationml/2006/main">
-  <p:tag name="KSO_WM_TAG_VERSION" val="1.0"/>
-  <p:tag name="KSO_WM_BEAUTIFY_FLAG" val="#wm#"/>
-  <p:tag name="KSO_WM_UNIT_TYPE" val="i"/>
-  <p:tag name="KSO_WM_UNIT_ID" val="custom160471_19*i*2"/>
-  <p:tag name="KSO_WM_TEMPLATE_CATEGORY" val="custom"/>
-  <p:tag name="KSO_WM_TEMPLATE_INDEX" val="160471"/>
-  <p:tag name="KSO_WM_UNIT_INDEX" val="2"/>
-</p:tagLst>
-</file>
-
-<file path=ppt/tags/tag45.xml><?xml version="1.0" encoding="utf-8"?>
-<p:tagLst xmlns:p="http://schemas.openxmlformats.org/presentationml/2006/main">
-  <p:tag name="KSO_WM_TAG_VERSION" val="1.0"/>
-  <p:tag name="KSO_WM_BEAUTIFY_FLAG" val="#wm#"/>
-  <p:tag name="KSO_WM_TEMPLATE_CATEGORY" val="custom"/>
-  <p:tag name="KSO_WM_TEMPLATE_INDEX" val="160471"/>
-  <p:tag name="KSO_WM_UNIT_TYPE" val="d"/>
-  <p:tag name="KSO_WM_UNIT_INDEX" val="1"/>
-  <p:tag name="KSO_WM_UNIT_ID" val="custom160471_19*d*1"/>
-  <p:tag name="KSO_WM_UNIT_CLEAR" val="0"/>
-  <p:tag name="KSO_WM_UNIT_LAYERLEVEL" val="1"/>
-  <p:tag name="KSO_WM_UNIT_VALUE" val="1217*1246"/>
-  <p:tag name="KSO_WM_UNIT_HIGHLIGHT" val="0"/>
-  <p:tag name="KSO_WM_UNIT_COMPATIBLE" val="0"/>
-</p:tagLst>
-</file>
-
-<file path=ppt/tags/tag46.xml><?xml version="1.0" encoding="utf-8"?>
-<p:tagLst xmlns:p="http://schemas.openxmlformats.org/presentationml/2006/main">
-  <p:tag name="KSO_WM_TAG_VERSION" val="1.0"/>
-  <p:tag name="KSO_WM_BEAUTIFY_FLAG" val="#wm#"/>
-  <p:tag name="KSO_WM_TEMPLATE_CATEGORY" val="custom"/>
-  <p:tag name="KSO_WM_TEMPLATE_INDEX" val="160471"/>
-  <p:tag name="KSO_WM_UNIT_TYPE" val="a"/>
-  <p:tag name="KSO_WM_UNIT_INDEX" val="1"/>
-  <p:tag name="KSO_WM_UNIT_ID" val="custom160471_19*a*1"/>
-  <p:tag name="KSO_WM_UNIT_CLEAR" val="1"/>
-  <p:tag name="KSO_WM_UNIT_LAYERLEVEL" val="1"/>
-  <p:tag name="KSO_WM_UNIT_VALUE" val="24"/>
-  <p:tag name="KSO_WM_UNIT_ISCONTENTSTITLE" val="0"/>
-  <p:tag name="KSO_WM_UNIT_HIGHLIGHT" val="0"/>
-  <p:tag name="KSO_WM_UNIT_COMPATIBLE" val="0"/>
-  <p:tag name="KSO_WM_UNIT_PRESET_TEXT_INDEX" val="3"/>
-  <p:tag name="KSO_WM_UNIT_PRESET_TEXT_LEN" val="17"/>
-</p:tagLst>
-</file>
-
-<file path=ppt/tags/tag47.xml><?xml version="1.0" encoding="utf-8"?>
-<p:tagLst xmlns:p="http://schemas.openxmlformats.org/presentationml/2006/main">
-  <p:tag name="KSO_WM_TEMPLATE_CATEGORY" val="custom"/>
-  <p:tag name="KSO_WM_TEMPLATE_INDEX" val="160471"/>
-  <p:tag name="KSO_WM_SLIDE_ID" val="custom160471_19"/>
-  <p:tag name="KSO_WM_SLIDE_INDEX" val="19"/>
-  <p:tag name="KSO_WM_SLIDE_ITEM_CNT" val="2"/>
-  <p:tag name="KSO_WM_SLIDE_LAYOUT" val="a_f_d"/>
-  <p:tag name="KSO_WM_SLIDE_LAYOUT_CNT" val="1_1_1"/>
-  <p:tag name="KSO_WM_SLIDE_TYPE" val="text"/>
-  <p:tag name="KSO_WM_BEAUTIFY_FLAG" val="#wm#"/>
-  <p:tag name="KSO_WM_TAG_VERSION" val="1.0"/>
-  <p:tag name="KSO_WM_SLIDE_POSITION" val="250*45"/>
-  <p:tag name="KSO_WM_SLIDE_SIZE" val="579*469"/>
-</p:tagLst>
-</file>
-
-<file path=ppt/tags/tag48.xml><?xml version="1.0" encoding="utf-8"?>
-<p:tagLst xmlns:p="http://schemas.openxmlformats.org/presentationml/2006/main">
-  <p:tag name="KSO_WM_TAG_VERSION" val="1.0"/>
-  <p:tag name="KSO_WM_BEAUTIFY_FLAG" val="#wm#"/>
-  <p:tag name="KSO_WM_TEMPLATE_CATEGORY" val="custom"/>
-  <p:tag name="KSO_WM_TEMPLATE_INDEX" val="160471"/>
-  <p:tag name="KSO_WM_UNIT_TYPE" val="d"/>
-  <p:tag name="KSO_WM_UNIT_INDEX" val="1"/>
-  <p:tag name="KSO_WM_UNIT_ID" val="custom160471_20*d*1"/>
-  <p:tag name="KSO_WM_UNIT_CLEAR" val="0"/>
-  <p:tag name="KSO_WM_UNIT_LAYERLEVEL" val="1"/>
-  <p:tag name="KSO_WM_UNIT_VALUE" val="732*751"/>
-  <p:tag name="KSO_WM_UNIT_HIGHLIGHT" val="0"/>
-  <p:tag name="KSO_WM_UNIT_COMPATIBLE" val="0"/>
-</p:tagLst>
-</file>
-
-<file path=ppt/tags/tag49.xml><?xml version="1.0" encoding="utf-8"?>
-<p:tagLst xmlns:p="http://schemas.openxmlformats.org/presentationml/2006/main">
-  <p:tag name="KSO_WM_TAG_VERSION" val="1.0"/>
-  <p:tag name="KSO_WM_BEAUTIFY_FLAG" val="#wm#"/>
-  <p:tag name="KSO_WM_TEMPLATE_CATEGORY" val="custom"/>
-  <p:tag name="KSO_WM_TEMPLATE_INDEX" val="160471"/>
-  <p:tag name="KSO_WM_UNIT_TYPE" val="d"/>
-  <p:tag name="KSO_WM_UNIT_INDEX" val="2"/>
-  <p:tag name="KSO_WM_UNIT_ID" val="custom160471_20*d*2"/>
-  <p:tag name="KSO_WM_UNIT_CLEAR" val="0"/>
-  <p:tag name="KSO_WM_UNIT_LAYERLEVEL" val="1"/>
-  <p:tag name="KSO_WM_UNIT_VALUE" val="732*751"/>
-  <p:tag name="KSO_WM_UNIT_HIGHLIGHT" val="0"/>
-  <p:tag name="KSO_WM_UNIT_COMPATIBLE" val="0"/>
-</p:tagLst>
-</file>
-
-<file path=ppt/tags/tag5.xml><?xml version="1.0" encoding="utf-8"?>
-<p:tagLst xmlns:p="http://schemas.openxmlformats.org/presentationml/2006/main">
-  <p:tag name="KSO_WM_TEMPLATE_THUMBS_INDEX" val="1、9、12、16、19、25、28、29、30"/>
-  <p:tag name="KSO_WM_TEMPLATE_CATEGORY" val="custom"/>
-  <p:tag name="KSO_WM_TEMPLATE_INDEX" val="160471"/>
-  <p:tag name="KSO_WM_SLIDE_ID" val="custom160471_1"/>
-  <p:tag name="KSO_WM_SLIDE_INDEX" val="1"/>
-  <p:tag name="KSO_WM_SLIDE_ITEM_CNT" val="2"/>
-  <p:tag name="KSO_WM_SLIDE_LAYOUT" val="a_b"/>
-  <p:tag name="KSO_WM_SLIDE_LAYOUT_CNT" val="1_1"/>
-  <p:tag name="KSO_WM_SLIDE_TYPE" val="title"/>
-  <p:tag name="KSO_WM_BEAUTIFY_FLAG" val="#wm#"/>
-  <p:tag name="KSO_WM_TAG_VERSION" val="1.0"/>
-</p:tagLst>
-</file>
-
-<file path=ppt/tags/tag50.xml><?xml version="1.0" encoding="utf-8"?>
-<p:tagLst xmlns:p="http://schemas.openxmlformats.org/presentationml/2006/main">
-  <p:tag name="KSO_WM_TAG_VERSION" val="1.0"/>
-  <p:tag name="KSO_WM_BEAUTIFY_FLAG" val="#wm#"/>
-  <p:tag name="KSO_WM_UNIT_TYPE" val="i"/>
-  <p:tag name="KSO_WM_UNIT_ID" val="custom160471_20*i*2"/>
-  <p:tag name="KSO_WM_TEMPLATE_CATEGORY" val="custom"/>
-  <p:tag name="KSO_WM_TEMPLATE_INDEX" val="160471"/>
-  <p:tag name="KSO_WM_UNIT_INDEX" val="2"/>
-</p:tagLst>
-</file>
-
-<file path=ppt/tags/tag51.xml><?xml version="1.0" encoding="utf-8"?>
-<p:tagLst xmlns:p="http://schemas.openxmlformats.org/presentationml/2006/main">
-  <p:tag name="KSO_WM_TAG_VERSION" val="1.0"/>
-  <p:tag name="KSO_WM_BEAUTIFY_FLAG" val="#wm#"/>
-  <p:tag name="KSO_WM_UNIT_TYPE" val="i"/>
-  <p:tag name="KSO_WM_UNIT_ID" val="custom160471_20*i*3"/>
-  <p:tag name="KSO_WM_TEMPLATE_CATEGORY" val="custom"/>
-  <p:tag name="KSO_WM_TEMPLATE_INDEX" val="160471"/>
-  <p:tag name="KSO_WM_UNIT_INDEX" val="3"/>
-</p:tagLst>
-</file>
-
-<file path=ppt/tags/tag52.xml><?xml version="1.0" encoding="utf-8"?>
-<p:tagLst xmlns:p="http://schemas.openxmlformats.org/presentationml/2006/main">
-  <p:tag name="KSO_WM_TAG_VERSION" val="1.0"/>
-  <p:tag name="KSO_WM_BEAUTIFY_FLAG" val="#wm#"/>
-  <p:tag name="KSO_WM_UNIT_TYPE" val="i"/>
-  <p:tag name="KSO_WM_UNIT_ID" val="custom160471_20*i*4"/>
-  <p:tag name="KSO_WM_TEMPLATE_CATEGORY" val="custom"/>
-  <p:tag name="KSO_WM_TEMPLATE_INDEX" val="160471"/>
-  <p:tag name="KSO_WM_UNIT_INDEX" val="4"/>
-</p:tagLst>
-</file>
-
-<file path=ppt/tags/tag53.xml><?xml version="1.0" encoding="utf-8"?>
-<p:tagLst xmlns:p="http://schemas.openxmlformats.org/presentationml/2006/main">
-  <p:tag name="KSO_WM_TAG_VERSION" val="1.0"/>
-  <p:tag name="KSO_WM_BEAUTIFY_FLAG" val="#wm#"/>
-  <p:tag name="KSO_WM_TEMPLATE_CATEGORY" val="custom"/>
-  <p:tag name="KSO_WM_TEMPLATE_INDEX" val="160471"/>
-  <p:tag name="KSO_WM_UNIT_TYPE" val="f"/>
-  <p:tag name="KSO_WM_UNIT_INDEX" val="1"/>
-  <p:tag name="KSO_WM_UNIT_ID" val="custom160471_20*f*1"/>
-  <p:tag name="KSO_WM_UNIT_CLEAR" val="1"/>
-  <p:tag name="KSO_WM_UNIT_LAYERLEVEL" val="1"/>
-  <p:tag name="KSO_WM_UNIT_VALUE" val="80"/>
-  <p:tag name="KSO_WM_UNIT_HIGHLIGHT" val="0"/>
-  <p:tag name="KSO_WM_UNIT_COMPATIBLE" val="0"/>
-  <p:tag name="KSO_WM_UNIT_PRESET_TEXT_INDEX" val="4"/>
-  <p:tag name="KSO_WM_UNIT_PRESET_TEXT_LEN" val="57"/>
-</p:tagLst>
-</file>
-
-<file path=ppt/tags/tag54.xml><?xml version="1.0" encoding="utf-8"?>
-<p:tagLst xmlns:p="http://schemas.openxmlformats.org/presentationml/2006/main">
-  <p:tag name="KSO_WM_TAG_VERSION" val="1.0"/>
-  <p:tag name="KSO_WM_BEAUTIFY_FLAG" val="#wm#"/>
-  <p:tag name="KSO_WM_TEMPLATE_CATEGORY" val="custom"/>
-  <p:tag name="KSO_WM_TEMPLATE_INDEX" val="160471"/>
-  <p:tag name="KSO_WM_UNIT_TYPE" val="a"/>
-  <p:tag name="KSO_WM_UNIT_INDEX" val="1"/>
-  <p:tag name="KSO_WM_UNIT_ID" val="custom160471_20*a*1"/>
-  <p:tag name="KSO_WM_UNIT_CLEAR" val="1"/>
-  <p:tag name="KSO_WM_UNIT_LAYERLEVEL" val="1"/>
-  <p:tag name="KSO_WM_UNIT_VALUE" val="24"/>
-  <p:tag name="KSO_WM_UNIT_ISCONTENTSTITLE" val="0"/>
-  <p:tag name="KSO_WM_UNIT_HIGHLIGHT" val="0"/>
-  <p:tag name="KSO_WM_UNIT_COMPATIBLE" val="0"/>
-  <p:tag name="KSO_WM_UNIT_PRESET_TEXT_INDEX" val="3"/>
-  <p:tag name="KSO_WM_UNIT_PRESET_TEXT_LEN" val="17"/>
-</p:tagLst>
-</file>
-
-<file path=ppt/tags/tag55.xml><?xml version="1.0" encoding="utf-8"?>
-<p:tagLst xmlns:p="http://schemas.openxmlformats.org/presentationml/2006/main">
-  <p:tag name="KSO_WM_TEMPLATE_CATEGORY" val="custom"/>
-  <p:tag name="KSO_WM_TEMPLATE_INDEX" val="160471"/>
-  <p:tag name="KSO_WM_SLIDE_ID" val="custom160471_20"/>
-  <p:tag name="KSO_WM_SLIDE_INDEX" val="20"/>
-  <p:tag name="KSO_WM_SLIDE_ITEM_CNT" val="3"/>
-  <p:tag name="KSO_WM_SLIDE_LAYOUT" val="a_f_d"/>
-  <p:tag name="KSO_WM_SLIDE_LAYOUT_CNT" val="1_1_2"/>
-  <p:tag name="KSO_WM_SLIDE_TYPE" val="text"/>
-  <p:tag name="KSO_WM_BEAUTIFY_FLAG" val="#wm#"/>
-  <p:tag name="KSO_WM_TAG_VERSION" val="1.0"/>
-  <p:tag name="KSO_WM_SLIDE_POSITION" val="282*68"/>
-  <p:tag name="KSO_WM_SLIDE_SIZE" val="548*423"/>
-</p:tagLst>
-</file>
-
-<file path=ppt/tags/tag56.xml><?xml version="1.0" encoding="utf-8"?>
-<p:tagLst xmlns:p="http://schemas.openxmlformats.org/presentationml/2006/main">
-  <p:tag name="KSO_WM_TAG_VERSION" val="1.0"/>
-  <p:tag name="KSO_WM_BEAUTIFY_FLAG" val="#wm#"/>
-  <p:tag name="KSO_WM_TEMPLATE_CATEGORY" val="custom"/>
-  <p:tag name="KSO_WM_TEMPLATE_INDEX" val="160471"/>
-  <p:tag name="KSO_WM_UNIT_TYPE" val="a"/>
-  <p:tag name="KSO_WM_UNIT_INDEX" val="1"/>
-  <p:tag name="KSO_WM_UNIT_ID" val="custom160471_30*a*1"/>
-  <p:tag name="KSO_WM_UNIT_CLEAR" val="1"/>
-  <p:tag name="KSO_WM_UNIT_LAYERLEVEL" val="1"/>
-  <p:tag name="KSO_WM_UNIT_VALUE" val="6"/>
-  <p:tag name="KSO_WM_UNIT_ISCONTENTSTITLE" val="0"/>
-  <p:tag name="KSO_WM_UNIT_HIGHLIGHT" val="0"/>
-  <p:tag name="KSO_WM_UNIT_COMPATIBLE" val="0"/>
-  <p:tag name="KSO_WM_UNIT_PRESET_TEXT" val="THANKS"/>
-</p:tagLst>
-</file>
-
-<file path=ppt/tags/tag57.xml><?xml version="1.0" encoding="utf-8"?>
-<p:tagLst xmlns:p="http://schemas.openxmlformats.org/presentationml/2006/main">
-  <p:tag name="KSO_WM_TAG_VERSION" val="1.0"/>
-  <p:tag name="KSO_WM_BEAUTIFY_FLAG" val="#wm#"/>
-  <p:tag name="KSO_WM_TEMPLATE_CATEGORY" val="custom"/>
-  <p:tag name="KSO_WM_TEMPLATE_INDEX" val="160471"/>
-  <p:tag name="KSO_WM_UNIT_TYPE" val="b"/>
-  <p:tag name="KSO_WM_UNIT_INDEX" val="1"/>
-  <p:tag name="KSO_WM_UNIT_ID" val="custom160471_30*b*1"/>
-  <p:tag name="KSO_WM_UNIT_CLEAR" val="1"/>
-  <p:tag name="KSO_WM_UNIT_LAYERLEVEL" val="1"/>
-  <p:tag name="KSO_WM_UNIT_VALUE" val="39"/>
-  <p:tag name="KSO_WM_UNIT_ISCONTENTSTITLE" val="0"/>
-  <p:tag name="KSO_WM_UNIT_HIGHLIGHT" val="0"/>
-  <p:tag name="KSO_WM_UNIT_COMPATIBLE" val="0"/>
-  <p:tag name="KSO_WM_UNIT_PRESET_TEXT_INDEX" val="4"/>
-  <p:tag name="KSO_WM_UNIT_PRESET_TEXT_LEN" val="26"/>
-</p:tagLst>
-</file>
-
-<file path=ppt/tags/tag58.xml><?xml version="1.0" encoding="utf-8"?>
-<p:tagLst xmlns:p="http://schemas.openxmlformats.org/presentationml/2006/main">
-  <p:tag name="KSO_WM_TEMPLATE_CATEGORY" val="custom"/>
-  <p:tag name="KSO_WM_TEMPLATE_INDEX" val="160471"/>
-  <p:tag name="KSO_WM_SLIDE_ID" val="custom160471_30"/>
-  <p:tag name="KSO_WM_SLIDE_INDEX" val="30"/>
-  <p:tag name="KSO_WM_SLIDE_ITEM_CNT" val="2"/>
-  <p:tag name="KSO_WM_SLIDE_LAYOUT" val="a_b"/>
-  <p:tag name="KSO_WM_SLIDE_LAYOUT_CNT" val="1_1"/>
-  <p:tag name="KSO_WM_SLIDE_TYPE" val="endPage"/>
-  <p:tag name="KSO_WM_BEAUTIFY_FLAG" val="#wm#"/>
-  <p:tag name="KSO_WM_TAG_VERSION" val="1.0"/>
-</p:tagLst>
-</file>
-
-<file path=ppt/tags/tag6.xml><?xml version="1.0" encoding="utf-8"?>
-<p:tagLst xmlns:p="http://schemas.openxmlformats.org/presentationml/2006/main">
-  <p:tag name="KSO_WM_TAG_VERSION" val="1.0"/>
-  <p:tag name="KSO_WM_BEAUTIFY_FLAG" val="#wm#"/>
-  <p:tag name="KSO_WM_TEMPLATE_CATEGORY" val="custom"/>
-  <p:tag name="KSO_WM_TEMPLATE_INDEX" val="160471"/>
-  <p:tag name="KSO_WM_UNIT_TYPE" val="a"/>
-  <p:tag name="KSO_WM_UNIT_INDEX" val="1"/>
-  <p:tag name="KSO_WM_UNIT_ID" val="custom160471_2*a*1"/>
-  <p:tag name="KSO_WM_UNIT_CLEAR" val="1"/>
-  <p:tag name="KSO_WM_UNIT_LAYERLEVEL" val="1"/>
-  <p:tag name="KSO_WM_UNIT_VALUE" val="20"/>
-  <p:tag name="KSO_WM_UNIT_ISCONTENTSTITLE" val="0"/>
-  <p:tag name="KSO_WM_UNIT_HIGHLIGHT" val="0"/>
-  <p:tag name="KSO_WM_UNIT_COMPATIBLE" val="0"/>
-  <p:tag name="KSO_WM_UNIT_PRESET_TEXT_INDEX" val="3"/>
-  <p:tag name="KSO_WM_UNIT_PRESET_TEXT_LEN" val="17"/>
-</p:tagLst>
-</file>
-
-<file path=ppt/tags/tag7.xml><?xml version="1.0" encoding="utf-8"?>
-<p:tagLst xmlns:p="http://schemas.openxmlformats.org/presentationml/2006/main">
-  <p:tag name="KSO_WM_TAG_VERSION" val="1.0"/>
-  <p:tag name="KSO_WM_BEAUTIFY_FLAG" val="#wm#"/>
-  <p:tag name="KSO_WM_TEMPLATE_CATEGORY" val="custom"/>
-  <p:tag name="KSO_WM_TEMPLATE_INDEX" val="160471"/>
-  <p:tag name="KSO_WM_UNIT_TYPE" val="f"/>
-  <p:tag name="KSO_WM_UNIT_INDEX" val="1"/>
-  <p:tag name="KSO_WM_UNIT_ID" val="custom160471_2*f*1"/>
-  <p:tag name="KSO_WM_UNIT_CLEAR" val="1"/>
-  <p:tag name="KSO_WM_UNIT_LAYERLEVEL" val="1"/>
-  <p:tag name="KSO_WM_UNIT_VALUE" val="462"/>
-  <p:tag name="KSO_WM_UNIT_HIGHLIGHT" val="0"/>
-  <p:tag name="KSO_WM_UNIT_COMPATIBLE" val="0"/>
-  <p:tag name="KSO_WM_UNIT_PRESET_TEXT_INDEX" val="5"/>
-  <p:tag name="KSO_WM_UNIT_PRESET_TEXT_LEN" val="232"/>
-</p:tagLst>
-</file>
-
-<file path=ppt/tags/tag8.xml><?xml version="1.0" encoding="utf-8"?>
-<p:tagLst xmlns:p="http://schemas.openxmlformats.org/presentationml/2006/main">
-  <p:tag name="KSO_WM_TEMPLATE_CATEGORY" val="custom"/>
-  <p:tag name="KSO_WM_TEMPLATE_INDEX" val="160471"/>
-  <p:tag name="KSO_WM_SLIDE_ID" val="custom160471_2"/>
-  <p:tag name="KSO_WM_SLIDE_INDEX" val="2"/>
-  <p:tag name="KSO_WM_SLIDE_ITEM_CNT" val="1"/>
-  <p:tag name="KSO_WM_SLIDE_LAYOUT" val="a_f"/>
-  <p:tag name="KSO_WM_SLIDE_LAYOUT_CNT" val="1_1"/>
-  <p:tag name="KSO_WM_SLIDE_TYPE" val="text"/>
-  <p:tag name="KSO_WM_BEAUTIFY_FLAG" val="#wm#"/>
-  <p:tag name="KSO_WM_TAG_VERSION" val="1.0"/>
-  <p:tag name="KSO_WM_SLIDE_POSITION" val="66*121"/>
-  <p:tag name="KSO_WM_SLIDE_SIZE" val="828*365"/>
-</p:tagLst>
-</file>
-
-<file path=ppt/tags/tag9.xml><?xml version="1.0" encoding="utf-8"?>
-<p:tagLst xmlns:p="http://schemas.openxmlformats.org/presentationml/2006/main">
-  <p:tag name="KSO_WM_TAG_VERSION" val="1.0"/>
-  <p:tag name="KSO_WM_BEAUTIFY_FLAG" val="#wm#"/>
-  <p:tag name="KSO_WM_TEMPLATE_CATEGORY" val="custom"/>
-  <p:tag name="KSO_WM_TEMPLATE_INDEX" val="160471"/>
-  <p:tag name="KSO_WM_UNIT_TYPE" val="m_h_f"/>
-  <p:tag name="KSO_WM_UNIT_INDEX" val="1_2_1"/>
-  <p:tag name="KSO_WM_UNIT_ID" val="custom160471_26*m_h_f*1_2_1"/>
-  <p:tag name="KSO_WM_UNIT_CLEAR" val="1"/>
-  <p:tag name="KSO_WM_UNIT_LAYERLEVEL" val="1_1_1"/>
-  <p:tag name="KSO_WM_UNIT_VALUE" val="3"/>
-  <p:tag name="KSO_WM_UNIT_HIGHLIGHT" val="0"/>
-  <p:tag name="KSO_WM_UNIT_COMPATIBLE" val="0"/>
-  <p:tag name="KSO_WM_UNIT_PRESET_TEXT_INDEX" val="3"/>
-  <p:tag name="KSO_WM_UNIT_PRESET_TEXT_LEN" val="5"/>
-  <p:tag name="KSO_WM_DIAGRAM_GROUP_CODE" val="m1-1"/>
-  <p:tag name="KSO_WM_UNIT_TEXT_FILL_FORE_SCHEMECOLOR_INDEX" val="13"/>
-  <p:tag name="KSO_WM_UNIT_TEXT_FILL_TYPE" val="1"/>
-  <p:tag name="KSO_WM_UNIT_USESOURCEFORMAT_APPLY" val="1"/>
-</p:tagLst>
 </file>
 
 <file path=ppt/theme/theme1.xml><?xml version="1.0" encoding="utf-8"?>
@@ -10608,6 +7913,8 @@
       </a:bgFillStyleLst>
     </a:fmtScheme>
   </a:themeElements>
+  <a:objectDefaults/>
+  <a:extraClrSchemeLst/>
   <a:extLst>
     <a:ext uri="{05A4C25C-085E-4340-85A3-A5531E510DB2}">
       <thm15:themeFamily xmlns:thm15="http://schemas.microsoft.com/office/thememl/2012/main" name="Office Theme" id="{62F939B6-93AF-4DB8-9C6B-D6C7DFDC589F}" vid="{4A3C46E8-61CC-4603-A589-7422A47A8E4A}"/>
@@ -10867,6 +8174,8 @@
       </a:bgFillStyleLst>
     </a:fmtScheme>
   </a:themeElements>
+  <a:objectDefaults/>
+  <a:extraClrSchemeLst/>
   <a:extLst>
     <a:ext uri="{05A4C25C-085E-4340-85A3-A5531E510DB2}">
       <thm15:themeFamily xmlns:thm15="http://schemas.microsoft.com/office/thememl/2012/main" name="Office Theme" id="{62F939B6-93AF-4DB8-9C6B-D6C7DFDC589F}" vid="{4A3C46E8-61CC-4603-A589-7422A47A8E4A}"/>
